--- a/教育ツール画像.pptx
+++ b/教育ツール画像.pptx
@@ -5,7 +5,7 @@
     <p:sldMasterId id="2147483648" r:id="rId1"/>
   </p:sldMasterIdLst>
   <p:notesMasterIdLst>
-    <p:notesMasterId r:id="rId15"/>
+    <p:notesMasterId r:id="rId22"/>
   </p:notesMasterIdLst>
   <p:sldIdLst>
     <p:sldId id="262" r:id="rId2"/>
@@ -21,6 +21,13 @@
     <p:sldId id="273" r:id="rId12"/>
     <p:sldId id="275" r:id="rId13"/>
     <p:sldId id="276" r:id="rId14"/>
+    <p:sldId id="277" r:id="rId15"/>
+    <p:sldId id="288" r:id="rId16"/>
+    <p:sldId id="283" r:id="rId17"/>
+    <p:sldId id="284" r:id="rId18"/>
+    <p:sldId id="285" r:id="rId19"/>
+    <p:sldId id="286" r:id="rId20"/>
+    <p:sldId id="282" r:id="rId21"/>
   </p:sldIdLst>
   <p:sldSz cx="4572000" cy="3430588"/>
   <p:notesSz cx="6858000" cy="9144000"/>
@@ -204,7 +211,7 @@
           <a:p>
             <a:fld id="{98920F74-708D-44BB-8922-3FD2C567D120}" type="datetimeFigureOut">
               <a:rPr kumimoji="1" lang="ja-JP" altLang="en-US" smtClean="0"/>
-              <a:t>2018/8/20</a:t>
+              <a:t>2018/8/21</a:t>
             </a:fld>
             <a:endParaRPr kumimoji="1" lang="ja-JP" altLang="en-US"/>
           </a:p>
@@ -769,7 +776,7 @@
           <a:p>
             <a:fld id="{E90ED720-0104-4369-84BC-D37694168613}" type="datetimeFigureOut">
               <a:rPr kumimoji="1" lang="ja-JP" altLang="en-US" smtClean="0"/>
-              <a:t>2018/8/20</a:t>
+              <a:t>2018/8/21</a:t>
             </a:fld>
             <a:endParaRPr kumimoji="1" lang="ja-JP" altLang="en-US"/>
           </a:p>
@@ -966,7 +973,7 @@
           <a:p>
             <a:fld id="{E90ED720-0104-4369-84BC-D37694168613}" type="datetimeFigureOut">
               <a:rPr kumimoji="1" lang="ja-JP" altLang="en-US" smtClean="0"/>
-              <a:t>2018/8/20</a:t>
+              <a:t>2018/8/21</a:t>
             </a:fld>
             <a:endParaRPr kumimoji="1" lang="ja-JP" altLang="en-US"/>
           </a:p>
@@ -1173,7 +1180,7 @@
           <a:p>
             <a:fld id="{E90ED720-0104-4369-84BC-D37694168613}" type="datetimeFigureOut">
               <a:rPr kumimoji="1" lang="ja-JP" altLang="en-US" smtClean="0"/>
-              <a:t>2018/8/20</a:t>
+              <a:t>2018/8/21</a:t>
             </a:fld>
             <a:endParaRPr kumimoji="1" lang="ja-JP" altLang="en-US"/>
           </a:p>
@@ -1370,7 +1377,7 @@
           <a:p>
             <a:fld id="{E90ED720-0104-4369-84BC-D37694168613}" type="datetimeFigureOut">
               <a:rPr kumimoji="1" lang="ja-JP" altLang="en-US" smtClean="0"/>
-              <a:t>2018/8/20</a:t>
+              <a:t>2018/8/21</a:t>
             </a:fld>
             <a:endParaRPr kumimoji="1" lang="ja-JP" altLang="en-US"/>
           </a:p>
@@ -1611,7 +1618,7 @@
           <a:p>
             <a:fld id="{E90ED720-0104-4369-84BC-D37694168613}" type="datetimeFigureOut">
               <a:rPr kumimoji="1" lang="ja-JP" altLang="en-US" smtClean="0"/>
-              <a:t>2018/8/20</a:t>
+              <a:t>2018/8/21</a:t>
             </a:fld>
             <a:endParaRPr kumimoji="1" lang="ja-JP" altLang="en-US"/>
           </a:p>
@@ -1958,7 +1965,7 @@
           <a:p>
             <a:fld id="{E90ED720-0104-4369-84BC-D37694168613}" type="datetimeFigureOut">
               <a:rPr kumimoji="1" lang="ja-JP" altLang="en-US" smtClean="0"/>
-              <a:t>2018/8/20</a:t>
+              <a:t>2018/8/21</a:t>
             </a:fld>
             <a:endParaRPr kumimoji="1" lang="ja-JP" altLang="en-US"/>
           </a:p>
@@ -2439,7 +2446,7 @@
           <a:p>
             <a:fld id="{E90ED720-0104-4369-84BC-D37694168613}" type="datetimeFigureOut">
               <a:rPr kumimoji="1" lang="ja-JP" altLang="en-US" smtClean="0"/>
-              <a:t>2018/8/20</a:t>
+              <a:t>2018/8/21</a:t>
             </a:fld>
             <a:endParaRPr kumimoji="1" lang="ja-JP" altLang="en-US"/>
           </a:p>
@@ -2552,7 +2559,7 @@
           <a:p>
             <a:fld id="{E90ED720-0104-4369-84BC-D37694168613}" type="datetimeFigureOut">
               <a:rPr kumimoji="1" lang="ja-JP" altLang="en-US" smtClean="0"/>
-              <a:t>2018/8/20</a:t>
+              <a:t>2018/8/21</a:t>
             </a:fld>
             <a:endParaRPr kumimoji="1" lang="ja-JP" altLang="en-US"/>
           </a:p>
@@ -2642,7 +2649,7 @@
           <a:p>
             <a:fld id="{E90ED720-0104-4369-84BC-D37694168613}" type="datetimeFigureOut">
               <a:rPr kumimoji="1" lang="ja-JP" altLang="en-US" smtClean="0"/>
-              <a:t>2018/8/20</a:t>
+              <a:t>2018/8/21</a:t>
             </a:fld>
             <a:endParaRPr kumimoji="1" lang="ja-JP" altLang="en-US"/>
           </a:p>
@@ -2946,7 +2953,7 @@
           <a:p>
             <a:fld id="{E90ED720-0104-4369-84BC-D37694168613}" type="datetimeFigureOut">
               <a:rPr kumimoji="1" lang="ja-JP" altLang="en-US" smtClean="0"/>
-              <a:t>2018/8/20</a:t>
+              <a:t>2018/8/21</a:t>
             </a:fld>
             <a:endParaRPr kumimoji="1" lang="ja-JP" altLang="en-US"/>
           </a:p>
@@ -3194,7 +3201,7 @@
           <a:p>
             <a:fld id="{E90ED720-0104-4369-84BC-D37694168613}" type="datetimeFigureOut">
               <a:rPr kumimoji="1" lang="ja-JP" altLang="en-US" smtClean="0"/>
-              <a:t>2018/8/20</a:t>
+              <a:t>2018/8/21</a:t>
             </a:fld>
             <a:endParaRPr kumimoji="1" lang="ja-JP" altLang="en-US"/>
           </a:p>
@@ -3434,7 +3441,7 @@
           <a:p>
             <a:fld id="{E90ED720-0104-4369-84BC-D37694168613}" type="datetimeFigureOut">
               <a:rPr kumimoji="1" lang="ja-JP" altLang="en-US" smtClean="0"/>
-              <a:t>2018/8/20</a:t>
+              <a:t>2018/8/21</a:t>
             </a:fld>
             <a:endParaRPr kumimoji="1" lang="ja-JP" altLang="en-US"/>
           </a:p>
@@ -5423,28 +5430,28 @@
                 <a:gridCol w="327977">
                   <a:extLst>
                     <a:ext uri="{9D8B030D-6E8A-4147-A177-3AD203B41FA5}">
-                      <a16:colId xmlns="" xmlns:a16="http://schemas.microsoft.com/office/drawing/2014/main" val="20000"/>
+                      <a16:colId xmlns:a16="http://schemas.microsoft.com/office/drawing/2014/main" xmlns="" val="20000"/>
                     </a:ext>
                   </a:extLst>
                 </a:gridCol>
                 <a:gridCol w="420525">
                   <a:extLst>
                     <a:ext uri="{9D8B030D-6E8A-4147-A177-3AD203B41FA5}">
-                      <a16:colId xmlns="" xmlns:a16="http://schemas.microsoft.com/office/drawing/2014/main" val="20001"/>
+                      <a16:colId xmlns:a16="http://schemas.microsoft.com/office/drawing/2014/main" xmlns="" val="20001"/>
                     </a:ext>
                   </a:extLst>
                 </a:gridCol>
                 <a:gridCol w="520263">
                   <a:extLst>
                     <a:ext uri="{9D8B030D-6E8A-4147-A177-3AD203B41FA5}">
-                      <a16:colId xmlns="" xmlns:a16="http://schemas.microsoft.com/office/drawing/2014/main" val="20002"/>
+                      <a16:colId xmlns:a16="http://schemas.microsoft.com/office/drawing/2014/main" xmlns="" val="20002"/>
                     </a:ext>
                   </a:extLst>
                 </a:gridCol>
                 <a:gridCol w="491647">
                   <a:extLst>
                     <a:ext uri="{9D8B030D-6E8A-4147-A177-3AD203B41FA5}">
-                      <a16:colId xmlns="" xmlns:a16="http://schemas.microsoft.com/office/drawing/2014/main" val="20003"/>
+                      <a16:colId xmlns:a16="http://schemas.microsoft.com/office/drawing/2014/main" xmlns="" val="20003"/>
                     </a:ext>
                   </a:extLst>
                 </a:gridCol>
@@ -5571,11 +5578,7 @@
                       <a:pPr algn="ctr"/>
                       <a:r>
                         <a:rPr kumimoji="1" lang="en-US" altLang="ja-JP" sz="1200" dirty="0" smtClean="0"/>
-                        <a:t>&gt; </a:t>
-                      </a:r>
-                      <a:r>
-                        <a:rPr kumimoji="1" lang="en-US" altLang="ja-JP" sz="1200" dirty="0" smtClean="0"/>
-                        <a:t>50</a:t>
+                        <a:t>&gt; 50</a:t>
                       </a:r>
                       <a:endParaRPr kumimoji="1" lang="ja-JP" altLang="en-US" sz="1200" dirty="0"/>
                     </a:p>
@@ -5584,7 +5587,7 @@
                 </a:tc>
                 <a:extLst>
                   <a:ext uri="{0D108BD9-81ED-4DB2-BD59-A6C34878D82A}">
-                    <a16:rowId xmlns="" xmlns:a16="http://schemas.microsoft.com/office/drawing/2014/main" val="10000"/>
+                    <a16:rowId xmlns:a16="http://schemas.microsoft.com/office/drawing/2014/main" xmlns="" val="10000"/>
                   </a:ext>
                 </a:extLst>
               </a:tr>
@@ -5705,7 +5708,7 @@
                 </a:tc>
                 <a:extLst>
                   <a:ext uri="{0D108BD9-81ED-4DB2-BD59-A6C34878D82A}">
-                    <a16:rowId xmlns="" xmlns:a16="http://schemas.microsoft.com/office/drawing/2014/main" val="10001"/>
+                    <a16:rowId xmlns:a16="http://schemas.microsoft.com/office/drawing/2014/main" xmlns="" val="10001"/>
                   </a:ext>
                 </a:extLst>
               </a:tr>
@@ -5782,7 +5785,7 @@
                 </a:tc>
                 <a:extLst>
                   <a:ext uri="{0D108BD9-81ED-4DB2-BD59-A6C34878D82A}">
-                    <a16:rowId xmlns="" xmlns:a16="http://schemas.microsoft.com/office/drawing/2014/main" val="10002"/>
+                    <a16:rowId xmlns:a16="http://schemas.microsoft.com/office/drawing/2014/main" xmlns="" val="10002"/>
                   </a:ext>
                 </a:extLst>
               </a:tr>
@@ -5866,7 +5869,7 @@
                 </a:tc>
                 <a:extLst>
                   <a:ext uri="{0D108BD9-81ED-4DB2-BD59-A6C34878D82A}">
-                    <a16:rowId xmlns="" xmlns:a16="http://schemas.microsoft.com/office/drawing/2014/main" val="10003"/>
+                    <a16:rowId xmlns:a16="http://schemas.microsoft.com/office/drawing/2014/main" xmlns="" val="10003"/>
                   </a:ext>
                 </a:extLst>
               </a:tr>
@@ -6660,28 +6663,28 @@
                   <a:gridCol w="327978">
                     <a:extLst>
                       <a:ext uri="{9D8B030D-6E8A-4147-A177-3AD203B41FA5}">
-                        <a16:colId xmlns="" xmlns:a16="http://schemas.microsoft.com/office/drawing/2014/main" val="20000"/>
+                        <a16:colId xmlns:a16="http://schemas.microsoft.com/office/drawing/2014/main" xmlns="" val="20000"/>
                       </a:ext>
                     </a:extLst>
                   </a:gridCol>
                   <a:gridCol w="327977">
                     <a:extLst>
                       <a:ext uri="{9D8B030D-6E8A-4147-A177-3AD203B41FA5}">
-                        <a16:colId xmlns="" xmlns:a16="http://schemas.microsoft.com/office/drawing/2014/main" val="20001"/>
+                        <a16:colId xmlns:a16="http://schemas.microsoft.com/office/drawing/2014/main" xmlns="" val="20001"/>
                       </a:ext>
                     </a:extLst>
                   </a:gridCol>
                   <a:gridCol w="405765">
                     <a:extLst>
                       <a:ext uri="{9D8B030D-6E8A-4147-A177-3AD203B41FA5}">
-                        <a16:colId xmlns="" xmlns:a16="http://schemas.microsoft.com/office/drawing/2014/main" val="20002"/>
+                        <a16:colId xmlns:a16="http://schemas.microsoft.com/office/drawing/2014/main" xmlns="" val="20002"/>
                       </a:ext>
                     </a:extLst>
                   </a:gridCol>
                   <a:gridCol w="383447">
                     <a:extLst>
                       <a:ext uri="{9D8B030D-6E8A-4147-A177-3AD203B41FA5}">
-                        <a16:colId xmlns="" xmlns:a16="http://schemas.microsoft.com/office/drawing/2014/main" val="20003"/>
+                        <a16:colId xmlns:a16="http://schemas.microsoft.com/office/drawing/2014/main" xmlns="" val="20003"/>
                       </a:ext>
                     </a:extLst>
                   </a:gridCol>
@@ -6816,7 +6819,7 @@
                   </a:tc>
                   <a:extLst>
                     <a:ext uri="{0D108BD9-81ED-4DB2-BD59-A6C34878D82A}">
-                      <a16:rowId xmlns="" xmlns:a16="http://schemas.microsoft.com/office/drawing/2014/main" val="10000"/>
+                      <a16:rowId xmlns:a16="http://schemas.microsoft.com/office/drawing/2014/main" xmlns="" val="10000"/>
                     </a:ext>
                   </a:extLst>
                 </a:tr>
@@ -6951,7 +6954,7 @@
                   </a:tc>
                   <a:extLst>
                     <a:ext uri="{0D108BD9-81ED-4DB2-BD59-A6C34878D82A}">
-                      <a16:rowId xmlns="" xmlns:a16="http://schemas.microsoft.com/office/drawing/2014/main" val="10001"/>
+                      <a16:rowId xmlns:a16="http://schemas.microsoft.com/office/drawing/2014/main" xmlns="" val="10001"/>
                     </a:ext>
                   </a:extLst>
                 </a:tr>
@@ -7027,7 +7030,7 @@
                   </a:tc>
                   <a:extLst>
                     <a:ext uri="{0D108BD9-81ED-4DB2-BD59-A6C34878D82A}">
-                      <a16:rowId xmlns="" xmlns:a16="http://schemas.microsoft.com/office/drawing/2014/main" val="10002"/>
+                      <a16:rowId xmlns:a16="http://schemas.microsoft.com/office/drawing/2014/main" xmlns="" val="10002"/>
                     </a:ext>
                   </a:extLst>
                 </a:tr>
@@ -7111,7 +7114,7 @@
                   </a:tc>
                   <a:extLst>
                     <a:ext uri="{0D108BD9-81ED-4DB2-BD59-A6C34878D82A}">
-                      <a16:rowId xmlns="" xmlns:a16="http://schemas.microsoft.com/office/drawing/2014/main" val="10003"/>
+                      <a16:rowId xmlns:a16="http://schemas.microsoft.com/office/drawing/2014/main" xmlns="" val="10003"/>
                     </a:ext>
                   </a:extLst>
                 </a:tr>
@@ -7148,28 +7151,28 @@
                   <a:gridCol w="327978">
                     <a:extLst>
                       <a:ext uri="{9D8B030D-6E8A-4147-A177-3AD203B41FA5}">
-                        <a16:colId xmlns="" xmlns:a16="http://schemas.microsoft.com/office/drawing/2014/main" val="20000"/>
+                        <a16:colId xmlns:a16="http://schemas.microsoft.com/office/drawing/2014/main" xmlns="" val="20000"/>
                       </a:ext>
                     </a:extLst>
                   </a:gridCol>
                   <a:gridCol w="327977">
                     <a:extLst>
                       <a:ext uri="{9D8B030D-6E8A-4147-A177-3AD203B41FA5}">
-                        <a16:colId xmlns="" xmlns:a16="http://schemas.microsoft.com/office/drawing/2014/main" val="20001"/>
+                        <a16:colId xmlns:a16="http://schemas.microsoft.com/office/drawing/2014/main" xmlns="" val="20001"/>
                       </a:ext>
                     </a:extLst>
                   </a:gridCol>
                   <a:gridCol w="405765">
                     <a:extLst>
                       <a:ext uri="{9D8B030D-6E8A-4147-A177-3AD203B41FA5}">
-                        <a16:colId xmlns="" xmlns:a16="http://schemas.microsoft.com/office/drawing/2014/main" val="20002"/>
+                        <a16:colId xmlns:a16="http://schemas.microsoft.com/office/drawing/2014/main" xmlns="" val="20002"/>
                       </a:ext>
                     </a:extLst>
                   </a:gridCol>
                   <a:gridCol w="383447">
                     <a:extLst>
                       <a:ext uri="{9D8B030D-6E8A-4147-A177-3AD203B41FA5}">
-                        <a16:colId xmlns="" xmlns:a16="http://schemas.microsoft.com/office/drawing/2014/main" val="20003"/>
+                        <a16:colId xmlns:a16="http://schemas.microsoft.com/office/drawing/2014/main" xmlns="" val="20003"/>
                       </a:ext>
                     </a:extLst>
                   </a:gridCol>
@@ -7304,7 +7307,7 @@
                   </a:tc>
                   <a:extLst>
                     <a:ext uri="{0D108BD9-81ED-4DB2-BD59-A6C34878D82A}">
-                      <a16:rowId xmlns="" xmlns:a16="http://schemas.microsoft.com/office/drawing/2014/main" val="10000"/>
+                      <a16:rowId xmlns:a16="http://schemas.microsoft.com/office/drawing/2014/main" xmlns="" val="10000"/>
                     </a:ext>
                   </a:extLst>
                 </a:tr>
@@ -7440,7 +7443,7 @@
                   </a:tc>
                   <a:extLst>
                     <a:ext uri="{0D108BD9-81ED-4DB2-BD59-A6C34878D82A}">
-                      <a16:rowId xmlns="" xmlns:a16="http://schemas.microsoft.com/office/drawing/2014/main" val="10001"/>
+                      <a16:rowId xmlns:a16="http://schemas.microsoft.com/office/drawing/2014/main" xmlns="" val="10001"/>
                     </a:ext>
                   </a:extLst>
                 </a:tr>
@@ -7517,7 +7520,7 @@
                   </a:tc>
                   <a:extLst>
                     <a:ext uri="{0D108BD9-81ED-4DB2-BD59-A6C34878D82A}">
-                      <a16:rowId xmlns="" xmlns:a16="http://schemas.microsoft.com/office/drawing/2014/main" val="10002"/>
+                      <a16:rowId xmlns:a16="http://schemas.microsoft.com/office/drawing/2014/main" xmlns="" val="10002"/>
                     </a:ext>
                   </a:extLst>
                 </a:tr>
@@ -7598,7 +7601,7 @@
                   </a:tc>
                   <a:extLst>
                     <a:ext uri="{0D108BD9-81ED-4DB2-BD59-A6C34878D82A}">
-                      <a16:rowId xmlns="" xmlns:a16="http://schemas.microsoft.com/office/drawing/2014/main" val="10003"/>
+                      <a16:rowId xmlns:a16="http://schemas.microsoft.com/office/drawing/2014/main" xmlns="" val="10003"/>
                     </a:ext>
                   </a:extLst>
                 </a:tr>
@@ -7611,6 +7614,5647 @@
     <p:extLst>
       <p:ext uri="{BB962C8B-B14F-4D97-AF65-F5344CB8AC3E}">
         <p14:creationId xmlns:p14="http://schemas.microsoft.com/office/powerpoint/2010/main" val="1764762765"/>
+      </p:ext>
+    </p:extLst>
+  </p:cSld>
+  <p:clrMapOvr>
+    <a:masterClrMapping/>
+  </p:clrMapOvr>
+</p:sld>
+</file>
+
+<file path=ppt/slides/slide14.xml><?xml version="1.0" encoding="utf-8"?>
+<p:sld xmlns:a="http://schemas.openxmlformats.org/drawingml/2006/main" xmlns:r="http://schemas.openxmlformats.org/officeDocument/2006/relationships" xmlns:p="http://schemas.openxmlformats.org/presentationml/2006/main">
+  <p:cSld>
+    <p:spTree>
+      <p:nvGrpSpPr>
+        <p:cNvPr id="1" name=""/>
+        <p:cNvGrpSpPr/>
+        <p:nvPr/>
+      </p:nvGrpSpPr>
+      <p:grpSpPr>
+        <a:xfrm>
+          <a:off x="0" y="0"/>
+          <a:ext cx="0" cy="0"/>
+          <a:chOff x="0" y="0"/>
+          <a:chExt cx="0" cy="0"/>
+        </a:xfrm>
+      </p:grpSpPr>
+      <p:grpSp>
+        <p:nvGrpSpPr>
+          <p:cNvPr id="8" name="グループ化 7"/>
+          <p:cNvGrpSpPr/>
+          <p:nvPr/>
+        </p:nvGrpSpPr>
+        <p:grpSpPr>
+          <a:xfrm>
+            <a:off x="396926" y="915545"/>
+            <a:ext cx="1833932" cy="473714"/>
+            <a:chOff x="413792" y="915545"/>
+            <a:chExt cx="1833932" cy="473714"/>
+          </a:xfrm>
+        </p:grpSpPr>
+        <p:sp>
+          <p:nvSpPr>
+            <p:cNvPr id="5" name="円/楕円 4"/>
+            <p:cNvSpPr/>
+            <p:nvPr/>
+          </p:nvSpPr>
+          <p:spPr>
+            <a:xfrm>
+              <a:off x="485800" y="987553"/>
+              <a:ext cx="311557" cy="288032"/>
+            </a:xfrm>
+            <a:prstGeom prst="ellipse">
+              <a:avLst/>
+            </a:prstGeom>
+          </p:spPr>
+          <p:style>
+            <a:lnRef idx="0">
+              <a:schemeClr val="accent6"/>
+            </a:lnRef>
+            <a:fillRef idx="3">
+              <a:schemeClr val="accent6"/>
+            </a:fillRef>
+            <a:effectRef idx="3">
+              <a:schemeClr val="accent6"/>
+            </a:effectRef>
+            <a:fontRef idx="minor">
+              <a:schemeClr val="lt1"/>
+            </a:fontRef>
+          </p:style>
+          <p:txBody>
+            <a:bodyPr rtlCol="0" anchor="ctr"/>
+            <a:lstStyle/>
+            <a:p>
+              <a:pPr algn="ctr"/>
+              <a:endParaRPr kumimoji="1" lang="ja-JP" altLang="en-US"/>
+            </a:p>
+          </p:txBody>
+        </p:sp>
+        <p:sp>
+          <p:nvSpPr>
+            <p:cNvPr id="6" name="正方形/長方形 5"/>
+            <p:cNvSpPr/>
+            <p:nvPr/>
+          </p:nvSpPr>
+          <p:spPr>
+            <a:xfrm>
+              <a:off x="413792" y="915545"/>
+              <a:ext cx="1800200" cy="432048"/>
+            </a:xfrm>
+            <a:prstGeom prst="rect">
+              <a:avLst/>
+            </a:prstGeom>
+            <a:noFill/>
+            <a:ln>
+              <a:solidFill>
+                <a:schemeClr val="bg1"/>
+              </a:solidFill>
+            </a:ln>
+            <a:scene3d>
+              <a:camera prst="orthographicFront"/>
+              <a:lightRig rig="threePt" dir="t"/>
+            </a:scene3d>
+            <a:sp3d>
+              <a:bevelT prst="relaxedInset"/>
+            </a:sp3d>
+          </p:spPr>
+          <p:style>
+            <a:lnRef idx="2">
+              <a:schemeClr val="accent1">
+                <a:shade val="50000"/>
+              </a:schemeClr>
+            </a:lnRef>
+            <a:fillRef idx="1">
+              <a:schemeClr val="accent1"/>
+            </a:fillRef>
+            <a:effectRef idx="0">
+              <a:schemeClr val="accent1"/>
+            </a:effectRef>
+            <a:fontRef idx="minor">
+              <a:schemeClr val="lt1"/>
+            </a:fontRef>
+          </p:style>
+          <p:txBody>
+            <a:bodyPr rtlCol="0" anchor="ctr"/>
+            <a:lstStyle/>
+            <a:p>
+              <a:pPr algn="ctr"/>
+              <a:endParaRPr kumimoji="1" lang="ja-JP" altLang="en-US"/>
+            </a:p>
+          </p:txBody>
+        </p:sp>
+        <p:sp>
+          <p:nvSpPr>
+            <p:cNvPr id="7" name="テキスト ボックス 6"/>
+            <p:cNvSpPr txBox="1"/>
+            <p:nvPr/>
+          </p:nvSpPr>
+          <p:spPr>
+            <a:xfrm>
+              <a:off x="807564" y="989149"/>
+              <a:ext cx="1440160" cy="400110"/>
+            </a:xfrm>
+            <a:prstGeom prst="rect">
+              <a:avLst/>
+            </a:prstGeom>
+            <a:noFill/>
+          </p:spPr>
+          <p:txBody>
+            <a:bodyPr wrap="square" rtlCol="0">
+              <a:spAutoFit/>
+            </a:bodyPr>
+            <a:lstStyle/>
+            <a:p>
+              <a:r>
+                <a:rPr kumimoji="1" lang="ja-JP" altLang="en-US" sz="2000" b="1" dirty="0" smtClean="0">
+                  <a:latin typeface="メイリオ" panose="020B0604030504040204" pitchFamily="50" charset="-128"/>
+                  <a:ea typeface="メイリオ" panose="020B0604030504040204" pitchFamily="50" charset="-128"/>
+                </a:rPr>
+                <a:t>新規登録</a:t>
+              </a:r>
+              <a:endParaRPr kumimoji="1" lang="ja-JP" altLang="en-US" sz="2000" b="1" dirty="0">
+                <a:latin typeface="メイリオ" panose="020B0604030504040204" pitchFamily="50" charset="-128"/>
+                <a:ea typeface="メイリオ" panose="020B0604030504040204" pitchFamily="50" charset="-128"/>
+              </a:endParaRPr>
+            </a:p>
+          </p:txBody>
+        </p:sp>
+      </p:grpSp>
+      <p:sp>
+        <p:nvSpPr>
+          <p:cNvPr id="4" name="角丸四角形 3"/>
+          <p:cNvSpPr/>
+          <p:nvPr/>
+        </p:nvSpPr>
+        <p:spPr>
+          <a:xfrm>
+            <a:off x="989856" y="203126"/>
+            <a:ext cx="2592288" cy="432048"/>
+          </a:xfrm>
+          <a:prstGeom prst="roundRect">
+            <a:avLst/>
+          </a:prstGeom>
+        </p:spPr>
+        <p:style>
+          <a:lnRef idx="2">
+            <a:schemeClr val="accent6"/>
+          </a:lnRef>
+          <a:fillRef idx="1">
+            <a:schemeClr val="lt1"/>
+          </a:fillRef>
+          <a:effectRef idx="0">
+            <a:schemeClr val="accent6"/>
+          </a:effectRef>
+          <a:fontRef idx="minor">
+            <a:schemeClr val="dk1"/>
+          </a:fontRef>
+        </p:style>
+        <p:txBody>
+          <a:bodyPr rtlCol="0" anchor="ctr"/>
+          <a:lstStyle/>
+          <a:p>
+            <a:pPr algn="ctr"/>
+            <a:r>
+              <a:rPr lang="en-US" altLang="ja-JP" sz="1800" b="1" dirty="0">
+                <a:latin typeface="メイリオ" panose="020B0604030504040204" pitchFamily="50" charset="-128"/>
+                <a:ea typeface="メイリオ" panose="020B0604030504040204" pitchFamily="50" charset="-128"/>
+              </a:rPr>
+              <a:t>DVD</a:t>
+            </a:r>
+            <a:r>
+              <a:rPr lang="ja-JP" altLang="en-US" sz="1800" b="1" dirty="0">
+                <a:latin typeface="メイリオ" panose="020B0604030504040204" pitchFamily="50" charset="-128"/>
+                <a:ea typeface="メイリオ" panose="020B0604030504040204" pitchFamily="50" charset="-128"/>
+              </a:rPr>
+              <a:t>管理メニュー</a:t>
+            </a:r>
+            <a:endParaRPr lang="ja-JP" altLang="en-US" sz="1200" b="1" dirty="0">
+              <a:latin typeface="メイリオ" panose="020B0604030504040204" pitchFamily="50" charset="-128"/>
+              <a:ea typeface="メイリオ" panose="020B0604030504040204" pitchFamily="50" charset="-128"/>
+            </a:endParaRPr>
+          </a:p>
+        </p:txBody>
+      </p:sp>
+      <p:grpSp>
+        <p:nvGrpSpPr>
+          <p:cNvPr id="23" name="グループ化 22"/>
+          <p:cNvGrpSpPr/>
+          <p:nvPr/>
+        </p:nvGrpSpPr>
+        <p:grpSpPr>
+          <a:xfrm>
+            <a:off x="405359" y="1531444"/>
+            <a:ext cx="1833932" cy="473714"/>
+            <a:chOff x="413792" y="915545"/>
+            <a:chExt cx="1833932" cy="473714"/>
+          </a:xfrm>
+        </p:grpSpPr>
+        <p:sp>
+          <p:nvSpPr>
+            <p:cNvPr id="24" name="円/楕円 23"/>
+            <p:cNvSpPr/>
+            <p:nvPr/>
+          </p:nvSpPr>
+          <p:spPr>
+            <a:xfrm>
+              <a:off x="485800" y="987553"/>
+              <a:ext cx="311557" cy="288032"/>
+            </a:xfrm>
+            <a:prstGeom prst="ellipse">
+              <a:avLst/>
+            </a:prstGeom>
+          </p:spPr>
+          <p:style>
+            <a:lnRef idx="0">
+              <a:schemeClr val="accent2"/>
+            </a:lnRef>
+            <a:fillRef idx="3">
+              <a:schemeClr val="accent2"/>
+            </a:fillRef>
+            <a:effectRef idx="3">
+              <a:schemeClr val="accent2"/>
+            </a:effectRef>
+            <a:fontRef idx="minor">
+              <a:schemeClr val="lt1"/>
+            </a:fontRef>
+          </p:style>
+          <p:txBody>
+            <a:bodyPr rtlCol="0" anchor="ctr"/>
+            <a:lstStyle/>
+            <a:p>
+              <a:pPr algn="ctr"/>
+              <a:endParaRPr kumimoji="1" lang="ja-JP" altLang="en-US"/>
+            </a:p>
+          </p:txBody>
+        </p:sp>
+        <p:sp>
+          <p:nvSpPr>
+            <p:cNvPr id="25" name="正方形/長方形 24"/>
+            <p:cNvSpPr/>
+            <p:nvPr/>
+          </p:nvSpPr>
+          <p:spPr>
+            <a:xfrm>
+              <a:off x="413792" y="915545"/>
+              <a:ext cx="1800200" cy="432048"/>
+            </a:xfrm>
+            <a:prstGeom prst="rect">
+              <a:avLst/>
+            </a:prstGeom>
+            <a:noFill/>
+            <a:ln>
+              <a:solidFill>
+                <a:schemeClr val="bg1"/>
+              </a:solidFill>
+            </a:ln>
+            <a:scene3d>
+              <a:camera prst="orthographicFront"/>
+              <a:lightRig rig="threePt" dir="t"/>
+            </a:scene3d>
+            <a:sp3d>
+              <a:bevelT prst="relaxedInset"/>
+            </a:sp3d>
+          </p:spPr>
+          <p:style>
+            <a:lnRef idx="2">
+              <a:schemeClr val="accent1">
+                <a:shade val="50000"/>
+              </a:schemeClr>
+            </a:lnRef>
+            <a:fillRef idx="1">
+              <a:schemeClr val="accent1"/>
+            </a:fillRef>
+            <a:effectRef idx="0">
+              <a:schemeClr val="accent1"/>
+            </a:effectRef>
+            <a:fontRef idx="minor">
+              <a:schemeClr val="lt1"/>
+            </a:fontRef>
+          </p:style>
+          <p:txBody>
+            <a:bodyPr rtlCol="0" anchor="ctr"/>
+            <a:lstStyle/>
+            <a:p>
+              <a:pPr algn="ctr"/>
+              <a:endParaRPr kumimoji="1" lang="ja-JP" altLang="en-US"/>
+            </a:p>
+          </p:txBody>
+        </p:sp>
+        <p:sp>
+          <p:nvSpPr>
+            <p:cNvPr id="26" name="テキスト ボックス 25"/>
+            <p:cNvSpPr txBox="1"/>
+            <p:nvPr/>
+          </p:nvSpPr>
+          <p:spPr>
+            <a:xfrm>
+              <a:off x="807564" y="989149"/>
+              <a:ext cx="1440160" cy="400110"/>
+            </a:xfrm>
+            <a:prstGeom prst="rect">
+              <a:avLst/>
+            </a:prstGeom>
+            <a:noFill/>
+          </p:spPr>
+          <p:txBody>
+            <a:bodyPr wrap="square" rtlCol="0">
+              <a:spAutoFit/>
+            </a:bodyPr>
+            <a:lstStyle/>
+            <a:p>
+              <a:r>
+                <a:rPr lang="ja-JP" altLang="en-US" sz="2000" b="1" dirty="0" smtClean="0">
+                  <a:latin typeface="メイリオ" panose="020B0604030504040204" pitchFamily="50" charset="-128"/>
+                  <a:ea typeface="メイリオ" panose="020B0604030504040204" pitchFamily="50" charset="-128"/>
+                </a:rPr>
+                <a:t>増枚</a:t>
+              </a:r>
+              <a:endParaRPr kumimoji="1" lang="ja-JP" altLang="en-US" sz="2000" b="1" dirty="0">
+                <a:latin typeface="メイリオ" panose="020B0604030504040204" pitchFamily="50" charset="-128"/>
+                <a:ea typeface="メイリオ" panose="020B0604030504040204" pitchFamily="50" charset="-128"/>
+              </a:endParaRPr>
+            </a:p>
+          </p:txBody>
+        </p:sp>
+      </p:grpSp>
+      <p:grpSp>
+        <p:nvGrpSpPr>
+          <p:cNvPr id="27" name="グループ化 26"/>
+          <p:cNvGrpSpPr/>
+          <p:nvPr/>
+        </p:nvGrpSpPr>
+        <p:grpSpPr>
+          <a:xfrm>
+            <a:off x="413792" y="2147342"/>
+            <a:ext cx="1833932" cy="473714"/>
+            <a:chOff x="413792" y="915545"/>
+            <a:chExt cx="1833932" cy="473714"/>
+          </a:xfrm>
+        </p:grpSpPr>
+        <p:sp>
+          <p:nvSpPr>
+            <p:cNvPr id="28" name="円/楕円 27"/>
+            <p:cNvSpPr/>
+            <p:nvPr/>
+          </p:nvSpPr>
+          <p:spPr>
+            <a:xfrm>
+              <a:off x="485800" y="987553"/>
+              <a:ext cx="311557" cy="288032"/>
+            </a:xfrm>
+            <a:prstGeom prst="ellipse">
+              <a:avLst/>
+            </a:prstGeom>
+          </p:spPr>
+          <p:style>
+            <a:lnRef idx="0">
+              <a:schemeClr val="accent3"/>
+            </a:lnRef>
+            <a:fillRef idx="3">
+              <a:schemeClr val="accent3"/>
+            </a:fillRef>
+            <a:effectRef idx="3">
+              <a:schemeClr val="accent3"/>
+            </a:effectRef>
+            <a:fontRef idx="minor">
+              <a:schemeClr val="lt1"/>
+            </a:fontRef>
+          </p:style>
+          <p:txBody>
+            <a:bodyPr rtlCol="0" anchor="ctr"/>
+            <a:lstStyle/>
+            <a:p>
+              <a:pPr algn="ctr"/>
+              <a:endParaRPr kumimoji="1" lang="ja-JP" altLang="en-US"/>
+            </a:p>
+          </p:txBody>
+        </p:sp>
+        <p:sp>
+          <p:nvSpPr>
+            <p:cNvPr id="29" name="正方形/長方形 28"/>
+            <p:cNvSpPr/>
+            <p:nvPr/>
+          </p:nvSpPr>
+          <p:spPr>
+            <a:xfrm>
+              <a:off x="413792" y="915545"/>
+              <a:ext cx="1800200" cy="432048"/>
+            </a:xfrm>
+            <a:prstGeom prst="rect">
+              <a:avLst/>
+            </a:prstGeom>
+            <a:noFill/>
+            <a:ln>
+              <a:solidFill>
+                <a:schemeClr val="bg1"/>
+              </a:solidFill>
+            </a:ln>
+            <a:scene3d>
+              <a:camera prst="orthographicFront"/>
+              <a:lightRig rig="threePt" dir="t"/>
+            </a:scene3d>
+            <a:sp3d>
+              <a:bevelT prst="relaxedInset"/>
+            </a:sp3d>
+          </p:spPr>
+          <p:style>
+            <a:lnRef idx="2">
+              <a:schemeClr val="accent1">
+                <a:shade val="50000"/>
+              </a:schemeClr>
+            </a:lnRef>
+            <a:fillRef idx="1">
+              <a:schemeClr val="accent1"/>
+            </a:fillRef>
+            <a:effectRef idx="0">
+              <a:schemeClr val="accent1"/>
+            </a:effectRef>
+            <a:fontRef idx="minor">
+              <a:schemeClr val="lt1"/>
+            </a:fontRef>
+          </p:style>
+          <p:txBody>
+            <a:bodyPr rtlCol="0" anchor="ctr"/>
+            <a:lstStyle/>
+            <a:p>
+              <a:pPr algn="ctr"/>
+              <a:endParaRPr kumimoji="1" lang="ja-JP" altLang="en-US"/>
+            </a:p>
+          </p:txBody>
+        </p:sp>
+        <p:sp>
+          <p:nvSpPr>
+            <p:cNvPr id="30" name="テキスト ボックス 29"/>
+            <p:cNvSpPr txBox="1"/>
+            <p:nvPr/>
+          </p:nvSpPr>
+          <p:spPr>
+            <a:xfrm>
+              <a:off x="807564" y="989149"/>
+              <a:ext cx="1440160" cy="400110"/>
+            </a:xfrm>
+            <a:prstGeom prst="rect">
+              <a:avLst/>
+            </a:prstGeom>
+            <a:noFill/>
+          </p:spPr>
+          <p:txBody>
+            <a:bodyPr wrap="square" rtlCol="0">
+              <a:spAutoFit/>
+            </a:bodyPr>
+            <a:lstStyle/>
+            <a:p>
+              <a:r>
+                <a:rPr kumimoji="1" lang="ja-JP" altLang="en-US" sz="2000" b="1" dirty="0" smtClean="0">
+                  <a:latin typeface="メイリオ" panose="020B0604030504040204" pitchFamily="50" charset="-128"/>
+                  <a:ea typeface="メイリオ" panose="020B0604030504040204" pitchFamily="50" charset="-128"/>
+                </a:rPr>
+                <a:t>減枚</a:t>
+              </a:r>
+              <a:endParaRPr kumimoji="1" lang="ja-JP" altLang="en-US" sz="2000" b="1" dirty="0">
+                <a:latin typeface="メイリオ" panose="020B0604030504040204" pitchFamily="50" charset="-128"/>
+                <a:ea typeface="メイリオ" panose="020B0604030504040204" pitchFamily="50" charset="-128"/>
+              </a:endParaRPr>
+            </a:p>
+          </p:txBody>
+        </p:sp>
+      </p:grpSp>
+      <p:grpSp>
+        <p:nvGrpSpPr>
+          <p:cNvPr id="35" name="グループ化 34"/>
+          <p:cNvGrpSpPr/>
+          <p:nvPr/>
+        </p:nvGrpSpPr>
+        <p:grpSpPr>
+          <a:xfrm>
+            <a:off x="2341093" y="915545"/>
+            <a:ext cx="1833932" cy="473714"/>
+            <a:chOff x="413792" y="915545"/>
+            <a:chExt cx="1833932" cy="473714"/>
+          </a:xfrm>
+        </p:grpSpPr>
+        <p:sp>
+          <p:nvSpPr>
+            <p:cNvPr id="36" name="円/楕円 35"/>
+            <p:cNvSpPr/>
+            <p:nvPr/>
+          </p:nvSpPr>
+          <p:spPr>
+            <a:xfrm>
+              <a:off x="485800" y="987553"/>
+              <a:ext cx="311557" cy="288032"/>
+            </a:xfrm>
+            <a:prstGeom prst="ellipse">
+              <a:avLst/>
+            </a:prstGeom>
+          </p:spPr>
+          <p:style>
+            <a:lnRef idx="0">
+              <a:schemeClr val="accent5"/>
+            </a:lnRef>
+            <a:fillRef idx="3">
+              <a:schemeClr val="accent5"/>
+            </a:fillRef>
+            <a:effectRef idx="3">
+              <a:schemeClr val="accent5"/>
+            </a:effectRef>
+            <a:fontRef idx="minor">
+              <a:schemeClr val="lt1"/>
+            </a:fontRef>
+          </p:style>
+          <p:txBody>
+            <a:bodyPr rtlCol="0" anchor="ctr"/>
+            <a:lstStyle/>
+            <a:p>
+              <a:pPr algn="ctr"/>
+              <a:endParaRPr kumimoji="1" lang="ja-JP" altLang="en-US"/>
+            </a:p>
+          </p:txBody>
+        </p:sp>
+        <p:sp>
+          <p:nvSpPr>
+            <p:cNvPr id="37" name="正方形/長方形 36"/>
+            <p:cNvSpPr/>
+            <p:nvPr/>
+          </p:nvSpPr>
+          <p:spPr>
+            <a:xfrm>
+              <a:off x="413792" y="915545"/>
+              <a:ext cx="1800200" cy="432048"/>
+            </a:xfrm>
+            <a:prstGeom prst="rect">
+              <a:avLst/>
+            </a:prstGeom>
+            <a:noFill/>
+            <a:ln>
+              <a:solidFill>
+                <a:schemeClr val="bg1"/>
+              </a:solidFill>
+            </a:ln>
+            <a:scene3d>
+              <a:camera prst="orthographicFront"/>
+              <a:lightRig rig="threePt" dir="t"/>
+            </a:scene3d>
+            <a:sp3d>
+              <a:bevelT prst="relaxedInset"/>
+            </a:sp3d>
+          </p:spPr>
+          <p:style>
+            <a:lnRef idx="2">
+              <a:schemeClr val="accent1">
+                <a:shade val="50000"/>
+              </a:schemeClr>
+            </a:lnRef>
+            <a:fillRef idx="1">
+              <a:schemeClr val="accent1"/>
+            </a:fillRef>
+            <a:effectRef idx="0">
+              <a:schemeClr val="accent1"/>
+            </a:effectRef>
+            <a:fontRef idx="minor">
+              <a:schemeClr val="lt1"/>
+            </a:fontRef>
+          </p:style>
+          <p:txBody>
+            <a:bodyPr rtlCol="0" anchor="ctr"/>
+            <a:lstStyle/>
+            <a:p>
+              <a:pPr algn="ctr"/>
+              <a:endParaRPr kumimoji="1" lang="ja-JP" altLang="en-US"/>
+            </a:p>
+          </p:txBody>
+        </p:sp>
+        <p:sp>
+          <p:nvSpPr>
+            <p:cNvPr id="38" name="テキスト ボックス 37"/>
+            <p:cNvSpPr txBox="1"/>
+            <p:nvPr/>
+          </p:nvSpPr>
+          <p:spPr>
+            <a:xfrm>
+              <a:off x="807564" y="989149"/>
+              <a:ext cx="1440160" cy="400110"/>
+            </a:xfrm>
+            <a:prstGeom prst="rect">
+              <a:avLst/>
+            </a:prstGeom>
+            <a:noFill/>
+          </p:spPr>
+          <p:txBody>
+            <a:bodyPr wrap="square" rtlCol="0">
+              <a:spAutoFit/>
+            </a:bodyPr>
+            <a:lstStyle/>
+            <a:p>
+              <a:r>
+                <a:rPr kumimoji="1" lang="ja-JP" altLang="en-US" sz="2000" b="1" dirty="0" smtClean="0">
+                  <a:latin typeface="メイリオ" panose="020B0604030504040204" pitchFamily="50" charset="-128"/>
+                  <a:ea typeface="メイリオ" panose="020B0604030504040204" pitchFamily="50" charset="-128"/>
+                </a:rPr>
+                <a:t>情報印刷</a:t>
+              </a:r>
+              <a:endParaRPr kumimoji="1" lang="ja-JP" altLang="en-US" sz="2000" b="1" dirty="0">
+                <a:latin typeface="メイリオ" panose="020B0604030504040204" pitchFamily="50" charset="-128"/>
+                <a:ea typeface="メイリオ" panose="020B0604030504040204" pitchFamily="50" charset="-128"/>
+              </a:endParaRPr>
+            </a:p>
+          </p:txBody>
+        </p:sp>
+      </p:grpSp>
+      <p:grpSp>
+        <p:nvGrpSpPr>
+          <p:cNvPr id="39" name="グループ化 38"/>
+          <p:cNvGrpSpPr/>
+          <p:nvPr/>
+        </p:nvGrpSpPr>
+        <p:grpSpPr>
+          <a:xfrm>
+            <a:off x="2332660" y="1531444"/>
+            <a:ext cx="1833932" cy="473714"/>
+            <a:chOff x="413792" y="915545"/>
+            <a:chExt cx="1833932" cy="473714"/>
+          </a:xfrm>
+        </p:grpSpPr>
+        <p:sp>
+          <p:nvSpPr>
+            <p:cNvPr id="40" name="円/楕円 39"/>
+            <p:cNvSpPr/>
+            <p:nvPr/>
+          </p:nvSpPr>
+          <p:spPr>
+            <a:xfrm>
+              <a:off x="485800" y="987553"/>
+              <a:ext cx="311557" cy="288032"/>
+            </a:xfrm>
+            <a:prstGeom prst="ellipse">
+              <a:avLst/>
+            </a:prstGeom>
+          </p:spPr>
+          <p:style>
+            <a:lnRef idx="0">
+              <a:schemeClr val="accent1"/>
+            </a:lnRef>
+            <a:fillRef idx="3">
+              <a:schemeClr val="accent1"/>
+            </a:fillRef>
+            <a:effectRef idx="3">
+              <a:schemeClr val="accent1"/>
+            </a:effectRef>
+            <a:fontRef idx="minor">
+              <a:schemeClr val="lt1"/>
+            </a:fontRef>
+          </p:style>
+          <p:txBody>
+            <a:bodyPr rtlCol="0" anchor="ctr"/>
+            <a:lstStyle/>
+            <a:p>
+              <a:pPr algn="ctr"/>
+              <a:endParaRPr kumimoji="1" lang="ja-JP" altLang="en-US"/>
+            </a:p>
+          </p:txBody>
+        </p:sp>
+        <p:sp>
+          <p:nvSpPr>
+            <p:cNvPr id="41" name="正方形/長方形 40"/>
+            <p:cNvSpPr/>
+            <p:nvPr/>
+          </p:nvSpPr>
+          <p:spPr>
+            <a:xfrm>
+              <a:off x="413792" y="915545"/>
+              <a:ext cx="1800200" cy="432048"/>
+            </a:xfrm>
+            <a:prstGeom prst="rect">
+              <a:avLst/>
+            </a:prstGeom>
+            <a:noFill/>
+            <a:ln>
+              <a:solidFill>
+                <a:schemeClr val="bg1"/>
+              </a:solidFill>
+            </a:ln>
+            <a:scene3d>
+              <a:camera prst="orthographicFront"/>
+              <a:lightRig rig="threePt" dir="t"/>
+            </a:scene3d>
+            <a:sp3d>
+              <a:bevelT prst="relaxedInset"/>
+            </a:sp3d>
+          </p:spPr>
+          <p:style>
+            <a:lnRef idx="2">
+              <a:schemeClr val="accent1">
+                <a:shade val="50000"/>
+              </a:schemeClr>
+            </a:lnRef>
+            <a:fillRef idx="1">
+              <a:schemeClr val="accent1"/>
+            </a:fillRef>
+            <a:effectRef idx="0">
+              <a:schemeClr val="accent1"/>
+            </a:effectRef>
+            <a:fontRef idx="minor">
+              <a:schemeClr val="lt1"/>
+            </a:fontRef>
+          </p:style>
+          <p:txBody>
+            <a:bodyPr rtlCol="0" anchor="ctr"/>
+            <a:lstStyle/>
+            <a:p>
+              <a:pPr algn="ctr"/>
+              <a:endParaRPr kumimoji="1" lang="ja-JP" altLang="en-US"/>
+            </a:p>
+          </p:txBody>
+        </p:sp>
+        <p:sp>
+          <p:nvSpPr>
+            <p:cNvPr id="42" name="テキスト ボックス 41"/>
+            <p:cNvSpPr txBox="1"/>
+            <p:nvPr/>
+          </p:nvSpPr>
+          <p:spPr>
+            <a:xfrm>
+              <a:off x="807564" y="989149"/>
+              <a:ext cx="1440160" cy="400110"/>
+            </a:xfrm>
+            <a:prstGeom prst="rect">
+              <a:avLst/>
+            </a:prstGeom>
+            <a:noFill/>
+          </p:spPr>
+          <p:txBody>
+            <a:bodyPr wrap="square" rtlCol="0">
+              <a:spAutoFit/>
+            </a:bodyPr>
+            <a:lstStyle/>
+            <a:p>
+              <a:r>
+                <a:rPr kumimoji="1" lang="ja-JP" altLang="en-US" sz="2000" b="1" dirty="0" smtClean="0">
+                  <a:latin typeface="メイリオ" panose="020B0604030504040204" pitchFamily="50" charset="-128"/>
+                  <a:ea typeface="メイリオ" panose="020B0604030504040204" pitchFamily="50" charset="-128"/>
+                </a:rPr>
+                <a:t>検索</a:t>
+              </a:r>
+              <a:endParaRPr kumimoji="1" lang="ja-JP" altLang="en-US" sz="2000" b="1" dirty="0">
+                <a:latin typeface="メイリオ" panose="020B0604030504040204" pitchFamily="50" charset="-128"/>
+                <a:ea typeface="メイリオ" panose="020B0604030504040204" pitchFamily="50" charset="-128"/>
+              </a:endParaRPr>
+            </a:p>
+          </p:txBody>
+        </p:sp>
+      </p:grpSp>
+      <p:grpSp>
+        <p:nvGrpSpPr>
+          <p:cNvPr id="43" name="グループ化 42"/>
+          <p:cNvGrpSpPr/>
+          <p:nvPr/>
+        </p:nvGrpSpPr>
+        <p:grpSpPr>
+          <a:xfrm>
+            <a:off x="2349526" y="2147342"/>
+            <a:ext cx="1833932" cy="473714"/>
+            <a:chOff x="413792" y="915545"/>
+            <a:chExt cx="1833932" cy="473714"/>
+          </a:xfrm>
+        </p:grpSpPr>
+        <p:sp>
+          <p:nvSpPr>
+            <p:cNvPr id="44" name="円/楕円 43"/>
+            <p:cNvSpPr/>
+            <p:nvPr/>
+          </p:nvSpPr>
+          <p:spPr>
+            <a:xfrm>
+              <a:off x="485800" y="987553"/>
+              <a:ext cx="311557" cy="288032"/>
+            </a:xfrm>
+            <a:prstGeom prst="ellipse">
+              <a:avLst/>
+            </a:prstGeom>
+          </p:spPr>
+          <p:style>
+            <a:lnRef idx="0">
+              <a:schemeClr val="accent4"/>
+            </a:lnRef>
+            <a:fillRef idx="3">
+              <a:schemeClr val="accent4"/>
+            </a:fillRef>
+            <a:effectRef idx="3">
+              <a:schemeClr val="accent4"/>
+            </a:effectRef>
+            <a:fontRef idx="minor">
+              <a:schemeClr val="lt1"/>
+            </a:fontRef>
+          </p:style>
+          <p:txBody>
+            <a:bodyPr rtlCol="0" anchor="ctr"/>
+            <a:lstStyle/>
+            <a:p>
+              <a:pPr algn="ctr"/>
+              <a:endParaRPr kumimoji="1" lang="ja-JP" altLang="en-US"/>
+            </a:p>
+          </p:txBody>
+        </p:sp>
+        <p:sp>
+          <p:nvSpPr>
+            <p:cNvPr id="45" name="正方形/長方形 44"/>
+            <p:cNvSpPr/>
+            <p:nvPr/>
+          </p:nvSpPr>
+          <p:spPr>
+            <a:xfrm>
+              <a:off x="413792" y="915545"/>
+              <a:ext cx="1800200" cy="432048"/>
+            </a:xfrm>
+            <a:prstGeom prst="rect">
+              <a:avLst/>
+            </a:prstGeom>
+            <a:noFill/>
+            <a:ln>
+              <a:solidFill>
+                <a:schemeClr val="bg1"/>
+              </a:solidFill>
+            </a:ln>
+            <a:scene3d>
+              <a:camera prst="orthographicFront"/>
+              <a:lightRig rig="threePt" dir="t"/>
+            </a:scene3d>
+            <a:sp3d>
+              <a:bevelT prst="relaxedInset"/>
+            </a:sp3d>
+          </p:spPr>
+          <p:style>
+            <a:lnRef idx="2">
+              <a:schemeClr val="accent1">
+                <a:shade val="50000"/>
+              </a:schemeClr>
+            </a:lnRef>
+            <a:fillRef idx="1">
+              <a:schemeClr val="accent1"/>
+            </a:fillRef>
+            <a:effectRef idx="0">
+              <a:schemeClr val="accent1"/>
+            </a:effectRef>
+            <a:fontRef idx="minor">
+              <a:schemeClr val="lt1"/>
+            </a:fontRef>
+          </p:style>
+          <p:txBody>
+            <a:bodyPr rtlCol="0" anchor="ctr"/>
+            <a:lstStyle/>
+            <a:p>
+              <a:pPr algn="ctr"/>
+              <a:endParaRPr kumimoji="1" lang="ja-JP" altLang="en-US"/>
+            </a:p>
+          </p:txBody>
+        </p:sp>
+        <p:sp>
+          <p:nvSpPr>
+            <p:cNvPr id="46" name="テキスト ボックス 45"/>
+            <p:cNvSpPr txBox="1"/>
+            <p:nvPr/>
+          </p:nvSpPr>
+          <p:spPr>
+            <a:xfrm>
+              <a:off x="807564" y="989149"/>
+              <a:ext cx="1440160" cy="400110"/>
+            </a:xfrm>
+            <a:prstGeom prst="rect">
+              <a:avLst/>
+            </a:prstGeom>
+            <a:noFill/>
+          </p:spPr>
+          <p:txBody>
+            <a:bodyPr wrap="square" rtlCol="0">
+              <a:spAutoFit/>
+            </a:bodyPr>
+            <a:lstStyle/>
+            <a:p>
+              <a:r>
+                <a:rPr kumimoji="1" lang="ja-JP" altLang="en-US" sz="2000" b="1" dirty="0" smtClean="0">
+                  <a:latin typeface="メイリオ" panose="020B0604030504040204" pitchFamily="50" charset="-128"/>
+                  <a:ea typeface="メイリオ" panose="020B0604030504040204" pitchFamily="50" charset="-128"/>
+                </a:rPr>
+                <a:t>削除</a:t>
+              </a:r>
+              <a:endParaRPr kumimoji="1" lang="ja-JP" altLang="en-US" sz="2000" b="1" dirty="0">
+                <a:latin typeface="メイリオ" panose="020B0604030504040204" pitchFamily="50" charset="-128"/>
+                <a:ea typeface="メイリオ" panose="020B0604030504040204" pitchFamily="50" charset="-128"/>
+              </a:endParaRPr>
+            </a:p>
+          </p:txBody>
+        </p:sp>
+      </p:grpSp>
+      <p:sp>
+        <p:nvSpPr>
+          <p:cNvPr id="47" name="角丸四角形 46"/>
+          <p:cNvSpPr/>
+          <p:nvPr/>
+        </p:nvSpPr>
+        <p:spPr>
+          <a:xfrm>
+            <a:off x="3078088" y="2867422"/>
+            <a:ext cx="1207217" cy="360040"/>
+          </a:xfrm>
+          <a:prstGeom prst="roundRect">
+            <a:avLst/>
+          </a:prstGeom>
+        </p:spPr>
+        <p:style>
+          <a:lnRef idx="1">
+            <a:schemeClr val="accent2"/>
+          </a:lnRef>
+          <a:fillRef idx="2">
+            <a:schemeClr val="accent2"/>
+          </a:fillRef>
+          <a:effectRef idx="1">
+            <a:schemeClr val="accent2"/>
+          </a:effectRef>
+          <a:fontRef idx="minor">
+            <a:schemeClr val="dk1"/>
+          </a:fontRef>
+        </p:style>
+        <p:txBody>
+          <a:bodyPr rtlCol="0" anchor="ctr"/>
+          <a:lstStyle/>
+          <a:p>
+            <a:pPr algn="ctr"/>
+            <a:r>
+              <a:rPr lang="ja-JP" altLang="en-US" sz="1800" b="1" dirty="0" smtClean="0">
+                <a:latin typeface="メイリオ" panose="020B0604030504040204" pitchFamily="50" charset="-128"/>
+                <a:ea typeface="メイリオ" panose="020B0604030504040204" pitchFamily="50" charset="-128"/>
+              </a:rPr>
+              <a:t>終了</a:t>
+            </a:r>
+            <a:endParaRPr lang="ja-JP" altLang="en-US" sz="1200" b="1" dirty="0">
+              <a:latin typeface="メイリオ" panose="020B0604030504040204" pitchFamily="50" charset="-128"/>
+              <a:ea typeface="メイリオ" panose="020B0604030504040204" pitchFamily="50" charset="-128"/>
+            </a:endParaRPr>
+          </a:p>
+        </p:txBody>
+      </p:sp>
+    </p:spTree>
+    <p:extLst>
+      <p:ext uri="{BB962C8B-B14F-4D97-AF65-F5344CB8AC3E}">
+        <p14:creationId xmlns:p14="http://schemas.microsoft.com/office/powerpoint/2010/main" val="2563095817"/>
+      </p:ext>
+    </p:extLst>
+  </p:cSld>
+  <p:clrMapOvr>
+    <a:masterClrMapping/>
+  </p:clrMapOvr>
+</p:sld>
+</file>
+
+<file path=ppt/slides/slide15.xml><?xml version="1.0" encoding="utf-8"?>
+<p:sld xmlns:a="http://schemas.openxmlformats.org/drawingml/2006/main" xmlns:r="http://schemas.openxmlformats.org/officeDocument/2006/relationships" xmlns:p="http://schemas.openxmlformats.org/presentationml/2006/main">
+  <p:cSld>
+    <p:spTree>
+      <p:nvGrpSpPr>
+        <p:cNvPr id="1" name=""/>
+        <p:cNvGrpSpPr/>
+        <p:nvPr/>
+      </p:nvGrpSpPr>
+      <p:grpSpPr>
+        <a:xfrm>
+          <a:off x="0" y="0"/>
+          <a:ext cx="0" cy="0"/>
+          <a:chOff x="0" y="0"/>
+          <a:chExt cx="0" cy="0"/>
+        </a:xfrm>
+      </p:grpSpPr>
+      <p:sp>
+        <p:nvSpPr>
+          <p:cNvPr id="4" name="角丸四角形 3"/>
+          <p:cNvSpPr/>
+          <p:nvPr/>
+        </p:nvSpPr>
+        <p:spPr>
+          <a:xfrm>
+            <a:off x="989856" y="203126"/>
+            <a:ext cx="2592288" cy="432048"/>
+          </a:xfrm>
+          <a:prstGeom prst="roundRect">
+            <a:avLst/>
+          </a:prstGeom>
+        </p:spPr>
+        <p:style>
+          <a:lnRef idx="2">
+            <a:schemeClr val="accent6"/>
+          </a:lnRef>
+          <a:fillRef idx="1">
+            <a:schemeClr val="lt1"/>
+          </a:fillRef>
+          <a:effectRef idx="0">
+            <a:schemeClr val="accent6"/>
+          </a:effectRef>
+          <a:fontRef idx="minor">
+            <a:schemeClr val="dk1"/>
+          </a:fontRef>
+        </p:style>
+        <p:txBody>
+          <a:bodyPr rtlCol="0" anchor="ctr"/>
+          <a:lstStyle/>
+          <a:p>
+            <a:pPr algn="ctr"/>
+            <a:r>
+              <a:rPr lang="en-US" altLang="ja-JP" sz="1800" b="1" dirty="0" smtClean="0">
+                <a:latin typeface="メイリオ" panose="020B0604030504040204" pitchFamily="50" charset="-128"/>
+                <a:ea typeface="メイリオ" panose="020B0604030504040204" pitchFamily="50" charset="-128"/>
+              </a:rPr>
+              <a:t>DVD</a:t>
+            </a:r>
+            <a:r>
+              <a:rPr lang="ja-JP" altLang="en-US" sz="1800" b="1" dirty="0" smtClean="0">
+                <a:latin typeface="メイリオ" panose="020B0604030504040204" pitchFamily="50" charset="-128"/>
+                <a:ea typeface="メイリオ" panose="020B0604030504040204" pitchFamily="50" charset="-128"/>
+              </a:rPr>
+              <a:t>の新規登録</a:t>
+            </a:r>
+            <a:endParaRPr lang="ja-JP" altLang="en-US" sz="1200" b="1" dirty="0">
+              <a:latin typeface="メイリオ" panose="020B0604030504040204" pitchFamily="50" charset="-128"/>
+              <a:ea typeface="メイリオ" panose="020B0604030504040204" pitchFamily="50" charset="-128"/>
+            </a:endParaRPr>
+          </a:p>
+        </p:txBody>
+      </p:sp>
+      <p:sp>
+        <p:nvSpPr>
+          <p:cNvPr id="31" name="角丸四角形 30"/>
+          <p:cNvSpPr/>
+          <p:nvPr/>
+        </p:nvSpPr>
+        <p:spPr>
+          <a:xfrm>
+            <a:off x="3222104" y="2939430"/>
+            <a:ext cx="1207217" cy="360040"/>
+          </a:xfrm>
+          <a:prstGeom prst="roundRect">
+            <a:avLst/>
+          </a:prstGeom>
+        </p:spPr>
+        <p:style>
+          <a:lnRef idx="1">
+            <a:schemeClr val="accent3"/>
+          </a:lnRef>
+          <a:fillRef idx="2">
+            <a:schemeClr val="accent3"/>
+          </a:fillRef>
+          <a:effectRef idx="1">
+            <a:schemeClr val="accent3"/>
+          </a:effectRef>
+          <a:fontRef idx="minor">
+            <a:schemeClr val="dk1"/>
+          </a:fontRef>
+        </p:style>
+        <p:txBody>
+          <a:bodyPr rtlCol="0" anchor="ctr"/>
+          <a:lstStyle/>
+          <a:p>
+            <a:pPr algn="ctr"/>
+            <a:r>
+              <a:rPr lang="ja-JP" altLang="en-US" sz="1800" b="1" dirty="0" smtClean="0">
+                <a:latin typeface="メイリオ" panose="020B0604030504040204" pitchFamily="50" charset="-128"/>
+                <a:ea typeface="メイリオ" panose="020B0604030504040204" pitchFamily="50" charset="-128"/>
+              </a:rPr>
+              <a:t>戻る</a:t>
+            </a:r>
+            <a:endParaRPr lang="ja-JP" altLang="en-US" sz="1200" b="1" dirty="0">
+              <a:latin typeface="メイリオ" panose="020B0604030504040204" pitchFamily="50" charset="-128"/>
+              <a:ea typeface="メイリオ" panose="020B0604030504040204" pitchFamily="50" charset="-128"/>
+            </a:endParaRPr>
+          </a:p>
+        </p:txBody>
+      </p:sp>
+      <p:grpSp>
+        <p:nvGrpSpPr>
+          <p:cNvPr id="6" name="グループ化 5"/>
+          <p:cNvGrpSpPr/>
+          <p:nvPr/>
+        </p:nvGrpSpPr>
+        <p:grpSpPr>
+          <a:xfrm>
+            <a:off x="616267" y="1104416"/>
+            <a:ext cx="3474656" cy="408989"/>
+            <a:chOff x="476664" y="904901"/>
+            <a:chExt cx="3474656" cy="408989"/>
+          </a:xfrm>
+        </p:grpSpPr>
+        <p:sp>
+          <p:nvSpPr>
+            <p:cNvPr id="3" name="テキスト ボックス 2"/>
+            <p:cNvSpPr txBox="1"/>
+            <p:nvPr/>
+          </p:nvSpPr>
+          <p:spPr>
+            <a:xfrm>
+              <a:off x="476664" y="913780"/>
+              <a:ext cx="1512168" cy="400110"/>
+            </a:xfrm>
+            <a:prstGeom prst="rect">
+              <a:avLst/>
+            </a:prstGeom>
+            <a:noFill/>
+          </p:spPr>
+          <p:txBody>
+            <a:bodyPr wrap="square" rtlCol="0">
+              <a:spAutoFit/>
+            </a:bodyPr>
+            <a:lstStyle/>
+            <a:p>
+              <a:r>
+                <a:rPr kumimoji="1" lang="ja-JP" altLang="en-US" sz="2000" dirty="0" smtClean="0">
+                  <a:latin typeface="メイリオ" panose="020B0604030504040204" pitchFamily="50" charset="-128"/>
+                  <a:ea typeface="メイリオ" panose="020B0604030504040204" pitchFamily="50" charset="-128"/>
+                </a:rPr>
+                <a:t>タイトル：</a:t>
+              </a:r>
+              <a:endParaRPr kumimoji="1" lang="ja-JP" altLang="en-US" sz="2000" dirty="0">
+                <a:latin typeface="メイリオ" panose="020B0604030504040204" pitchFamily="50" charset="-128"/>
+                <a:ea typeface="メイリオ" panose="020B0604030504040204" pitchFamily="50" charset="-128"/>
+              </a:endParaRPr>
+            </a:p>
+          </p:txBody>
+        </p:sp>
+        <p:sp>
+          <p:nvSpPr>
+            <p:cNvPr id="5" name="正方形/長方形 4"/>
+            <p:cNvSpPr/>
+            <p:nvPr/>
+          </p:nvSpPr>
+          <p:spPr>
+            <a:xfrm>
+              <a:off x="1925960" y="904901"/>
+              <a:ext cx="2025360" cy="378345"/>
+            </a:xfrm>
+            <a:prstGeom prst="rect">
+              <a:avLst/>
+            </a:prstGeom>
+          </p:spPr>
+          <p:style>
+            <a:lnRef idx="2">
+              <a:schemeClr val="dk1"/>
+            </a:lnRef>
+            <a:fillRef idx="1">
+              <a:schemeClr val="lt1"/>
+            </a:fillRef>
+            <a:effectRef idx="0">
+              <a:schemeClr val="dk1"/>
+            </a:effectRef>
+            <a:fontRef idx="minor">
+              <a:schemeClr val="dk1"/>
+            </a:fontRef>
+          </p:style>
+          <p:txBody>
+            <a:bodyPr rtlCol="0" anchor="ctr"/>
+            <a:lstStyle/>
+            <a:p>
+              <a:pPr algn="ctr"/>
+              <a:endParaRPr kumimoji="1" lang="ja-JP" altLang="en-US"/>
+            </a:p>
+          </p:txBody>
+        </p:sp>
+      </p:grpSp>
+      <p:grpSp>
+        <p:nvGrpSpPr>
+          <p:cNvPr id="8" name="グループ化 7"/>
+          <p:cNvGrpSpPr/>
+          <p:nvPr/>
+        </p:nvGrpSpPr>
+        <p:grpSpPr>
+          <a:xfrm>
+            <a:off x="616267" y="1540956"/>
+            <a:ext cx="3474656" cy="408989"/>
+            <a:chOff x="476664" y="904901"/>
+            <a:chExt cx="3474656" cy="408989"/>
+          </a:xfrm>
+        </p:grpSpPr>
+        <p:sp>
+          <p:nvSpPr>
+            <p:cNvPr id="9" name="テキスト ボックス 8"/>
+            <p:cNvSpPr txBox="1"/>
+            <p:nvPr/>
+          </p:nvSpPr>
+          <p:spPr>
+            <a:xfrm>
+              <a:off x="476664" y="913780"/>
+              <a:ext cx="1512168" cy="400110"/>
+            </a:xfrm>
+            <a:prstGeom prst="rect">
+              <a:avLst/>
+            </a:prstGeom>
+            <a:noFill/>
+          </p:spPr>
+          <p:txBody>
+            <a:bodyPr wrap="square" rtlCol="0">
+              <a:spAutoFit/>
+            </a:bodyPr>
+            <a:lstStyle/>
+            <a:p>
+              <a:r>
+                <a:rPr kumimoji="1" lang="ja-JP" altLang="en-US" sz="2000" dirty="0" smtClean="0">
+                  <a:latin typeface="メイリオ" panose="020B0604030504040204" pitchFamily="50" charset="-128"/>
+                  <a:ea typeface="メイリオ" panose="020B0604030504040204" pitchFamily="50" charset="-128"/>
+                </a:rPr>
+                <a:t>メーカー：</a:t>
+              </a:r>
+              <a:endParaRPr kumimoji="1" lang="ja-JP" altLang="en-US" sz="2000" dirty="0">
+                <a:latin typeface="メイリオ" panose="020B0604030504040204" pitchFamily="50" charset="-128"/>
+                <a:ea typeface="メイリオ" panose="020B0604030504040204" pitchFamily="50" charset="-128"/>
+              </a:endParaRPr>
+            </a:p>
+          </p:txBody>
+        </p:sp>
+        <p:sp>
+          <p:nvSpPr>
+            <p:cNvPr id="10" name="正方形/長方形 9"/>
+            <p:cNvSpPr/>
+            <p:nvPr/>
+          </p:nvSpPr>
+          <p:spPr>
+            <a:xfrm>
+              <a:off x="1925960" y="904901"/>
+              <a:ext cx="2025360" cy="378345"/>
+            </a:xfrm>
+            <a:prstGeom prst="rect">
+              <a:avLst/>
+            </a:prstGeom>
+          </p:spPr>
+          <p:style>
+            <a:lnRef idx="2">
+              <a:schemeClr val="dk1"/>
+            </a:lnRef>
+            <a:fillRef idx="1">
+              <a:schemeClr val="lt1"/>
+            </a:fillRef>
+            <a:effectRef idx="0">
+              <a:schemeClr val="dk1"/>
+            </a:effectRef>
+            <a:fontRef idx="minor">
+              <a:schemeClr val="dk1"/>
+            </a:fontRef>
+          </p:style>
+          <p:txBody>
+            <a:bodyPr rtlCol="0" anchor="ctr"/>
+            <a:lstStyle/>
+            <a:p>
+              <a:pPr algn="ctr"/>
+              <a:endParaRPr kumimoji="1" lang="ja-JP" altLang="en-US"/>
+            </a:p>
+          </p:txBody>
+        </p:sp>
+      </p:grpSp>
+      <p:grpSp>
+        <p:nvGrpSpPr>
+          <p:cNvPr id="11" name="グループ化 10"/>
+          <p:cNvGrpSpPr/>
+          <p:nvPr/>
+        </p:nvGrpSpPr>
+        <p:grpSpPr>
+          <a:xfrm>
+            <a:off x="616267" y="1977496"/>
+            <a:ext cx="3474656" cy="408989"/>
+            <a:chOff x="476664" y="904901"/>
+            <a:chExt cx="3474656" cy="408989"/>
+          </a:xfrm>
+        </p:grpSpPr>
+        <p:sp>
+          <p:nvSpPr>
+            <p:cNvPr id="12" name="テキスト ボックス 11"/>
+            <p:cNvSpPr txBox="1"/>
+            <p:nvPr/>
+          </p:nvSpPr>
+          <p:spPr>
+            <a:xfrm>
+              <a:off x="476664" y="913780"/>
+              <a:ext cx="1512168" cy="400110"/>
+            </a:xfrm>
+            <a:prstGeom prst="rect">
+              <a:avLst/>
+            </a:prstGeom>
+            <a:noFill/>
+          </p:spPr>
+          <p:txBody>
+            <a:bodyPr wrap="square" rtlCol="0">
+              <a:spAutoFit/>
+            </a:bodyPr>
+            <a:lstStyle/>
+            <a:p>
+              <a:r>
+                <a:rPr kumimoji="1" lang="ja-JP" altLang="en-US" sz="2000" dirty="0" smtClean="0">
+                  <a:latin typeface="メイリオ" panose="020B0604030504040204" pitchFamily="50" charset="-128"/>
+                  <a:ea typeface="メイリオ" panose="020B0604030504040204" pitchFamily="50" charset="-128"/>
+                </a:rPr>
+                <a:t>ジャンル：</a:t>
+              </a:r>
+              <a:endParaRPr kumimoji="1" lang="ja-JP" altLang="en-US" sz="2000" dirty="0">
+                <a:latin typeface="メイリオ" panose="020B0604030504040204" pitchFamily="50" charset="-128"/>
+                <a:ea typeface="メイリオ" panose="020B0604030504040204" pitchFamily="50" charset="-128"/>
+              </a:endParaRPr>
+            </a:p>
+          </p:txBody>
+        </p:sp>
+        <p:sp>
+          <p:nvSpPr>
+            <p:cNvPr id="13" name="正方形/長方形 12"/>
+            <p:cNvSpPr/>
+            <p:nvPr/>
+          </p:nvSpPr>
+          <p:spPr>
+            <a:xfrm>
+              <a:off x="1925960" y="904901"/>
+              <a:ext cx="2025360" cy="378345"/>
+            </a:xfrm>
+            <a:prstGeom prst="rect">
+              <a:avLst/>
+            </a:prstGeom>
+          </p:spPr>
+          <p:style>
+            <a:lnRef idx="2">
+              <a:schemeClr val="dk1"/>
+            </a:lnRef>
+            <a:fillRef idx="1">
+              <a:schemeClr val="lt1"/>
+            </a:fillRef>
+            <a:effectRef idx="0">
+              <a:schemeClr val="dk1"/>
+            </a:effectRef>
+            <a:fontRef idx="minor">
+              <a:schemeClr val="dk1"/>
+            </a:fontRef>
+          </p:style>
+          <p:txBody>
+            <a:bodyPr rtlCol="0" anchor="ctr"/>
+            <a:lstStyle/>
+            <a:p>
+              <a:pPr algn="ctr"/>
+              <a:endParaRPr kumimoji="1" lang="ja-JP" altLang="en-US"/>
+            </a:p>
+          </p:txBody>
+        </p:sp>
+      </p:grpSp>
+      <p:grpSp>
+        <p:nvGrpSpPr>
+          <p:cNvPr id="17" name="グループ化 16"/>
+          <p:cNvGrpSpPr/>
+          <p:nvPr/>
+        </p:nvGrpSpPr>
+        <p:grpSpPr>
+          <a:xfrm>
+            <a:off x="616267" y="667876"/>
+            <a:ext cx="3474656" cy="408989"/>
+            <a:chOff x="476664" y="904901"/>
+            <a:chExt cx="3474656" cy="408989"/>
+          </a:xfrm>
+        </p:grpSpPr>
+        <p:sp>
+          <p:nvSpPr>
+            <p:cNvPr id="18" name="テキスト ボックス 17"/>
+            <p:cNvSpPr txBox="1"/>
+            <p:nvPr/>
+          </p:nvSpPr>
+          <p:spPr>
+            <a:xfrm>
+              <a:off x="476664" y="913780"/>
+              <a:ext cx="1512168" cy="400110"/>
+            </a:xfrm>
+            <a:prstGeom prst="rect">
+              <a:avLst/>
+            </a:prstGeom>
+            <a:noFill/>
+          </p:spPr>
+          <p:txBody>
+            <a:bodyPr wrap="square" rtlCol="0">
+              <a:spAutoFit/>
+            </a:bodyPr>
+            <a:lstStyle/>
+            <a:p>
+              <a:r>
+                <a:rPr kumimoji="1" lang="en-US" altLang="ja-JP" sz="2000" dirty="0" smtClean="0">
+                  <a:latin typeface="メイリオ" panose="020B0604030504040204" pitchFamily="50" charset="-128"/>
+                  <a:ea typeface="メイリオ" panose="020B0604030504040204" pitchFamily="50" charset="-128"/>
+                </a:rPr>
+                <a:t>DVD</a:t>
+              </a:r>
+              <a:r>
+                <a:rPr kumimoji="1" lang="ja-JP" altLang="en-US" sz="2000" dirty="0" smtClean="0">
+                  <a:latin typeface="メイリオ" panose="020B0604030504040204" pitchFamily="50" charset="-128"/>
+                  <a:ea typeface="メイリオ" panose="020B0604030504040204" pitchFamily="50" charset="-128"/>
+                </a:rPr>
+                <a:t>番号：</a:t>
+              </a:r>
+              <a:endParaRPr kumimoji="1" lang="ja-JP" altLang="en-US" sz="2000" dirty="0">
+                <a:latin typeface="メイリオ" panose="020B0604030504040204" pitchFamily="50" charset="-128"/>
+                <a:ea typeface="メイリオ" panose="020B0604030504040204" pitchFamily="50" charset="-128"/>
+              </a:endParaRPr>
+            </a:p>
+          </p:txBody>
+        </p:sp>
+        <p:sp>
+          <p:nvSpPr>
+            <p:cNvPr id="19" name="正方形/長方形 18"/>
+            <p:cNvSpPr/>
+            <p:nvPr/>
+          </p:nvSpPr>
+          <p:spPr>
+            <a:xfrm>
+              <a:off x="1925960" y="904901"/>
+              <a:ext cx="2025360" cy="378345"/>
+            </a:xfrm>
+            <a:prstGeom prst="rect">
+              <a:avLst/>
+            </a:prstGeom>
+          </p:spPr>
+          <p:style>
+            <a:lnRef idx="2">
+              <a:schemeClr val="dk1"/>
+            </a:lnRef>
+            <a:fillRef idx="1">
+              <a:schemeClr val="lt1"/>
+            </a:fillRef>
+            <a:effectRef idx="0">
+              <a:schemeClr val="dk1"/>
+            </a:effectRef>
+            <a:fontRef idx="minor">
+              <a:schemeClr val="dk1"/>
+            </a:fontRef>
+          </p:style>
+          <p:txBody>
+            <a:bodyPr rtlCol="0" anchor="ctr"/>
+            <a:lstStyle/>
+            <a:p>
+              <a:pPr algn="ctr"/>
+              <a:endParaRPr kumimoji="1" lang="ja-JP" altLang="en-US"/>
+            </a:p>
+          </p:txBody>
+        </p:sp>
+      </p:grpSp>
+      <p:grpSp>
+        <p:nvGrpSpPr>
+          <p:cNvPr id="20" name="グループ化 19"/>
+          <p:cNvGrpSpPr/>
+          <p:nvPr/>
+        </p:nvGrpSpPr>
+        <p:grpSpPr>
+          <a:xfrm>
+            <a:off x="616267" y="2414035"/>
+            <a:ext cx="3474656" cy="408989"/>
+            <a:chOff x="476664" y="904901"/>
+            <a:chExt cx="3474656" cy="408989"/>
+          </a:xfrm>
+        </p:grpSpPr>
+        <p:sp>
+          <p:nvSpPr>
+            <p:cNvPr id="21" name="テキスト ボックス 20"/>
+            <p:cNvSpPr txBox="1"/>
+            <p:nvPr/>
+          </p:nvSpPr>
+          <p:spPr>
+            <a:xfrm>
+              <a:off x="476664" y="913780"/>
+              <a:ext cx="1512168" cy="400110"/>
+            </a:xfrm>
+            <a:prstGeom prst="rect">
+              <a:avLst/>
+            </a:prstGeom>
+            <a:noFill/>
+          </p:spPr>
+          <p:txBody>
+            <a:bodyPr wrap="square" rtlCol="0">
+              <a:spAutoFit/>
+            </a:bodyPr>
+            <a:lstStyle/>
+            <a:p>
+              <a:r>
+                <a:rPr lang="ja-JP" altLang="en-US" sz="2000" dirty="0" smtClean="0">
+                  <a:latin typeface="メイリオ" panose="020B0604030504040204" pitchFamily="50" charset="-128"/>
+                  <a:ea typeface="メイリオ" panose="020B0604030504040204" pitchFamily="50" charset="-128"/>
+                </a:rPr>
+                <a:t>枚数　　</a:t>
+              </a:r>
+              <a:r>
+                <a:rPr kumimoji="1" lang="ja-JP" altLang="en-US" sz="2000" dirty="0" smtClean="0">
+                  <a:latin typeface="メイリオ" panose="020B0604030504040204" pitchFamily="50" charset="-128"/>
+                  <a:ea typeface="メイリオ" panose="020B0604030504040204" pitchFamily="50" charset="-128"/>
+                </a:rPr>
+                <a:t>：</a:t>
+              </a:r>
+              <a:endParaRPr kumimoji="1" lang="ja-JP" altLang="en-US" sz="2000" dirty="0">
+                <a:latin typeface="メイリオ" panose="020B0604030504040204" pitchFamily="50" charset="-128"/>
+                <a:ea typeface="メイリオ" panose="020B0604030504040204" pitchFamily="50" charset="-128"/>
+              </a:endParaRPr>
+            </a:p>
+          </p:txBody>
+        </p:sp>
+        <p:sp>
+          <p:nvSpPr>
+            <p:cNvPr id="22" name="正方形/長方形 21"/>
+            <p:cNvSpPr/>
+            <p:nvPr/>
+          </p:nvSpPr>
+          <p:spPr>
+            <a:xfrm>
+              <a:off x="1925960" y="904901"/>
+              <a:ext cx="2025360" cy="378345"/>
+            </a:xfrm>
+            <a:prstGeom prst="rect">
+              <a:avLst/>
+            </a:prstGeom>
+          </p:spPr>
+          <p:style>
+            <a:lnRef idx="2">
+              <a:schemeClr val="dk1"/>
+            </a:lnRef>
+            <a:fillRef idx="1">
+              <a:schemeClr val="lt1"/>
+            </a:fillRef>
+            <a:effectRef idx="0">
+              <a:schemeClr val="dk1"/>
+            </a:effectRef>
+            <a:fontRef idx="minor">
+              <a:schemeClr val="dk1"/>
+            </a:fontRef>
+          </p:style>
+          <p:txBody>
+            <a:bodyPr rtlCol="0" anchor="ctr"/>
+            <a:lstStyle/>
+            <a:p>
+              <a:pPr algn="ctr"/>
+              <a:endParaRPr kumimoji="1" lang="ja-JP" altLang="en-US"/>
+            </a:p>
+          </p:txBody>
+        </p:sp>
+      </p:grpSp>
+      <p:sp>
+        <p:nvSpPr>
+          <p:cNvPr id="26" name="角丸四角形 25"/>
+          <p:cNvSpPr/>
+          <p:nvPr/>
+        </p:nvSpPr>
+        <p:spPr>
+          <a:xfrm>
+            <a:off x="1912742" y="2939430"/>
+            <a:ext cx="1207217" cy="360040"/>
+          </a:xfrm>
+          <a:prstGeom prst="roundRect">
+            <a:avLst/>
+          </a:prstGeom>
+        </p:spPr>
+        <p:style>
+          <a:lnRef idx="1">
+            <a:schemeClr val="accent2"/>
+          </a:lnRef>
+          <a:fillRef idx="2">
+            <a:schemeClr val="accent2"/>
+          </a:fillRef>
+          <a:effectRef idx="1">
+            <a:schemeClr val="accent2"/>
+          </a:effectRef>
+          <a:fontRef idx="minor">
+            <a:schemeClr val="dk1"/>
+          </a:fontRef>
+        </p:style>
+        <p:txBody>
+          <a:bodyPr rtlCol="0" anchor="ctr"/>
+          <a:lstStyle/>
+          <a:p>
+            <a:pPr algn="ctr"/>
+            <a:r>
+              <a:rPr lang="ja-JP" altLang="en-US" sz="1800" b="1" dirty="0" smtClean="0">
+                <a:latin typeface="メイリオ" panose="020B0604030504040204" pitchFamily="50" charset="-128"/>
+                <a:ea typeface="メイリオ" panose="020B0604030504040204" pitchFamily="50" charset="-128"/>
+              </a:rPr>
+              <a:t>クリア</a:t>
+            </a:r>
+            <a:endParaRPr lang="ja-JP" altLang="en-US" sz="1200" b="1" dirty="0">
+              <a:latin typeface="メイリオ" panose="020B0604030504040204" pitchFamily="50" charset="-128"/>
+              <a:ea typeface="メイリオ" panose="020B0604030504040204" pitchFamily="50" charset="-128"/>
+            </a:endParaRPr>
+          </a:p>
+        </p:txBody>
+      </p:sp>
+      <p:sp>
+        <p:nvSpPr>
+          <p:cNvPr id="27" name="角丸四角形 26"/>
+          <p:cNvSpPr/>
+          <p:nvPr/>
+        </p:nvSpPr>
+        <p:spPr>
+          <a:xfrm>
+            <a:off x="603381" y="2939430"/>
+            <a:ext cx="1207217" cy="360040"/>
+          </a:xfrm>
+          <a:prstGeom prst="roundRect">
+            <a:avLst/>
+          </a:prstGeom>
+        </p:spPr>
+        <p:style>
+          <a:lnRef idx="1">
+            <a:schemeClr val="accent5"/>
+          </a:lnRef>
+          <a:fillRef idx="2">
+            <a:schemeClr val="accent5"/>
+          </a:fillRef>
+          <a:effectRef idx="1">
+            <a:schemeClr val="accent5"/>
+          </a:effectRef>
+          <a:fontRef idx="minor">
+            <a:schemeClr val="dk1"/>
+          </a:fontRef>
+        </p:style>
+        <p:txBody>
+          <a:bodyPr rtlCol="0" anchor="ctr"/>
+          <a:lstStyle/>
+          <a:p>
+            <a:pPr algn="ctr"/>
+            <a:r>
+              <a:rPr lang="ja-JP" altLang="en-US" sz="1800" b="1" dirty="0">
+                <a:latin typeface="メイリオ" panose="020B0604030504040204" pitchFamily="50" charset="-128"/>
+                <a:ea typeface="メイリオ" panose="020B0604030504040204" pitchFamily="50" charset="-128"/>
+              </a:rPr>
+              <a:t>登録</a:t>
+            </a:r>
+            <a:endParaRPr lang="ja-JP" altLang="en-US" sz="1200" b="1" dirty="0">
+              <a:latin typeface="メイリオ" panose="020B0604030504040204" pitchFamily="50" charset="-128"/>
+              <a:ea typeface="メイリオ" panose="020B0604030504040204" pitchFamily="50" charset="-128"/>
+            </a:endParaRPr>
+          </a:p>
+        </p:txBody>
+      </p:sp>
+    </p:spTree>
+    <p:extLst>
+      <p:ext uri="{BB962C8B-B14F-4D97-AF65-F5344CB8AC3E}">
+        <p14:creationId xmlns:p14="http://schemas.microsoft.com/office/powerpoint/2010/main" val="1756562620"/>
+      </p:ext>
+    </p:extLst>
+  </p:cSld>
+  <p:clrMapOvr>
+    <a:masterClrMapping/>
+  </p:clrMapOvr>
+</p:sld>
+</file>
+
+<file path=ppt/slides/slide16.xml><?xml version="1.0" encoding="utf-8"?>
+<p:sld xmlns:a="http://schemas.openxmlformats.org/drawingml/2006/main" xmlns:r="http://schemas.openxmlformats.org/officeDocument/2006/relationships" xmlns:p="http://schemas.openxmlformats.org/presentationml/2006/main">
+  <p:cSld>
+    <p:spTree>
+      <p:nvGrpSpPr>
+        <p:cNvPr id="1" name=""/>
+        <p:cNvGrpSpPr/>
+        <p:nvPr/>
+      </p:nvGrpSpPr>
+      <p:grpSpPr>
+        <a:xfrm>
+          <a:off x="0" y="0"/>
+          <a:ext cx="0" cy="0"/>
+          <a:chOff x="0" y="0"/>
+          <a:chExt cx="0" cy="0"/>
+        </a:xfrm>
+      </p:grpSpPr>
+      <p:sp>
+        <p:nvSpPr>
+          <p:cNvPr id="4" name="角丸四角形 3"/>
+          <p:cNvSpPr/>
+          <p:nvPr/>
+        </p:nvSpPr>
+        <p:spPr>
+          <a:xfrm>
+            <a:off x="989856" y="203126"/>
+            <a:ext cx="2592288" cy="432048"/>
+          </a:xfrm>
+          <a:prstGeom prst="roundRect">
+            <a:avLst/>
+          </a:prstGeom>
+        </p:spPr>
+        <p:style>
+          <a:lnRef idx="2">
+            <a:schemeClr val="accent6"/>
+          </a:lnRef>
+          <a:fillRef idx="1">
+            <a:schemeClr val="lt1"/>
+          </a:fillRef>
+          <a:effectRef idx="0">
+            <a:schemeClr val="accent6"/>
+          </a:effectRef>
+          <a:fontRef idx="minor">
+            <a:schemeClr val="dk1"/>
+          </a:fontRef>
+        </p:style>
+        <p:txBody>
+          <a:bodyPr rtlCol="0" anchor="ctr"/>
+          <a:lstStyle/>
+          <a:p>
+            <a:pPr algn="ctr"/>
+            <a:r>
+              <a:rPr lang="en-US" altLang="ja-JP" sz="1800" b="1" dirty="0" smtClean="0">
+                <a:latin typeface="メイリオ" panose="020B0604030504040204" pitchFamily="50" charset="-128"/>
+                <a:ea typeface="メイリオ" panose="020B0604030504040204" pitchFamily="50" charset="-128"/>
+              </a:rPr>
+              <a:t>DVD</a:t>
+            </a:r>
+            <a:r>
+              <a:rPr lang="ja-JP" altLang="en-US" sz="1800" b="1" dirty="0" smtClean="0">
+                <a:latin typeface="メイリオ" panose="020B0604030504040204" pitchFamily="50" charset="-128"/>
+                <a:ea typeface="メイリオ" panose="020B0604030504040204" pitchFamily="50" charset="-128"/>
+              </a:rPr>
+              <a:t>の検索結果</a:t>
+            </a:r>
+            <a:endParaRPr lang="ja-JP" altLang="en-US" sz="1200" b="1" dirty="0">
+              <a:latin typeface="メイリオ" panose="020B0604030504040204" pitchFamily="50" charset="-128"/>
+              <a:ea typeface="メイリオ" panose="020B0604030504040204" pitchFamily="50" charset="-128"/>
+            </a:endParaRPr>
+          </a:p>
+        </p:txBody>
+      </p:sp>
+      <p:graphicFrame>
+        <p:nvGraphicFramePr>
+          <p:cNvPr id="2" name="表 1"/>
+          <p:cNvGraphicFramePr>
+            <a:graphicFrameLocks noGrp="1"/>
+          </p:cNvGraphicFramePr>
+          <p:nvPr>
+            <p:extLst>
+              <p:ext uri="{D42A27DB-BD31-4B8C-83A1-F6EECF244321}">
+                <p14:modId xmlns:p14="http://schemas.microsoft.com/office/powerpoint/2010/main" val="4280238984"/>
+              </p:ext>
+            </p:extLst>
+          </p:nvPr>
+        </p:nvGraphicFramePr>
+        <p:xfrm>
+          <a:off x="99237" y="995215"/>
+          <a:ext cx="4383998" cy="1760220"/>
+        </p:xfrm>
+        <a:graphic>
+          <a:graphicData uri="http://schemas.openxmlformats.org/drawingml/2006/table">
+            <a:tbl>
+              <a:tblPr firstRow="1" bandRow="1">
+                <a:tableStyleId>{5C22544A-7EE6-4342-B048-85BDC9FD1C3A}</a:tableStyleId>
+              </a:tblPr>
+              <a:tblGrid>
+                <a:gridCol w="727393"/>
+                <a:gridCol w="648018"/>
+                <a:gridCol w="678180"/>
+                <a:gridCol w="690880"/>
+                <a:gridCol w="613093"/>
+                <a:gridCol w="1026434"/>
+              </a:tblGrid>
+              <a:tr h="176520">
+                <a:tc>
+                  <a:txBody>
+                    <a:bodyPr/>
+                    <a:lstStyle/>
+                    <a:p>
+                      <a:r>
+                        <a:rPr kumimoji="1" lang="en-US" altLang="ja-JP" sz="1050" dirty="0" smtClean="0"/>
+                        <a:t>DVD</a:t>
+                      </a:r>
+                      <a:r>
+                        <a:rPr kumimoji="1" lang="ja-JP" altLang="en-US" sz="1050" dirty="0" smtClean="0"/>
+                        <a:t>番号</a:t>
+                      </a:r>
+                      <a:endParaRPr kumimoji="1" lang="ja-JP" altLang="en-US" sz="1050" dirty="0"/>
+                    </a:p>
+                  </a:txBody>
+                  <a:tcPr/>
+                </a:tc>
+                <a:tc>
+                  <a:txBody>
+                    <a:bodyPr/>
+                    <a:lstStyle/>
+                    <a:p>
+                      <a:r>
+                        <a:rPr kumimoji="1" lang="ja-JP" altLang="en-US" sz="1050" dirty="0" smtClean="0"/>
+                        <a:t>タイトル</a:t>
+                      </a:r>
+                      <a:endParaRPr kumimoji="1" lang="ja-JP" altLang="en-US" sz="1050" dirty="0"/>
+                    </a:p>
+                  </a:txBody>
+                  <a:tcPr/>
+                </a:tc>
+                <a:tc>
+                  <a:txBody>
+                    <a:bodyPr/>
+                    <a:lstStyle/>
+                    <a:p>
+                      <a:r>
+                        <a:rPr kumimoji="1" lang="ja-JP" altLang="en-US" sz="1050" dirty="0" smtClean="0"/>
+                        <a:t>メーカー</a:t>
+                      </a:r>
+                      <a:endParaRPr kumimoji="1" lang="ja-JP" altLang="en-US" sz="1050" dirty="0"/>
+                    </a:p>
+                  </a:txBody>
+                  <a:tcPr/>
+                </a:tc>
+                <a:tc>
+                  <a:txBody>
+                    <a:bodyPr/>
+                    <a:lstStyle/>
+                    <a:p>
+                      <a:r>
+                        <a:rPr kumimoji="1" lang="ja-JP" altLang="en-US" sz="1050" dirty="0" smtClean="0"/>
+                        <a:t>ジャンル</a:t>
+                      </a:r>
+                      <a:endParaRPr kumimoji="1" lang="ja-JP" altLang="en-US" sz="1050" dirty="0"/>
+                    </a:p>
+                  </a:txBody>
+                  <a:tcPr/>
+                </a:tc>
+                <a:tc>
+                  <a:txBody>
+                    <a:bodyPr/>
+                    <a:lstStyle/>
+                    <a:p>
+                      <a:r>
+                        <a:rPr kumimoji="1" lang="ja-JP" altLang="en-US" sz="1050" dirty="0" smtClean="0"/>
+                        <a:t>蔵枚数</a:t>
+                      </a:r>
+                      <a:endParaRPr kumimoji="1" lang="ja-JP" altLang="en-US" sz="1050" dirty="0"/>
+                    </a:p>
+                  </a:txBody>
+                  <a:tcPr/>
+                </a:tc>
+                <a:tc>
+                  <a:txBody>
+                    <a:bodyPr/>
+                    <a:lstStyle/>
+                    <a:p>
+                      <a:r>
+                        <a:rPr kumimoji="1" lang="ja-JP" altLang="en-US" sz="1050" dirty="0" smtClean="0"/>
+                        <a:t>貸出可能枚数</a:t>
+                      </a:r>
+                      <a:endParaRPr kumimoji="1" lang="ja-JP" altLang="en-US" sz="1050" dirty="0"/>
+                    </a:p>
+                  </a:txBody>
+                  <a:tcPr/>
+                </a:tc>
+              </a:tr>
+              <a:tr h="176520">
+                <a:tc>
+                  <a:txBody>
+                    <a:bodyPr/>
+                    <a:lstStyle/>
+                    <a:p>
+                      <a:endParaRPr lang="ja-JP" altLang="en-US" sz="1050" dirty="0"/>
+                    </a:p>
+                  </a:txBody>
+                  <a:tcPr/>
+                </a:tc>
+                <a:tc>
+                  <a:txBody>
+                    <a:bodyPr/>
+                    <a:lstStyle/>
+                    <a:p>
+                      <a:endParaRPr lang="ja-JP" altLang="en-US" sz="1050"/>
+                    </a:p>
+                  </a:txBody>
+                  <a:tcPr/>
+                </a:tc>
+                <a:tc>
+                  <a:txBody>
+                    <a:bodyPr/>
+                    <a:lstStyle/>
+                    <a:p>
+                      <a:endParaRPr lang="ja-JP" altLang="en-US" sz="1050"/>
+                    </a:p>
+                  </a:txBody>
+                  <a:tcPr/>
+                </a:tc>
+                <a:tc>
+                  <a:txBody>
+                    <a:bodyPr/>
+                    <a:lstStyle/>
+                    <a:p>
+                      <a:endParaRPr kumimoji="1" lang="ja-JP" altLang="en-US" sz="1050"/>
+                    </a:p>
+                  </a:txBody>
+                  <a:tcPr/>
+                </a:tc>
+                <a:tc>
+                  <a:txBody>
+                    <a:bodyPr/>
+                    <a:lstStyle/>
+                    <a:p>
+                      <a:endParaRPr kumimoji="1" lang="ja-JP" altLang="en-US" sz="1050"/>
+                    </a:p>
+                  </a:txBody>
+                  <a:tcPr/>
+                </a:tc>
+                <a:tc>
+                  <a:txBody>
+                    <a:bodyPr/>
+                    <a:lstStyle/>
+                    <a:p>
+                      <a:endParaRPr kumimoji="1" lang="ja-JP" altLang="en-US" sz="1050" dirty="0"/>
+                    </a:p>
+                  </a:txBody>
+                  <a:tcPr/>
+                </a:tc>
+              </a:tr>
+              <a:tr h="176520">
+                <a:tc>
+                  <a:txBody>
+                    <a:bodyPr/>
+                    <a:lstStyle/>
+                    <a:p>
+                      <a:endParaRPr lang="ja-JP" altLang="en-US" sz="1050"/>
+                    </a:p>
+                  </a:txBody>
+                  <a:tcPr/>
+                </a:tc>
+                <a:tc>
+                  <a:txBody>
+                    <a:bodyPr/>
+                    <a:lstStyle/>
+                    <a:p>
+                      <a:endParaRPr lang="ja-JP" altLang="en-US" sz="1050"/>
+                    </a:p>
+                  </a:txBody>
+                  <a:tcPr/>
+                </a:tc>
+                <a:tc>
+                  <a:txBody>
+                    <a:bodyPr/>
+                    <a:lstStyle/>
+                    <a:p>
+                      <a:endParaRPr lang="ja-JP" altLang="en-US" sz="1050"/>
+                    </a:p>
+                  </a:txBody>
+                  <a:tcPr/>
+                </a:tc>
+                <a:tc>
+                  <a:txBody>
+                    <a:bodyPr/>
+                    <a:lstStyle/>
+                    <a:p>
+                      <a:endParaRPr kumimoji="1" lang="ja-JP" altLang="en-US" sz="1050"/>
+                    </a:p>
+                  </a:txBody>
+                  <a:tcPr/>
+                </a:tc>
+                <a:tc>
+                  <a:txBody>
+                    <a:bodyPr/>
+                    <a:lstStyle/>
+                    <a:p>
+                      <a:endParaRPr kumimoji="1" lang="ja-JP" altLang="en-US" sz="1050"/>
+                    </a:p>
+                  </a:txBody>
+                  <a:tcPr/>
+                </a:tc>
+                <a:tc>
+                  <a:txBody>
+                    <a:bodyPr/>
+                    <a:lstStyle/>
+                    <a:p>
+                      <a:endParaRPr kumimoji="1" lang="ja-JP" altLang="en-US" sz="1050"/>
+                    </a:p>
+                  </a:txBody>
+                  <a:tcPr/>
+                </a:tc>
+              </a:tr>
+              <a:tr h="190520">
+                <a:tc>
+                  <a:txBody>
+                    <a:bodyPr/>
+                    <a:lstStyle/>
+                    <a:p>
+                      <a:endParaRPr lang="ja-JP" altLang="en-US" sz="1050"/>
+                    </a:p>
+                  </a:txBody>
+                  <a:tcPr/>
+                </a:tc>
+                <a:tc>
+                  <a:txBody>
+                    <a:bodyPr/>
+                    <a:lstStyle/>
+                    <a:p>
+                      <a:endParaRPr lang="ja-JP" altLang="en-US" sz="1050"/>
+                    </a:p>
+                  </a:txBody>
+                  <a:tcPr/>
+                </a:tc>
+                <a:tc>
+                  <a:txBody>
+                    <a:bodyPr/>
+                    <a:lstStyle/>
+                    <a:p>
+                      <a:endParaRPr lang="ja-JP" altLang="en-US" sz="1050" dirty="0"/>
+                    </a:p>
+                  </a:txBody>
+                  <a:tcPr/>
+                </a:tc>
+                <a:tc>
+                  <a:txBody>
+                    <a:bodyPr/>
+                    <a:lstStyle/>
+                    <a:p>
+                      <a:endParaRPr kumimoji="1" lang="ja-JP" altLang="en-US" sz="1050"/>
+                    </a:p>
+                  </a:txBody>
+                  <a:tcPr/>
+                </a:tc>
+                <a:tc>
+                  <a:txBody>
+                    <a:bodyPr/>
+                    <a:lstStyle/>
+                    <a:p>
+                      <a:endParaRPr kumimoji="1" lang="ja-JP" altLang="en-US" sz="1050"/>
+                    </a:p>
+                  </a:txBody>
+                  <a:tcPr/>
+                </a:tc>
+                <a:tc>
+                  <a:txBody>
+                    <a:bodyPr/>
+                    <a:lstStyle/>
+                    <a:p>
+                      <a:endParaRPr kumimoji="1" lang="ja-JP" altLang="en-US" sz="1050" dirty="0"/>
+                    </a:p>
+                  </a:txBody>
+                  <a:tcPr/>
+                </a:tc>
+              </a:tr>
+              <a:tr h="190520">
+                <a:tc>
+                  <a:txBody>
+                    <a:bodyPr/>
+                    <a:lstStyle/>
+                    <a:p>
+                      <a:endParaRPr lang="ja-JP" altLang="en-US" sz="1050"/>
+                    </a:p>
+                  </a:txBody>
+                  <a:tcPr/>
+                </a:tc>
+                <a:tc>
+                  <a:txBody>
+                    <a:bodyPr/>
+                    <a:lstStyle/>
+                    <a:p>
+                      <a:endParaRPr lang="ja-JP" altLang="en-US" sz="1050"/>
+                    </a:p>
+                  </a:txBody>
+                  <a:tcPr/>
+                </a:tc>
+                <a:tc>
+                  <a:txBody>
+                    <a:bodyPr/>
+                    <a:lstStyle/>
+                    <a:p>
+                      <a:endParaRPr lang="ja-JP" altLang="en-US" sz="1050" dirty="0"/>
+                    </a:p>
+                  </a:txBody>
+                  <a:tcPr/>
+                </a:tc>
+                <a:tc>
+                  <a:txBody>
+                    <a:bodyPr/>
+                    <a:lstStyle/>
+                    <a:p>
+                      <a:endParaRPr kumimoji="1" lang="ja-JP" altLang="en-US" sz="1050"/>
+                    </a:p>
+                  </a:txBody>
+                  <a:tcPr/>
+                </a:tc>
+                <a:tc>
+                  <a:txBody>
+                    <a:bodyPr/>
+                    <a:lstStyle/>
+                    <a:p>
+                      <a:endParaRPr kumimoji="1" lang="ja-JP" altLang="en-US" sz="1050"/>
+                    </a:p>
+                  </a:txBody>
+                  <a:tcPr/>
+                </a:tc>
+                <a:tc>
+                  <a:txBody>
+                    <a:bodyPr/>
+                    <a:lstStyle/>
+                    <a:p>
+                      <a:endParaRPr kumimoji="1" lang="ja-JP" altLang="en-US" sz="1050" dirty="0"/>
+                    </a:p>
+                  </a:txBody>
+                  <a:tcPr/>
+                </a:tc>
+              </a:tr>
+              <a:tr h="190520">
+                <a:tc>
+                  <a:txBody>
+                    <a:bodyPr/>
+                    <a:lstStyle/>
+                    <a:p>
+                      <a:endParaRPr lang="ja-JP" altLang="en-US" sz="1050"/>
+                    </a:p>
+                  </a:txBody>
+                  <a:tcPr/>
+                </a:tc>
+                <a:tc>
+                  <a:txBody>
+                    <a:bodyPr/>
+                    <a:lstStyle/>
+                    <a:p>
+                      <a:endParaRPr lang="ja-JP" altLang="en-US" sz="1050"/>
+                    </a:p>
+                  </a:txBody>
+                  <a:tcPr/>
+                </a:tc>
+                <a:tc>
+                  <a:txBody>
+                    <a:bodyPr/>
+                    <a:lstStyle/>
+                    <a:p>
+                      <a:endParaRPr lang="ja-JP" altLang="en-US" sz="1050" dirty="0"/>
+                    </a:p>
+                  </a:txBody>
+                  <a:tcPr/>
+                </a:tc>
+                <a:tc>
+                  <a:txBody>
+                    <a:bodyPr/>
+                    <a:lstStyle/>
+                    <a:p>
+                      <a:endParaRPr kumimoji="1" lang="ja-JP" altLang="en-US" sz="1050"/>
+                    </a:p>
+                  </a:txBody>
+                  <a:tcPr/>
+                </a:tc>
+                <a:tc>
+                  <a:txBody>
+                    <a:bodyPr/>
+                    <a:lstStyle/>
+                    <a:p>
+                      <a:endParaRPr kumimoji="1" lang="ja-JP" altLang="en-US" sz="1050"/>
+                    </a:p>
+                  </a:txBody>
+                  <a:tcPr/>
+                </a:tc>
+                <a:tc>
+                  <a:txBody>
+                    <a:bodyPr/>
+                    <a:lstStyle/>
+                    <a:p>
+                      <a:endParaRPr kumimoji="1" lang="ja-JP" altLang="en-US" sz="1050" dirty="0"/>
+                    </a:p>
+                  </a:txBody>
+                  <a:tcPr/>
+                </a:tc>
+              </a:tr>
+              <a:tr h="190520">
+                <a:tc>
+                  <a:txBody>
+                    <a:bodyPr/>
+                    <a:lstStyle/>
+                    <a:p>
+                      <a:endParaRPr lang="ja-JP" altLang="en-US" sz="1050"/>
+                    </a:p>
+                  </a:txBody>
+                  <a:tcPr/>
+                </a:tc>
+                <a:tc>
+                  <a:txBody>
+                    <a:bodyPr/>
+                    <a:lstStyle/>
+                    <a:p>
+                      <a:endParaRPr lang="ja-JP" altLang="en-US" sz="1050"/>
+                    </a:p>
+                  </a:txBody>
+                  <a:tcPr/>
+                </a:tc>
+                <a:tc>
+                  <a:txBody>
+                    <a:bodyPr/>
+                    <a:lstStyle/>
+                    <a:p>
+                      <a:endParaRPr lang="ja-JP" altLang="en-US" sz="1050" dirty="0"/>
+                    </a:p>
+                  </a:txBody>
+                  <a:tcPr/>
+                </a:tc>
+                <a:tc>
+                  <a:txBody>
+                    <a:bodyPr/>
+                    <a:lstStyle/>
+                    <a:p>
+                      <a:endParaRPr kumimoji="1" lang="ja-JP" altLang="en-US" sz="1050"/>
+                    </a:p>
+                  </a:txBody>
+                  <a:tcPr/>
+                </a:tc>
+                <a:tc>
+                  <a:txBody>
+                    <a:bodyPr/>
+                    <a:lstStyle/>
+                    <a:p>
+                      <a:endParaRPr kumimoji="1" lang="ja-JP" altLang="en-US" sz="1050"/>
+                    </a:p>
+                  </a:txBody>
+                  <a:tcPr/>
+                </a:tc>
+                <a:tc>
+                  <a:txBody>
+                    <a:bodyPr/>
+                    <a:lstStyle/>
+                    <a:p>
+                      <a:endParaRPr kumimoji="1" lang="ja-JP" altLang="en-US" sz="1050" dirty="0"/>
+                    </a:p>
+                  </a:txBody>
+                  <a:tcPr/>
+                </a:tc>
+              </a:tr>
+            </a:tbl>
+          </a:graphicData>
+        </a:graphic>
+      </p:graphicFrame>
+      <p:sp>
+        <p:nvSpPr>
+          <p:cNvPr id="31" name="角丸四角形 30"/>
+          <p:cNvSpPr/>
+          <p:nvPr/>
+        </p:nvSpPr>
+        <p:spPr>
+          <a:xfrm>
+            <a:off x="3078088" y="2867422"/>
+            <a:ext cx="1207217" cy="360040"/>
+          </a:xfrm>
+          <a:prstGeom prst="roundRect">
+            <a:avLst/>
+          </a:prstGeom>
+        </p:spPr>
+        <p:style>
+          <a:lnRef idx="1">
+            <a:schemeClr val="accent3"/>
+          </a:lnRef>
+          <a:fillRef idx="2">
+            <a:schemeClr val="accent3"/>
+          </a:fillRef>
+          <a:effectRef idx="1">
+            <a:schemeClr val="accent3"/>
+          </a:effectRef>
+          <a:fontRef idx="minor">
+            <a:schemeClr val="dk1"/>
+          </a:fontRef>
+        </p:style>
+        <p:txBody>
+          <a:bodyPr rtlCol="0" anchor="ctr"/>
+          <a:lstStyle/>
+          <a:p>
+            <a:pPr algn="ctr"/>
+            <a:r>
+              <a:rPr lang="ja-JP" altLang="en-US" sz="1800" b="1" dirty="0" smtClean="0">
+                <a:latin typeface="メイリオ" panose="020B0604030504040204" pitchFamily="50" charset="-128"/>
+                <a:ea typeface="メイリオ" panose="020B0604030504040204" pitchFamily="50" charset="-128"/>
+              </a:rPr>
+              <a:t>戻る</a:t>
+            </a:r>
+            <a:endParaRPr lang="ja-JP" altLang="en-US" sz="1200" b="1" dirty="0">
+              <a:latin typeface="メイリオ" panose="020B0604030504040204" pitchFamily="50" charset="-128"/>
+              <a:ea typeface="メイリオ" panose="020B0604030504040204" pitchFamily="50" charset="-128"/>
+            </a:endParaRPr>
+          </a:p>
+        </p:txBody>
+      </p:sp>
+    </p:spTree>
+    <p:extLst>
+      <p:ext uri="{BB962C8B-B14F-4D97-AF65-F5344CB8AC3E}">
+        <p14:creationId xmlns:p14="http://schemas.microsoft.com/office/powerpoint/2010/main" val="3763360760"/>
+      </p:ext>
+    </p:extLst>
+  </p:cSld>
+  <p:clrMapOvr>
+    <a:masterClrMapping/>
+  </p:clrMapOvr>
+</p:sld>
+</file>
+
+<file path=ppt/slides/slide17.xml><?xml version="1.0" encoding="utf-8"?>
+<p:sld xmlns:a="http://schemas.openxmlformats.org/drawingml/2006/main" xmlns:r="http://schemas.openxmlformats.org/officeDocument/2006/relationships" xmlns:p="http://schemas.openxmlformats.org/presentationml/2006/main">
+  <p:cSld>
+    <p:spTree>
+      <p:nvGrpSpPr>
+        <p:cNvPr id="1" name=""/>
+        <p:cNvGrpSpPr/>
+        <p:nvPr/>
+      </p:nvGrpSpPr>
+      <p:grpSpPr>
+        <a:xfrm>
+          <a:off x="0" y="0"/>
+          <a:ext cx="0" cy="0"/>
+          <a:chOff x="0" y="0"/>
+          <a:chExt cx="0" cy="0"/>
+        </a:xfrm>
+      </p:grpSpPr>
+      <p:sp>
+        <p:nvSpPr>
+          <p:cNvPr id="4" name="角丸四角形 3"/>
+          <p:cNvSpPr/>
+          <p:nvPr/>
+        </p:nvSpPr>
+        <p:spPr>
+          <a:xfrm>
+            <a:off x="989856" y="203126"/>
+            <a:ext cx="2592288" cy="432048"/>
+          </a:xfrm>
+          <a:prstGeom prst="roundRect">
+            <a:avLst/>
+          </a:prstGeom>
+        </p:spPr>
+        <p:style>
+          <a:lnRef idx="2">
+            <a:schemeClr val="accent6"/>
+          </a:lnRef>
+          <a:fillRef idx="1">
+            <a:schemeClr val="lt1"/>
+          </a:fillRef>
+          <a:effectRef idx="0">
+            <a:schemeClr val="accent6"/>
+          </a:effectRef>
+          <a:fontRef idx="minor">
+            <a:schemeClr val="dk1"/>
+          </a:fontRef>
+        </p:style>
+        <p:txBody>
+          <a:bodyPr rtlCol="0" anchor="ctr"/>
+          <a:lstStyle/>
+          <a:p>
+            <a:pPr algn="ctr"/>
+            <a:r>
+              <a:rPr lang="en-US" altLang="ja-JP" sz="1800" b="1" dirty="0" smtClean="0">
+                <a:latin typeface="メイリオ" panose="020B0604030504040204" pitchFamily="50" charset="-128"/>
+                <a:ea typeface="メイリオ" panose="020B0604030504040204" pitchFamily="50" charset="-128"/>
+              </a:rPr>
+              <a:t>DVD</a:t>
+            </a:r>
+            <a:r>
+              <a:rPr lang="ja-JP" altLang="en-US" sz="1800" b="1" dirty="0" smtClean="0">
+                <a:latin typeface="メイリオ" panose="020B0604030504040204" pitchFamily="50" charset="-128"/>
+                <a:ea typeface="メイリオ" panose="020B0604030504040204" pitchFamily="50" charset="-128"/>
+              </a:rPr>
+              <a:t>の検索</a:t>
+            </a:r>
+            <a:endParaRPr lang="ja-JP" altLang="en-US" sz="1200" b="1" dirty="0">
+              <a:latin typeface="メイリオ" panose="020B0604030504040204" pitchFamily="50" charset="-128"/>
+              <a:ea typeface="メイリオ" panose="020B0604030504040204" pitchFamily="50" charset="-128"/>
+            </a:endParaRPr>
+          </a:p>
+        </p:txBody>
+      </p:sp>
+      <p:sp>
+        <p:nvSpPr>
+          <p:cNvPr id="31" name="角丸四角形 30"/>
+          <p:cNvSpPr/>
+          <p:nvPr/>
+        </p:nvSpPr>
+        <p:spPr>
+          <a:xfrm>
+            <a:off x="2490237" y="2839802"/>
+            <a:ext cx="1207217" cy="360040"/>
+          </a:xfrm>
+          <a:prstGeom prst="roundRect">
+            <a:avLst/>
+          </a:prstGeom>
+        </p:spPr>
+        <p:style>
+          <a:lnRef idx="1">
+            <a:schemeClr val="accent3"/>
+          </a:lnRef>
+          <a:fillRef idx="2">
+            <a:schemeClr val="accent3"/>
+          </a:fillRef>
+          <a:effectRef idx="1">
+            <a:schemeClr val="accent3"/>
+          </a:effectRef>
+          <a:fontRef idx="minor">
+            <a:schemeClr val="dk1"/>
+          </a:fontRef>
+        </p:style>
+        <p:txBody>
+          <a:bodyPr rtlCol="0" anchor="ctr"/>
+          <a:lstStyle/>
+          <a:p>
+            <a:pPr algn="ctr"/>
+            <a:r>
+              <a:rPr lang="ja-JP" altLang="en-US" sz="1800" b="1" dirty="0" smtClean="0">
+                <a:latin typeface="メイリオ" panose="020B0604030504040204" pitchFamily="50" charset="-128"/>
+                <a:ea typeface="メイリオ" panose="020B0604030504040204" pitchFamily="50" charset="-128"/>
+              </a:rPr>
+              <a:t>戻る</a:t>
+            </a:r>
+            <a:endParaRPr lang="ja-JP" altLang="en-US" sz="1200" b="1" dirty="0">
+              <a:latin typeface="メイリオ" panose="020B0604030504040204" pitchFamily="50" charset="-128"/>
+              <a:ea typeface="メイリオ" panose="020B0604030504040204" pitchFamily="50" charset="-128"/>
+            </a:endParaRPr>
+          </a:p>
+        </p:txBody>
+      </p:sp>
+      <p:grpSp>
+        <p:nvGrpSpPr>
+          <p:cNvPr id="6" name="グループ化 5"/>
+          <p:cNvGrpSpPr/>
+          <p:nvPr/>
+        </p:nvGrpSpPr>
+        <p:grpSpPr>
+          <a:xfrm>
+            <a:off x="548672" y="904901"/>
+            <a:ext cx="3474656" cy="408989"/>
+            <a:chOff x="476664" y="904901"/>
+            <a:chExt cx="3474656" cy="408989"/>
+          </a:xfrm>
+        </p:grpSpPr>
+        <p:sp>
+          <p:nvSpPr>
+            <p:cNvPr id="3" name="テキスト ボックス 2"/>
+            <p:cNvSpPr txBox="1"/>
+            <p:nvPr/>
+          </p:nvSpPr>
+          <p:spPr>
+            <a:xfrm>
+              <a:off x="476664" y="913780"/>
+              <a:ext cx="1512168" cy="400110"/>
+            </a:xfrm>
+            <a:prstGeom prst="rect">
+              <a:avLst/>
+            </a:prstGeom>
+            <a:noFill/>
+          </p:spPr>
+          <p:txBody>
+            <a:bodyPr wrap="square" rtlCol="0">
+              <a:spAutoFit/>
+            </a:bodyPr>
+            <a:lstStyle/>
+            <a:p>
+              <a:r>
+                <a:rPr kumimoji="1" lang="ja-JP" altLang="en-US" sz="2000" dirty="0" smtClean="0">
+                  <a:latin typeface="メイリオ" panose="020B0604030504040204" pitchFamily="50" charset="-128"/>
+                  <a:ea typeface="メイリオ" panose="020B0604030504040204" pitchFamily="50" charset="-128"/>
+                </a:rPr>
+                <a:t>タイトル：</a:t>
+              </a:r>
+              <a:endParaRPr kumimoji="1" lang="ja-JP" altLang="en-US" sz="2000" dirty="0">
+                <a:latin typeface="メイリオ" panose="020B0604030504040204" pitchFamily="50" charset="-128"/>
+                <a:ea typeface="メイリオ" panose="020B0604030504040204" pitchFamily="50" charset="-128"/>
+              </a:endParaRPr>
+            </a:p>
+          </p:txBody>
+        </p:sp>
+        <p:sp>
+          <p:nvSpPr>
+            <p:cNvPr id="5" name="正方形/長方形 4"/>
+            <p:cNvSpPr/>
+            <p:nvPr/>
+          </p:nvSpPr>
+          <p:spPr>
+            <a:xfrm>
+              <a:off x="1925960" y="904901"/>
+              <a:ext cx="2025360" cy="378345"/>
+            </a:xfrm>
+            <a:prstGeom prst="rect">
+              <a:avLst/>
+            </a:prstGeom>
+          </p:spPr>
+          <p:style>
+            <a:lnRef idx="2">
+              <a:schemeClr val="dk1"/>
+            </a:lnRef>
+            <a:fillRef idx="1">
+              <a:schemeClr val="lt1"/>
+            </a:fillRef>
+            <a:effectRef idx="0">
+              <a:schemeClr val="dk1"/>
+            </a:effectRef>
+            <a:fontRef idx="minor">
+              <a:schemeClr val="dk1"/>
+            </a:fontRef>
+          </p:style>
+          <p:txBody>
+            <a:bodyPr rtlCol="0" anchor="ctr"/>
+            <a:lstStyle/>
+            <a:p>
+              <a:pPr algn="ctr"/>
+              <a:endParaRPr kumimoji="1" lang="ja-JP" altLang="en-US"/>
+            </a:p>
+          </p:txBody>
+        </p:sp>
+      </p:grpSp>
+      <p:grpSp>
+        <p:nvGrpSpPr>
+          <p:cNvPr id="8" name="グループ化 7"/>
+          <p:cNvGrpSpPr/>
+          <p:nvPr/>
+        </p:nvGrpSpPr>
+        <p:grpSpPr>
+          <a:xfrm>
+            <a:off x="548672" y="1522576"/>
+            <a:ext cx="3474656" cy="408989"/>
+            <a:chOff x="476664" y="904901"/>
+            <a:chExt cx="3474656" cy="408989"/>
+          </a:xfrm>
+        </p:grpSpPr>
+        <p:sp>
+          <p:nvSpPr>
+            <p:cNvPr id="9" name="テキスト ボックス 8"/>
+            <p:cNvSpPr txBox="1"/>
+            <p:nvPr/>
+          </p:nvSpPr>
+          <p:spPr>
+            <a:xfrm>
+              <a:off x="476664" y="913780"/>
+              <a:ext cx="1512168" cy="400110"/>
+            </a:xfrm>
+            <a:prstGeom prst="rect">
+              <a:avLst/>
+            </a:prstGeom>
+            <a:noFill/>
+          </p:spPr>
+          <p:txBody>
+            <a:bodyPr wrap="square" rtlCol="0">
+              <a:spAutoFit/>
+            </a:bodyPr>
+            <a:lstStyle/>
+            <a:p>
+              <a:r>
+                <a:rPr kumimoji="1" lang="ja-JP" altLang="en-US" sz="2000" dirty="0" smtClean="0">
+                  <a:latin typeface="メイリオ" panose="020B0604030504040204" pitchFamily="50" charset="-128"/>
+                  <a:ea typeface="メイリオ" panose="020B0604030504040204" pitchFamily="50" charset="-128"/>
+                </a:rPr>
+                <a:t>メーカー：</a:t>
+              </a:r>
+              <a:endParaRPr kumimoji="1" lang="ja-JP" altLang="en-US" sz="2000" dirty="0">
+                <a:latin typeface="メイリオ" panose="020B0604030504040204" pitchFamily="50" charset="-128"/>
+                <a:ea typeface="メイリオ" panose="020B0604030504040204" pitchFamily="50" charset="-128"/>
+              </a:endParaRPr>
+            </a:p>
+          </p:txBody>
+        </p:sp>
+        <p:sp>
+          <p:nvSpPr>
+            <p:cNvPr id="10" name="正方形/長方形 9"/>
+            <p:cNvSpPr/>
+            <p:nvPr/>
+          </p:nvSpPr>
+          <p:spPr>
+            <a:xfrm>
+              <a:off x="1925960" y="904901"/>
+              <a:ext cx="2025360" cy="378345"/>
+            </a:xfrm>
+            <a:prstGeom prst="rect">
+              <a:avLst/>
+            </a:prstGeom>
+          </p:spPr>
+          <p:style>
+            <a:lnRef idx="2">
+              <a:schemeClr val="dk1"/>
+            </a:lnRef>
+            <a:fillRef idx="1">
+              <a:schemeClr val="lt1"/>
+            </a:fillRef>
+            <a:effectRef idx="0">
+              <a:schemeClr val="dk1"/>
+            </a:effectRef>
+            <a:fontRef idx="minor">
+              <a:schemeClr val="dk1"/>
+            </a:fontRef>
+          </p:style>
+          <p:txBody>
+            <a:bodyPr rtlCol="0" anchor="ctr"/>
+            <a:lstStyle/>
+            <a:p>
+              <a:pPr algn="ctr"/>
+              <a:endParaRPr kumimoji="1" lang="ja-JP" altLang="en-US"/>
+            </a:p>
+          </p:txBody>
+        </p:sp>
+      </p:grpSp>
+      <p:grpSp>
+        <p:nvGrpSpPr>
+          <p:cNvPr id="11" name="グループ化 10"/>
+          <p:cNvGrpSpPr/>
+          <p:nvPr/>
+        </p:nvGrpSpPr>
+        <p:grpSpPr>
+          <a:xfrm>
+            <a:off x="548672" y="2140252"/>
+            <a:ext cx="3474656" cy="408989"/>
+            <a:chOff x="476664" y="904901"/>
+            <a:chExt cx="3474656" cy="408989"/>
+          </a:xfrm>
+        </p:grpSpPr>
+        <p:sp>
+          <p:nvSpPr>
+            <p:cNvPr id="12" name="テキスト ボックス 11"/>
+            <p:cNvSpPr txBox="1"/>
+            <p:nvPr/>
+          </p:nvSpPr>
+          <p:spPr>
+            <a:xfrm>
+              <a:off x="476664" y="913780"/>
+              <a:ext cx="1512168" cy="400110"/>
+            </a:xfrm>
+            <a:prstGeom prst="rect">
+              <a:avLst/>
+            </a:prstGeom>
+            <a:noFill/>
+          </p:spPr>
+          <p:txBody>
+            <a:bodyPr wrap="square" rtlCol="0">
+              <a:spAutoFit/>
+            </a:bodyPr>
+            <a:lstStyle/>
+            <a:p>
+              <a:r>
+                <a:rPr kumimoji="1" lang="ja-JP" altLang="en-US" sz="2000" dirty="0" smtClean="0">
+                  <a:latin typeface="メイリオ" panose="020B0604030504040204" pitchFamily="50" charset="-128"/>
+                  <a:ea typeface="メイリオ" panose="020B0604030504040204" pitchFamily="50" charset="-128"/>
+                </a:rPr>
+                <a:t>ジャンル：</a:t>
+              </a:r>
+              <a:endParaRPr kumimoji="1" lang="ja-JP" altLang="en-US" sz="2000" dirty="0">
+                <a:latin typeface="メイリオ" panose="020B0604030504040204" pitchFamily="50" charset="-128"/>
+                <a:ea typeface="メイリオ" panose="020B0604030504040204" pitchFamily="50" charset="-128"/>
+              </a:endParaRPr>
+            </a:p>
+          </p:txBody>
+        </p:sp>
+        <p:sp>
+          <p:nvSpPr>
+            <p:cNvPr id="13" name="正方形/長方形 12"/>
+            <p:cNvSpPr/>
+            <p:nvPr/>
+          </p:nvSpPr>
+          <p:spPr>
+            <a:xfrm>
+              <a:off x="1925960" y="904901"/>
+              <a:ext cx="2025360" cy="378345"/>
+            </a:xfrm>
+            <a:prstGeom prst="rect">
+              <a:avLst/>
+            </a:prstGeom>
+          </p:spPr>
+          <p:style>
+            <a:lnRef idx="2">
+              <a:schemeClr val="dk1"/>
+            </a:lnRef>
+            <a:fillRef idx="1">
+              <a:schemeClr val="lt1"/>
+            </a:fillRef>
+            <a:effectRef idx="0">
+              <a:schemeClr val="dk1"/>
+            </a:effectRef>
+            <a:fontRef idx="minor">
+              <a:schemeClr val="dk1"/>
+            </a:fontRef>
+          </p:style>
+          <p:txBody>
+            <a:bodyPr rtlCol="0" anchor="ctr"/>
+            <a:lstStyle/>
+            <a:p>
+              <a:pPr algn="ctr"/>
+              <a:endParaRPr kumimoji="1" lang="ja-JP" altLang="en-US"/>
+            </a:p>
+          </p:txBody>
+        </p:sp>
+      </p:grpSp>
+      <p:sp>
+        <p:nvSpPr>
+          <p:cNvPr id="14" name="角丸四角形 13"/>
+          <p:cNvSpPr/>
+          <p:nvPr/>
+        </p:nvSpPr>
+        <p:spPr>
+          <a:xfrm>
+            <a:off x="853623" y="2839802"/>
+            <a:ext cx="1207217" cy="360040"/>
+          </a:xfrm>
+          <a:prstGeom prst="roundRect">
+            <a:avLst/>
+          </a:prstGeom>
+        </p:spPr>
+        <p:style>
+          <a:lnRef idx="1">
+            <a:schemeClr val="accent5"/>
+          </a:lnRef>
+          <a:fillRef idx="2">
+            <a:schemeClr val="accent5"/>
+          </a:fillRef>
+          <a:effectRef idx="1">
+            <a:schemeClr val="accent5"/>
+          </a:effectRef>
+          <a:fontRef idx="minor">
+            <a:schemeClr val="dk1"/>
+          </a:fontRef>
+        </p:style>
+        <p:txBody>
+          <a:bodyPr rtlCol="0" anchor="ctr"/>
+          <a:lstStyle/>
+          <a:p>
+            <a:pPr algn="ctr"/>
+            <a:r>
+              <a:rPr lang="ja-JP" altLang="en-US" sz="1800" b="1" dirty="0" smtClean="0">
+                <a:latin typeface="メイリオ" panose="020B0604030504040204" pitchFamily="50" charset="-128"/>
+                <a:ea typeface="メイリオ" panose="020B0604030504040204" pitchFamily="50" charset="-128"/>
+              </a:rPr>
+              <a:t>検索</a:t>
+            </a:r>
+            <a:endParaRPr lang="ja-JP" altLang="en-US" sz="1200" b="1" dirty="0">
+              <a:latin typeface="メイリオ" panose="020B0604030504040204" pitchFamily="50" charset="-128"/>
+              <a:ea typeface="メイリオ" panose="020B0604030504040204" pitchFamily="50" charset="-128"/>
+            </a:endParaRPr>
+          </a:p>
+        </p:txBody>
+      </p:sp>
+    </p:spTree>
+    <p:extLst>
+      <p:ext uri="{BB962C8B-B14F-4D97-AF65-F5344CB8AC3E}">
+        <p14:creationId xmlns:p14="http://schemas.microsoft.com/office/powerpoint/2010/main" val="725977230"/>
+      </p:ext>
+    </p:extLst>
+  </p:cSld>
+  <p:clrMapOvr>
+    <a:masterClrMapping/>
+  </p:clrMapOvr>
+</p:sld>
+</file>
+
+<file path=ppt/slides/slide18.xml><?xml version="1.0" encoding="utf-8"?>
+<p:sld xmlns:a="http://schemas.openxmlformats.org/drawingml/2006/main" xmlns:r="http://schemas.openxmlformats.org/officeDocument/2006/relationships" xmlns:p="http://schemas.openxmlformats.org/presentationml/2006/main">
+  <p:cSld>
+    <p:spTree>
+      <p:nvGrpSpPr>
+        <p:cNvPr id="1" name=""/>
+        <p:cNvGrpSpPr/>
+        <p:nvPr/>
+      </p:nvGrpSpPr>
+      <p:grpSpPr>
+        <a:xfrm>
+          <a:off x="0" y="0"/>
+          <a:ext cx="0" cy="0"/>
+          <a:chOff x="0" y="0"/>
+          <a:chExt cx="0" cy="0"/>
+        </a:xfrm>
+      </p:grpSpPr>
+      <p:sp>
+        <p:nvSpPr>
+          <p:cNvPr id="4" name="角丸四角形 3"/>
+          <p:cNvSpPr/>
+          <p:nvPr/>
+        </p:nvSpPr>
+        <p:spPr>
+          <a:xfrm>
+            <a:off x="989856" y="203126"/>
+            <a:ext cx="2592288" cy="432048"/>
+          </a:xfrm>
+          <a:prstGeom prst="roundRect">
+            <a:avLst/>
+          </a:prstGeom>
+        </p:spPr>
+        <p:style>
+          <a:lnRef idx="2">
+            <a:schemeClr val="accent6"/>
+          </a:lnRef>
+          <a:fillRef idx="1">
+            <a:schemeClr val="lt1"/>
+          </a:fillRef>
+          <a:effectRef idx="0">
+            <a:schemeClr val="accent6"/>
+          </a:effectRef>
+          <a:fontRef idx="minor">
+            <a:schemeClr val="dk1"/>
+          </a:fontRef>
+        </p:style>
+        <p:txBody>
+          <a:bodyPr rtlCol="0" anchor="ctr"/>
+          <a:lstStyle/>
+          <a:p>
+            <a:pPr algn="ctr"/>
+            <a:r>
+              <a:rPr lang="ja-JP" altLang="en-US" sz="1800" b="1" dirty="0" smtClean="0">
+                <a:latin typeface="メイリオ" panose="020B0604030504040204" pitchFamily="50" charset="-128"/>
+                <a:ea typeface="メイリオ" panose="020B0604030504040204" pitchFamily="50" charset="-128"/>
+              </a:rPr>
+              <a:t>全登録</a:t>
+            </a:r>
+            <a:r>
+              <a:rPr lang="en-US" altLang="ja-JP" sz="1800" b="1" dirty="0" smtClean="0">
+                <a:latin typeface="メイリオ" panose="020B0604030504040204" pitchFamily="50" charset="-128"/>
+                <a:ea typeface="メイリオ" panose="020B0604030504040204" pitchFamily="50" charset="-128"/>
+              </a:rPr>
+              <a:t>DVD</a:t>
+            </a:r>
+            <a:r>
+              <a:rPr lang="ja-JP" altLang="en-US" sz="1800" b="1" dirty="0" smtClean="0">
+                <a:latin typeface="メイリオ" panose="020B0604030504040204" pitchFamily="50" charset="-128"/>
+                <a:ea typeface="メイリオ" panose="020B0604030504040204" pitchFamily="50" charset="-128"/>
+              </a:rPr>
+              <a:t>情報印刷</a:t>
+            </a:r>
+            <a:endParaRPr lang="ja-JP" altLang="en-US" sz="1200" b="1" dirty="0">
+              <a:latin typeface="メイリオ" panose="020B0604030504040204" pitchFamily="50" charset="-128"/>
+              <a:ea typeface="メイリオ" panose="020B0604030504040204" pitchFamily="50" charset="-128"/>
+            </a:endParaRPr>
+          </a:p>
+        </p:txBody>
+      </p:sp>
+      <p:sp>
+        <p:nvSpPr>
+          <p:cNvPr id="31" name="角丸四角形 30"/>
+          <p:cNvSpPr/>
+          <p:nvPr/>
+        </p:nvSpPr>
+        <p:spPr>
+          <a:xfrm>
+            <a:off x="2490237" y="2839802"/>
+            <a:ext cx="1207217" cy="360040"/>
+          </a:xfrm>
+          <a:prstGeom prst="roundRect">
+            <a:avLst/>
+          </a:prstGeom>
+        </p:spPr>
+        <p:style>
+          <a:lnRef idx="1">
+            <a:schemeClr val="accent3"/>
+          </a:lnRef>
+          <a:fillRef idx="2">
+            <a:schemeClr val="accent3"/>
+          </a:fillRef>
+          <a:effectRef idx="1">
+            <a:schemeClr val="accent3"/>
+          </a:effectRef>
+          <a:fontRef idx="minor">
+            <a:schemeClr val="dk1"/>
+          </a:fontRef>
+        </p:style>
+        <p:txBody>
+          <a:bodyPr rtlCol="0" anchor="ctr"/>
+          <a:lstStyle/>
+          <a:p>
+            <a:pPr algn="ctr"/>
+            <a:r>
+              <a:rPr lang="ja-JP" altLang="en-US" sz="1800" b="1" dirty="0" smtClean="0">
+                <a:latin typeface="メイリオ" panose="020B0604030504040204" pitchFamily="50" charset="-128"/>
+                <a:ea typeface="メイリオ" panose="020B0604030504040204" pitchFamily="50" charset="-128"/>
+              </a:rPr>
+              <a:t>戻る</a:t>
+            </a:r>
+            <a:endParaRPr lang="ja-JP" altLang="en-US" sz="1200" b="1" dirty="0">
+              <a:latin typeface="メイリオ" panose="020B0604030504040204" pitchFamily="50" charset="-128"/>
+              <a:ea typeface="メイリオ" panose="020B0604030504040204" pitchFamily="50" charset="-128"/>
+            </a:endParaRPr>
+          </a:p>
+        </p:txBody>
+      </p:sp>
+      <p:sp>
+        <p:nvSpPr>
+          <p:cNvPr id="3" name="テキスト ボックス 2"/>
+          <p:cNvSpPr txBox="1"/>
+          <p:nvPr/>
+        </p:nvSpPr>
+        <p:spPr>
+          <a:xfrm>
+            <a:off x="310341" y="1859310"/>
+            <a:ext cx="3951319" cy="707886"/>
+          </a:xfrm>
+          <a:prstGeom prst="rect">
+            <a:avLst/>
+          </a:prstGeom>
+        </p:spPr>
+        <p:style>
+          <a:lnRef idx="2">
+            <a:schemeClr val="accent2">
+              <a:shade val="50000"/>
+            </a:schemeClr>
+          </a:lnRef>
+          <a:fillRef idx="1">
+            <a:schemeClr val="accent2"/>
+          </a:fillRef>
+          <a:effectRef idx="0">
+            <a:schemeClr val="accent2"/>
+          </a:effectRef>
+          <a:fontRef idx="minor">
+            <a:schemeClr val="lt1"/>
+          </a:fontRef>
+        </p:style>
+        <p:txBody>
+          <a:bodyPr wrap="square" rtlCol="0">
+            <a:spAutoFit/>
+          </a:bodyPr>
+          <a:lstStyle/>
+          <a:p>
+            <a:pPr algn="ctr"/>
+            <a:r>
+              <a:rPr lang="ja-JP" altLang="en-US" sz="2000" dirty="0">
+                <a:latin typeface="メイリオ" panose="020B0604030504040204" pitchFamily="50" charset="-128"/>
+                <a:ea typeface="メイリオ" panose="020B0604030504040204" pitchFamily="50" charset="-128"/>
+              </a:rPr>
+              <a:t>すべて</a:t>
+            </a:r>
+            <a:r>
+              <a:rPr lang="ja-JP" altLang="en-US" sz="2000" dirty="0" smtClean="0">
+                <a:latin typeface="メイリオ" panose="020B0604030504040204" pitchFamily="50" charset="-128"/>
+                <a:ea typeface="メイリオ" panose="020B0604030504040204" pitchFamily="50" charset="-128"/>
+              </a:rPr>
+              <a:t>の</a:t>
+            </a:r>
+            <a:r>
+              <a:rPr lang="en-US" altLang="ja-JP" sz="2000" dirty="0" smtClean="0">
+                <a:latin typeface="メイリオ" panose="020B0604030504040204" pitchFamily="50" charset="-128"/>
+                <a:ea typeface="メイリオ" panose="020B0604030504040204" pitchFamily="50" charset="-128"/>
+              </a:rPr>
+              <a:t>DVD</a:t>
+            </a:r>
+            <a:r>
+              <a:rPr lang="ja-JP" altLang="en-US" sz="2000" dirty="0" smtClean="0">
+                <a:latin typeface="メイリオ" panose="020B0604030504040204" pitchFamily="50" charset="-128"/>
+                <a:ea typeface="メイリオ" panose="020B0604030504040204" pitchFamily="50" charset="-128"/>
+              </a:rPr>
+              <a:t>情報を印刷します。</a:t>
+            </a:r>
+            <a:r>
+              <a:rPr lang="en-US" altLang="ja-JP" sz="2000" dirty="0" smtClean="0">
+                <a:latin typeface="メイリオ" panose="020B0604030504040204" pitchFamily="50" charset="-128"/>
+                <a:ea typeface="メイリオ" panose="020B0604030504040204" pitchFamily="50" charset="-128"/>
+              </a:rPr>
+              <a:t/>
+            </a:r>
+            <a:br>
+              <a:rPr lang="en-US" altLang="ja-JP" sz="2000" dirty="0" smtClean="0">
+                <a:latin typeface="メイリオ" panose="020B0604030504040204" pitchFamily="50" charset="-128"/>
+                <a:ea typeface="メイリオ" panose="020B0604030504040204" pitchFamily="50" charset="-128"/>
+              </a:rPr>
+            </a:br>
+            <a:r>
+              <a:rPr lang="ja-JP" altLang="en-US" sz="2000" dirty="0" smtClean="0">
+                <a:latin typeface="メイリオ" panose="020B0604030504040204" pitchFamily="50" charset="-128"/>
+                <a:ea typeface="メイリオ" panose="020B0604030504040204" pitchFamily="50" charset="-128"/>
+              </a:rPr>
+              <a:t>大量の帳票が印刷されます。</a:t>
+            </a:r>
+            <a:endParaRPr kumimoji="1" lang="ja-JP" altLang="en-US" sz="2000" dirty="0">
+              <a:latin typeface="メイリオ" panose="020B0604030504040204" pitchFamily="50" charset="-128"/>
+              <a:ea typeface="メイリオ" panose="020B0604030504040204" pitchFamily="50" charset="-128"/>
+            </a:endParaRPr>
+          </a:p>
+        </p:txBody>
+      </p:sp>
+      <p:sp>
+        <p:nvSpPr>
+          <p:cNvPr id="14" name="角丸四角形 13"/>
+          <p:cNvSpPr/>
+          <p:nvPr/>
+        </p:nvSpPr>
+        <p:spPr>
+          <a:xfrm>
+            <a:off x="853623" y="2839802"/>
+            <a:ext cx="1207217" cy="360040"/>
+          </a:xfrm>
+          <a:prstGeom prst="roundRect">
+            <a:avLst/>
+          </a:prstGeom>
+        </p:spPr>
+        <p:style>
+          <a:lnRef idx="1">
+            <a:schemeClr val="accent5"/>
+          </a:lnRef>
+          <a:fillRef idx="2">
+            <a:schemeClr val="accent5"/>
+          </a:fillRef>
+          <a:effectRef idx="1">
+            <a:schemeClr val="accent5"/>
+          </a:effectRef>
+          <a:fontRef idx="minor">
+            <a:schemeClr val="dk1"/>
+          </a:fontRef>
+        </p:style>
+        <p:txBody>
+          <a:bodyPr rtlCol="0" anchor="ctr"/>
+          <a:lstStyle/>
+          <a:p>
+            <a:pPr algn="ctr"/>
+            <a:r>
+              <a:rPr lang="ja-JP" altLang="en-US" sz="1800" b="1" dirty="0">
+                <a:latin typeface="メイリオ" panose="020B0604030504040204" pitchFamily="50" charset="-128"/>
+                <a:ea typeface="メイリオ" panose="020B0604030504040204" pitchFamily="50" charset="-128"/>
+              </a:rPr>
+              <a:t>印刷</a:t>
+            </a:r>
+            <a:endParaRPr lang="ja-JP" altLang="en-US" sz="1200" b="1" dirty="0">
+              <a:latin typeface="メイリオ" panose="020B0604030504040204" pitchFamily="50" charset="-128"/>
+              <a:ea typeface="メイリオ" panose="020B0604030504040204" pitchFamily="50" charset="-128"/>
+            </a:endParaRPr>
+          </a:p>
+        </p:txBody>
+      </p:sp>
+      <p:pic>
+        <p:nvPicPr>
+          <p:cNvPr id="7170" name="Picture 2" descr="https://3.bp.blogspot.com/-wf5p8ilIxOQ/U00KH4pCHPI/AAAAAAAAfOk/CcOEZqgGMKY/s800/mark_chuui.png"/>
+          <p:cNvPicPr>
+            <a:picLocks noChangeAspect="1" noChangeArrowheads="1"/>
+          </p:cNvPicPr>
+          <p:nvPr/>
+        </p:nvPicPr>
+        <p:blipFill>
+          <a:blip r:embed="rId2" cstate="print">
+            <a:extLst>
+              <a:ext uri="{28A0092B-C50C-407E-A947-70E740481C1C}">
+                <a14:useLocalDpi xmlns:a14="http://schemas.microsoft.com/office/drawing/2010/main" val="0"/>
+              </a:ext>
+            </a:extLst>
+          </a:blip>
+          <a:srcRect/>
+          <a:stretch>
+            <a:fillRect/>
+          </a:stretch>
+        </p:blipFill>
+        <p:spPr bwMode="auto">
+          <a:xfrm>
+            <a:off x="1733839" y="670681"/>
+            <a:ext cx="1104322" cy="1008112"/>
+          </a:xfrm>
+          <a:prstGeom prst="rect">
+            <a:avLst/>
+          </a:prstGeom>
+          <a:noFill/>
+          <a:extLst>
+            <a:ext uri="{909E8E84-426E-40DD-AFC4-6F175D3DCCD1}">
+              <a14:hiddenFill xmlns:a14="http://schemas.microsoft.com/office/drawing/2010/main">
+                <a:solidFill>
+                  <a:srgbClr val="FFFFFF"/>
+                </a:solidFill>
+              </a14:hiddenFill>
+            </a:ext>
+          </a:extLst>
+        </p:spPr>
+      </p:pic>
+    </p:spTree>
+    <p:extLst>
+      <p:ext uri="{BB962C8B-B14F-4D97-AF65-F5344CB8AC3E}">
+        <p14:creationId xmlns:p14="http://schemas.microsoft.com/office/powerpoint/2010/main" val="2073896312"/>
+      </p:ext>
+    </p:extLst>
+  </p:cSld>
+  <p:clrMapOvr>
+    <a:masterClrMapping/>
+  </p:clrMapOvr>
+</p:sld>
+</file>
+
+<file path=ppt/slides/slide19.xml><?xml version="1.0" encoding="utf-8"?>
+<p:sld xmlns:a="http://schemas.openxmlformats.org/drawingml/2006/main" xmlns:r="http://schemas.openxmlformats.org/officeDocument/2006/relationships" xmlns:p="http://schemas.openxmlformats.org/presentationml/2006/main">
+  <p:cSld>
+    <p:spTree>
+      <p:nvGrpSpPr>
+        <p:cNvPr id="1" name=""/>
+        <p:cNvGrpSpPr/>
+        <p:nvPr/>
+      </p:nvGrpSpPr>
+      <p:grpSpPr>
+        <a:xfrm>
+          <a:off x="0" y="0"/>
+          <a:ext cx="0" cy="0"/>
+          <a:chOff x="0" y="0"/>
+          <a:chExt cx="0" cy="0"/>
+        </a:xfrm>
+      </p:grpSpPr>
+      <p:sp>
+        <p:nvSpPr>
+          <p:cNvPr id="4" name="角丸四角形 3"/>
+          <p:cNvSpPr/>
+          <p:nvPr/>
+        </p:nvSpPr>
+        <p:spPr>
+          <a:xfrm>
+            <a:off x="341784" y="203126"/>
+            <a:ext cx="1296144" cy="288032"/>
+          </a:xfrm>
+          <a:prstGeom prst="roundRect">
+            <a:avLst/>
+          </a:prstGeom>
+          <a:ln>
+            <a:noFill/>
+          </a:ln>
+        </p:spPr>
+        <p:style>
+          <a:lnRef idx="2">
+            <a:schemeClr val="accent6"/>
+          </a:lnRef>
+          <a:fillRef idx="1">
+            <a:schemeClr val="lt1"/>
+          </a:fillRef>
+          <a:effectRef idx="0">
+            <a:schemeClr val="accent6"/>
+          </a:effectRef>
+          <a:fontRef idx="minor">
+            <a:schemeClr val="dk1"/>
+          </a:fontRef>
+        </p:style>
+        <p:txBody>
+          <a:bodyPr rtlCol="0" anchor="ctr"/>
+          <a:lstStyle/>
+          <a:p>
+            <a:pPr algn="ctr"/>
+            <a:r>
+              <a:rPr lang="en-US" altLang="ja-JP" sz="1800" b="1" dirty="0" smtClean="0">
+                <a:latin typeface="メイリオ" panose="020B0604030504040204" pitchFamily="50" charset="-128"/>
+                <a:ea typeface="メイリオ" panose="020B0604030504040204" pitchFamily="50" charset="-128"/>
+              </a:rPr>
+              <a:t>DVD</a:t>
+            </a:r>
+            <a:r>
+              <a:rPr lang="ja-JP" altLang="en-US" sz="1800" b="1" dirty="0" smtClean="0">
+                <a:latin typeface="メイリオ" panose="020B0604030504040204" pitchFamily="50" charset="-128"/>
+                <a:ea typeface="メイリオ" panose="020B0604030504040204" pitchFamily="50" charset="-128"/>
+              </a:rPr>
+              <a:t>情報</a:t>
+            </a:r>
+            <a:endParaRPr lang="ja-JP" altLang="en-US" sz="1200" b="1" dirty="0">
+              <a:latin typeface="メイリオ" panose="020B0604030504040204" pitchFamily="50" charset="-128"/>
+              <a:ea typeface="メイリオ" panose="020B0604030504040204" pitchFamily="50" charset="-128"/>
+            </a:endParaRPr>
+          </a:p>
+        </p:txBody>
+      </p:sp>
+      <p:graphicFrame>
+        <p:nvGraphicFramePr>
+          <p:cNvPr id="2" name="表 1"/>
+          <p:cNvGraphicFramePr>
+            <a:graphicFrameLocks noGrp="1"/>
+          </p:cNvGraphicFramePr>
+          <p:nvPr>
+            <p:extLst>
+              <p:ext uri="{D42A27DB-BD31-4B8C-83A1-F6EECF244321}">
+                <p14:modId xmlns:p14="http://schemas.microsoft.com/office/powerpoint/2010/main" val="317693653"/>
+              </p:ext>
+            </p:extLst>
+          </p:nvPr>
+        </p:nvGraphicFramePr>
+        <p:xfrm>
+          <a:off x="161763" y="635174"/>
+          <a:ext cx="4248474" cy="2567940"/>
+        </p:xfrm>
+        <a:graphic>
+          <a:graphicData uri="http://schemas.openxmlformats.org/drawingml/2006/table">
+            <a:tbl>
+              <a:tblPr>
+                <a:tableStyleId>{2D5ABB26-0587-4C30-8999-92F81FD0307C}</a:tableStyleId>
+              </a:tblPr>
+              <a:tblGrid>
+                <a:gridCol w="920402"/>
+                <a:gridCol w="819966"/>
+                <a:gridCol w="858131"/>
+                <a:gridCol w="874201"/>
+                <a:gridCol w="775774"/>
+              </a:tblGrid>
+              <a:tr h="176520">
+                <a:tc>
+                  <a:txBody>
+                    <a:bodyPr/>
+                    <a:lstStyle/>
+                    <a:p>
+                      <a:r>
+                        <a:rPr kumimoji="1" lang="en-US" altLang="ja-JP" sz="1400" dirty="0" smtClean="0"/>
+                        <a:t>DVD</a:t>
+                      </a:r>
+                      <a:r>
+                        <a:rPr kumimoji="1" lang="ja-JP" altLang="en-US" sz="1400" dirty="0" smtClean="0"/>
+                        <a:t>番号</a:t>
+                      </a:r>
+                      <a:endParaRPr kumimoji="1" lang="ja-JP" altLang="en-US" sz="1400" dirty="0"/>
+                    </a:p>
+                  </a:txBody>
+                  <a:tcPr>
+                    <a:lnL w="12700" cap="flat" cmpd="sng" algn="ctr">
+                      <a:solidFill>
+                        <a:schemeClr val="tx1"/>
+                      </a:solidFill>
+                      <a:prstDash val="solid"/>
+                      <a:round/>
+                      <a:headEnd type="none" w="med" len="med"/>
+                      <a:tailEnd type="none" w="med" len="med"/>
+                    </a:lnL>
+                    <a:lnR w="12700" cap="flat" cmpd="sng" algn="ctr">
+                      <a:solidFill>
+                        <a:schemeClr val="tx1"/>
+                      </a:solidFill>
+                      <a:prstDash val="solid"/>
+                      <a:round/>
+                      <a:headEnd type="none" w="med" len="med"/>
+                      <a:tailEnd type="none" w="med" len="med"/>
+                    </a:lnR>
+                    <a:lnT w="12700" cap="flat" cmpd="sng" algn="ctr">
+                      <a:solidFill>
+                        <a:schemeClr val="tx1"/>
+                      </a:solidFill>
+                      <a:prstDash val="solid"/>
+                      <a:round/>
+                      <a:headEnd type="none" w="med" len="med"/>
+                      <a:tailEnd type="none" w="med" len="med"/>
+                    </a:lnT>
+                    <a:lnB w="12700" cap="flat" cmpd="sng" algn="ctr">
+                      <a:solidFill>
+                        <a:schemeClr val="tx1"/>
+                      </a:solidFill>
+                      <a:prstDash val="solid"/>
+                      <a:round/>
+                      <a:headEnd type="none" w="med" len="med"/>
+                      <a:tailEnd type="none" w="med" len="med"/>
+                    </a:lnB>
+                  </a:tcPr>
+                </a:tc>
+                <a:tc>
+                  <a:txBody>
+                    <a:bodyPr/>
+                    <a:lstStyle/>
+                    <a:p>
+                      <a:r>
+                        <a:rPr kumimoji="1" lang="ja-JP" altLang="en-US" sz="1400" dirty="0" smtClean="0"/>
+                        <a:t>タイトル</a:t>
+                      </a:r>
+                      <a:endParaRPr kumimoji="1" lang="ja-JP" altLang="en-US" sz="1400" dirty="0"/>
+                    </a:p>
+                  </a:txBody>
+                  <a:tcPr>
+                    <a:lnL w="12700" cap="flat" cmpd="sng" algn="ctr">
+                      <a:solidFill>
+                        <a:schemeClr val="tx1"/>
+                      </a:solidFill>
+                      <a:prstDash val="solid"/>
+                      <a:round/>
+                      <a:headEnd type="none" w="med" len="med"/>
+                      <a:tailEnd type="none" w="med" len="med"/>
+                    </a:lnL>
+                    <a:lnR w="12700" cap="flat" cmpd="sng" algn="ctr">
+                      <a:solidFill>
+                        <a:schemeClr val="tx1"/>
+                      </a:solidFill>
+                      <a:prstDash val="solid"/>
+                      <a:round/>
+                      <a:headEnd type="none" w="med" len="med"/>
+                      <a:tailEnd type="none" w="med" len="med"/>
+                    </a:lnR>
+                    <a:lnT w="12700" cap="flat" cmpd="sng" algn="ctr">
+                      <a:solidFill>
+                        <a:schemeClr val="tx1"/>
+                      </a:solidFill>
+                      <a:prstDash val="solid"/>
+                      <a:round/>
+                      <a:headEnd type="none" w="med" len="med"/>
+                      <a:tailEnd type="none" w="med" len="med"/>
+                    </a:lnT>
+                    <a:lnB w="12700" cap="flat" cmpd="sng" algn="ctr">
+                      <a:solidFill>
+                        <a:schemeClr val="tx1"/>
+                      </a:solidFill>
+                      <a:prstDash val="solid"/>
+                      <a:round/>
+                      <a:headEnd type="none" w="med" len="med"/>
+                      <a:tailEnd type="none" w="med" len="med"/>
+                    </a:lnB>
+                  </a:tcPr>
+                </a:tc>
+                <a:tc>
+                  <a:txBody>
+                    <a:bodyPr/>
+                    <a:lstStyle/>
+                    <a:p>
+                      <a:r>
+                        <a:rPr kumimoji="1" lang="ja-JP" altLang="en-US" sz="1400" dirty="0" smtClean="0"/>
+                        <a:t>メーカー</a:t>
+                      </a:r>
+                      <a:endParaRPr kumimoji="1" lang="ja-JP" altLang="en-US" sz="1400" dirty="0"/>
+                    </a:p>
+                  </a:txBody>
+                  <a:tcPr>
+                    <a:lnL w="12700" cap="flat" cmpd="sng" algn="ctr">
+                      <a:solidFill>
+                        <a:schemeClr val="tx1"/>
+                      </a:solidFill>
+                      <a:prstDash val="solid"/>
+                      <a:round/>
+                      <a:headEnd type="none" w="med" len="med"/>
+                      <a:tailEnd type="none" w="med" len="med"/>
+                    </a:lnL>
+                    <a:lnR w="12700" cap="flat" cmpd="sng" algn="ctr">
+                      <a:solidFill>
+                        <a:schemeClr val="tx1"/>
+                      </a:solidFill>
+                      <a:prstDash val="solid"/>
+                      <a:round/>
+                      <a:headEnd type="none" w="med" len="med"/>
+                      <a:tailEnd type="none" w="med" len="med"/>
+                    </a:lnR>
+                    <a:lnT w="12700" cap="flat" cmpd="sng" algn="ctr">
+                      <a:solidFill>
+                        <a:schemeClr val="tx1"/>
+                      </a:solidFill>
+                      <a:prstDash val="solid"/>
+                      <a:round/>
+                      <a:headEnd type="none" w="med" len="med"/>
+                      <a:tailEnd type="none" w="med" len="med"/>
+                    </a:lnT>
+                    <a:lnB w="12700" cap="flat" cmpd="sng" algn="ctr">
+                      <a:solidFill>
+                        <a:schemeClr val="tx1"/>
+                      </a:solidFill>
+                      <a:prstDash val="solid"/>
+                      <a:round/>
+                      <a:headEnd type="none" w="med" len="med"/>
+                      <a:tailEnd type="none" w="med" len="med"/>
+                    </a:lnB>
+                  </a:tcPr>
+                </a:tc>
+                <a:tc>
+                  <a:txBody>
+                    <a:bodyPr/>
+                    <a:lstStyle/>
+                    <a:p>
+                      <a:r>
+                        <a:rPr kumimoji="1" lang="ja-JP" altLang="en-US" sz="1400" dirty="0" smtClean="0"/>
+                        <a:t>ジャンル</a:t>
+                      </a:r>
+                      <a:endParaRPr kumimoji="1" lang="ja-JP" altLang="en-US" sz="1400" dirty="0"/>
+                    </a:p>
+                  </a:txBody>
+                  <a:tcPr>
+                    <a:lnL w="12700" cap="flat" cmpd="sng" algn="ctr">
+                      <a:solidFill>
+                        <a:schemeClr val="tx1"/>
+                      </a:solidFill>
+                      <a:prstDash val="solid"/>
+                      <a:round/>
+                      <a:headEnd type="none" w="med" len="med"/>
+                      <a:tailEnd type="none" w="med" len="med"/>
+                    </a:lnL>
+                    <a:lnR w="12700" cap="flat" cmpd="sng" algn="ctr">
+                      <a:solidFill>
+                        <a:schemeClr val="tx1"/>
+                      </a:solidFill>
+                      <a:prstDash val="solid"/>
+                      <a:round/>
+                      <a:headEnd type="none" w="med" len="med"/>
+                      <a:tailEnd type="none" w="med" len="med"/>
+                    </a:lnR>
+                    <a:lnT w="12700" cap="flat" cmpd="sng" algn="ctr">
+                      <a:solidFill>
+                        <a:schemeClr val="tx1"/>
+                      </a:solidFill>
+                      <a:prstDash val="solid"/>
+                      <a:round/>
+                      <a:headEnd type="none" w="med" len="med"/>
+                      <a:tailEnd type="none" w="med" len="med"/>
+                    </a:lnT>
+                    <a:lnB w="12700" cap="flat" cmpd="sng" algn="ctr">
+                      <a:solidFill>
+                        <a:schemeClr val="tx1"/>
+                      </a:solidFill>
+                      <a:prstDash val="solid"/>
+                      <a:round/>
+                      <a:headEnd type="none" w="med" len="med"/>
+                      <a:tailEnd type="none" w="med" len="med"/>
+                    </a:lnB>
+                  </a:tcPr>
+                </a:tc>
+                <a:tc>
+                  <a:txBody>
+                    <a:bodyPr/>
+                    <a:lstStyle/>
+                    <a:p>
+                      <a:r>
+                        <a:rPr kumimoji="1" lang="ja-JP" altLang="en-US" sz="1400" dirty="0" smtClean="0"/>
+                        <a:t>蔵枚数</a:t>
+                      </a:r>
+                      <a:endParaRPr kumimoji="1" lang="ja-JP" altLang="en-US" sz="1400" dirty="0"/>
+                    </a:p>
+                  </a:txBody>
+                  <a:tcPr>
+                    <a:lnL w="12700" cap="flat" cmpd="sng" algn="ctr">
+                      <a:solidFill>
+                        <a:schemeClr val="tx1"/>
+                      </a:solidFill>
+                      <a:prstDash val="solid"/>
+                      <a:round/>
+                      <a:headEnd type="none" w="med" len="med"/>
+                      <a:tailEnd type="none" w="med" len="med"/>
+                    </a:lnL>
+                    <a:lnR w="12700" cap="flat" cmpd="sng" algn="ctr">
+                      <a:solidFill>
+                        <a:schemeClr val="tx1"/>
+                      </a:solidFill>
+                      <a:prstDash val="solid"/>
+                      <a:round/>
+                      <a:headEnd type="none" w="med" len="med"/>
+                      <a:tailEnd type="none" w="med" len="med"/>
+                    </a:lnR>
+                    <a:lnT w="12700" cap="flat" cmpd="sng" algn="ctr">
+                      <a:solidFill>
+                        <a:schemeClr val="tx1"/>
+                      </a:solidFill>
+                      <a:prstDash val="solid"/>
+                      <a:round/>
+                      <a:headEnd type="none" w="med" len="med"/>
+                      <a:tailEnd type="none" w="med" len="med"/>
+                    </a:lnT>
+                    <a:lnB w="12700" cap="flat" cmpd="sng" algn="ctr">
+                      <a:solidFill>
+                        <a:schemeClr val="tx1"/>
+                      </a:solidFill>
+                      <a:prstDash val="solid"/>
+                      <a:round/>
+                      <a:headEnd type="none" w="med" len="med"/>
+                      <a:tailEnd type="none" w="med" len="med"/>
+                    </a:lnB>
+                  </a:tcPr>
+                </a:tc>
+              </a:tr>
+              <a:tr h="176520">
+                <a:tc>
+                  <a:txBody>
+                    <a:bodyPr/>
+                    <a:lstStyle/>
+                    <a:p>
+                      <a:endParaRPr lang="ja-JP" altLang="en-US" sz="1050" dirty="0"/>
+                    </a:p>
+                  </a:txBody>
+                  <a:tcPr>
+                    <a:lnL w="12700" cap="flat" cmpd="sng" algn="ctr">
+                      <a:solidFill>
+                        <a:schemeClr val="tx1"/>
+                      </a:solidFill>
+                      <a:prstDash val="solid"/>
+                      <a:round/>
+                      <a:headEnd type="none" w="med" len="med"/>
+                      <a:tailEnd type="none" w="med" len="med"/>
+                    </a:lnL>
+                    <a:lnR w="12700" cap="flat" cmpd="sng" algn="ctr">
+                      <a:solidFill>
+                        <a:schemeClr val="tx1"/>
+                      </a:solidFill>
+                      <a:prstDash val="solid"/>
+                      <a:round/>
+                      <a:headEnd type="none" w="med" len="med"/>
+                      <a:tailEnd type="none" w="med" len="med"/>
+                    </a:lnR>
+                    <a:lnT w="12700" cap="flat" cmpd="sng" algn="ctr">
+                      <a:solidFill>
+                        <a:schemeClr val="tx1"/>
+                      </a:solidFill>
+                      <a:prstDash val="solid"/>
+                      <a:round/>
+                      <a:headEnd type="none" w="med" len="med"/>
+                      <a:tailEnd type="none" w="med" len="med"/>
+                    </a:lnT>
+                    <a:lnB w="12700" cap="flat" cmpd="sng" algn="ctr">
+                      <a:solidFill>
+                        <a:schemeClr val="tx1"/>
+                      </a:solidFill>
+                      <a:prstDash val="solid"/>
+                      <a:round/>
+                      <a:headEnd type="none" w="med" len="med"/>
+                      <a:tailEnd type="none" w="med" len="med"/>
+                    </a:lnB>
+                  </a:tcPr>
+                </a:tc>
+                <a:tc>
+                  <a:txBody>
+                    <a:bodyPr/>
+                    <a:lstStyle/>
+                    <a:p>
+                      <a:endParaRPr lang="ja-JP" altLang="en-US" sz="1050"/>
+                    </a:p>
+                  </a:txBody>
+                  <a:tcPr>
+                    <a:lnL w="12700" cap="flat" cmpd="sng" algn="ctr">
+                      <a:solidFill>
+                        <a:schemeClr val="tx1"/>
+                      </a:solidFill>
+                      <a:prstDash val="solid"/>
+                      <a:round/>
+                      <a:headEnd type="none" w="med" len="med"/>
+                      <a:tailEnd type="none" w="med" len="med"/>
+                    </a:lnL>
+                    <a:lnR w="12700" cap="flat" cmpd="sng" algn="ctr">
+                      <a:solidFill>
+                        <a:schemeClr val="tx1"/>
+                      </a:solidFill>
+                      <a:prstDash val="solid"/>
+                      <a:round/>
+                      <a:headEnd type="none" w="med" len="med"/>
+                      <a:tailEnd type="none" w="med" len="med"/>
+                    </a:lnR>
+                    <a:lnT w="12700" cap="flat" cmpd="sng" algn="ctr">
+                      <a:solidFill>
+                        <a:schemeClr val="tx1"/>
+                      </a:solidFill>
+                      <a:prstDash val="solid"/>
+                      <a:round/>
+                      <a:headEnd type="none" w="med" len="med"/>
+                      <a:tailEnd type="none" w="med" len="med"/>
+                    </a:lnT>
+                    <a:lnB w="12700" cap="flat" cmpd="sng" algn="ctr">
+                      <a:solidFill>
+                        <a:schemeClr val="tx1"/>
+                      </a:solidFill>
+                      <a:prstDash val="solid"/>
+                      <a:round/>
+                      <a:headEnd type="none" w="med" len="med"/>
+                      <a:tailEnd type="none" w="med" len="med"/>
+                    </a:lnB>
+                  </a:tcPr>
+                </a:tc>
+                <a:tc>
+                  <a:txBody>
+                    <a:bodyPr/>
+                    <a:lstStyle/>
+                    <a:p>
+                      <a:endParaRPr lang="ja-JP" altLang="en-US" sz="1050"/>
+                    </a:p>
+                  </a:txBody>
+                  <a:tcPr>
+                    <a:lnL w="12700" cap="flat" cmpd="sng" algn="ctr">
+                      <a:solidFill>
+                        <a:schemeClr val="tx1"/>
+                      </a:solidFill>
+                      <a:prstDash val="solid"/>
+                      <a:round/>
+                      <a:headEnd type="none" w="med" len="med"/>
+                      <a:tailEnd type="none" w="med" len="med"/>
+                    </a:lnL>
+                    <a:lnR w="12700" cap="flat" cmpd="sng" algn="ctr">
+                      <a:solidFill>
+                        <a:schemeClr val="tx1"/>
+                      </a:solidFill>
+                      <a:prstDash val="solid"/>
+                      <a:round/>
+                      <a:headEnd type="none" w="med" len="med"/>
+                      <a:tailEnd type="none" w="med" len="med"/>
+                    </a:lnR>
+                    <a:lnT w="12700" cap="flat" cmpd="sng" algn="ctr">
+                      <a:solidFill>
+                        <a:schemeClr val="tx1"/>
+                      </a:solidFill>
+                      <a:prstDash val="solid"/>
+                      <a:round/>
+                      <a:headEnd type="none" w="med" len="med"/>
+                      <a:tailEnd type="none" w="med" len="med"/>
+                    </a:lnT>
+                    <a:lnB w="12700" cap="flat" cmpd="sng" algn="ctr">
+                      <a:solidFill>
+                        <a:schemeClr val="tx1"/>
+                      </a:solidFill>
+                      <a:prstDash val="solid"/>
+                      <a:round/>
+                      <a:headEnd type="none" w="med" len="med"/>
+                      <a:tailEnd type="none" w="med" len="med"/>
+                    </a:lnB>
+                  </a:tcPr>
+                </a:tc>
+                <a:tc>
+                  <a:txBody>
+                    <a:bodyPr/>
+                    <a:lstStyle/>
+                    <a:p>
+                      <a:endParaRPr kumimoji="1" lang="ja-JP" altLang="en-US" sz="1050"/>
+                    </a:p>
+                  </a:txBody>
+                  <a:tcPr>
+                    <a:lnL w="12700" cap="flat" cmpd="sng" algn="ctr">
+                      <a:solidFill>
+                        <a:schemeClr val="tx1"/>
+                      </a:solidFill>
+                      <a:prstDash val="solid"/>
+                      <a:round/>
+                      <a:headEnd type="none" w="med" len="med"/>
+                      <a:tailEnd type="none" w="med" len="med"/>
+                    </a:lnL>
+                    <a:lnR w="12700" cap="flat" cmpd="sng" algn="ctr">
+                      <a:solidFill>
+                        <a:schemeClr val="tx1"/>
+                      </a:solidFill>
+                      <a:prstDash val="solid"/>
+                      <a:round/>
+                      <a:headEnd type="none" w="med" len="med"/>
+                      <a:tailEnd type="none" w="med" len="med"/>
+                    </a:lnR>
+                    <a:lnT w="12700" cap="flat" cmpd="sng" algn="ctr">
+                      <a:solidFill>
+                        <a:schemeClr val="tx1"/>
+                      </a:solidFill>
+                      <a:prstDash val="solid"/>
+                      <a:round/>
+                      <a:headEnd type="none" w="med" len="med"/>
+                      <a:tailEnd type="none" w="med" len="med"/>
+                    </a:lnT>
+                    <a:lnB w="12700" cap="flat" cmpd="sng" algn="ctr">
+                      <a:solidFill>
+                        <a:schemeClr val="tx1"/>
+                      </a:solidFill>
+                      <a:prstDash val="solid"/>
+                      <a:round/>
+                      <a:headEnd type="none" w="med" len="med"/>
+                      <a:tailEnd type="none" w="med" len="med"/>
+                    </a:lnB>
+                  </a:tcPr>
+                </a:tc>
+                <a:tc>
+                  <a:txBody>
+                    <a:bodyPr/>
+                    <a:lstStyle/>
+                    <a:p>
+                      <a:endParaRPr kumimoji="1" lang="ja-JP" altLang="en-US" sz="1050"/>
+                    </a:p>
+                  </a:txBody>
+                  <a:tcPr>
+                    <a:lnL w="12700" cap="flat" cmpd="sng" algn="ctr">
+                      <a:solidFill>
+                        <a:schemeClr val="tx1"/>
+                      </a:solidFill>
+                      <a:prstDash val="solid"/>
+                      <a:round/>
+                      <a:headEnd type="none" w="med" len="med"/>
+                      <a:tailEnd type="none" w="med" len="med"/>
+                    </a:lnL>
+                    <a:lnR w="12700" cap="flat" cmpd="sng" algn="ctr">
+                      <a:solidFill>
+                        <a:schemeClr val="tx1"/>
+                      </a:solidFill>
+                      <a:prstDash val="solid"/>
+                      <a:round/>
+                      <a:headEnd type="none" w="med" len="med"/>
+                      <a:tailEnd type="none" w="med" len="med"/>
+                    </a:lnR>
+                    <a:lnT w="12700" cap="flat" cmpd="sng" algn="ctr">
+                      <a:solidFill>
+                        <a:schemeClr val="tx1"/>
+                      </a:solidFill>
+                      <a:prstDash val="solid"/>
+                      <a:round/>
+                      <a:headEnd type="none" w="med" len="med"/>
+                      <a:tailEnd type="none" w="med" len="med"/>
+                    </a:lnT>
+                    <a:lnB w="12700" cap="flat" cmpd="sng" algn="ctr">
+                      <a:solidFill>
+                        <a:schemeClr val="tx1"/>
+                      </a:solidFill>
+                      <a:prstDash val="solid"/>
+                      <a:round/>
+                      <a:headEnd type="none" w="med" len="med"/>
+                      <a:tailEnd type="none" w="med" len="med"/>
+                    </a:lnB>
+                  </a:tcPr>
+                </a:tc>
+              </a:tr>
+              <a:tr h="176520">
+                <a:tc>
+                  <a:txBody>
+                    <a:bodyPr/>
+                    <a:lstStyle/>
+                    <a:p>
+                      <a:endParaRPr lang="ja-JP" altLang="en-US" sz="1050"/>
+                    </a:p>
+                  </a:txBody>
+                  <a:tcPr>
+                    <a:lnL w="12700" cap="flat" cmpd="sng" algn="ctr">
+                      <a:solidFill>
+                        <a:schemeClr val="tx1"/>
+                      </a:solidFill>
+                      <a:prstDash val="solid"/>
+                      <a:round/>
+                      <a:headEnd type="none" w="med" len="med"/>
+                      <a:tailEnd type="none" w="med" len="med"/>
+                    </a:lnL>
+                    <a:lnR w="12700" cap="flat" cmpd="sng" algn="ctr">
+                      <a:solidFill>
+                        <a:schemeClr val="tx1"/>
+                      </a:solidFill>
+                      <a:prstDash val="solid"/>
+                      <a:round/>
+                      <a:headEnd type="none" w="med" len="med"/>
+                      <a:tailEnd type="none" w="med" len="med"/>
+                    </a:lnR>
+                    <a:lnT w="12700" cap="flat" cmpd="sng" algn="ctr">
+                      <a:solidFill>
+                        <a:schemeClr val="tx1"/>
+                      </a:solidFill>
+                      <a:prstDash val="solid"/>
+                      <a:round/>
+                      <a:headEnd type="none" w="med" len="med"/>
+                      <a:tailEnd type="none" w="med" len="med"/>
+                    </a:lnT>
+                    <a:lnB w="12700" cap="flat" cmpd="sng" algn="ctr">
+                      <a:solidFill>
+                        <a:schemeClr val="tx1"/>
+                      </a:solidFill>
+                      <a:prstDash val="solid"/>
+                      <a:round/>
+                      <a:headEnd type="none" w="med" len="med"/>
+                      <a:tailEnd type="none" w="med" len="med"/>
+                    </a:lnB>
+                  </a:tcPr>
+                </a:tc>
+                <a:tc>
+                  <a:txBody>
+                    <a:bodyPr/>
+                    <a:lstStyle/>
+                    <a:p>
+                      <a:endParaRPr lang="ja-JP" altLang="en-US" sz="1050" dirty="0"/>
+                    </a:p>
+                  </a:txBody>
+                  <a:tcPr>
+                    <a:lnL w="12700" cap="flat" cmpd="sng" algn="ctr">
+                      <a:solidFill>
+                        <a:schemeClr val="tx1"/>
+                      </a:solidFill>
+                      <a:prstDash val="solid"/>
+                      <a:round/>
+                      <a:headEnd type="none" w="med" len="med"/>
+                      <a:tailEnd type="none" w="med" len="med"/>
+                    </a:lnL>
+                    <a:lnR w="12700" cap="flat" cmpd="sng" algn="ctr">
+                      <a:solidFill>
+                        <a:schemeClr val="tx1"/>
+                      </a:solidFill>
+                      <a:prstDash val="solid"/>
+                      <a:round/>
+                      <a:headEnd type="none" w="med" len="med"/>
+                      <a:tailEnd type="none" w="med" len="med"/>
+                    </a:lnR>
+                    <a:lnT w="12700" cap="flat" cmpd="sng" algn="ctr">
+                      <a:solidFill>
+                        <a:schemeClr val="tx1"/>
+                      </a:solidFill>
+                      <a:prstDash val="solid"/>
+                      <a:round/>
+                      <a:headEnd type="none" w="med" len="med"/>
+                      <a:tailEnd type="none" w="med" len="med"/>
+                    </a:lnT>
+                    <a:lnB w="12700" cap="flat" cmpd="sng" algn="ctr">
+                      <a:solidFill>
+                        <a:schemeClr val="tx1"/>
+                      </a:solidFill>
+                      <a:prstDash val="solid"/>
+                      <a:round/>
+                      <a:headEnd type="none" w="med" len="med"/>
+                      <a:tailEnd type="none" w="med" len="med"/>
+                    </a:lnB>
+                  </a:tcPr>
+                </a:tc>
+                <a:tc>
+                  <a:txBody>
+                    <a:bodyPr/>
+                    <a:lstStyle/>
+                    <a:p>
+                      <a:endParaRPr lang="ja-JP" altLang="en-US" sz="1050"/>
+                    </a:p>
+                  </a:txBody>
+                  <a:tcPr>
+                    <a:lnL w="12700" cap="flat" cmpd="sng" algn="ctr">
+                      <a:solidFill>
+                        <a:schemeClr val="tx1"/>
+                      </a:solidFill>
+                      <a:prstDash val="solid"/>
+                      <a:round/>
+                      <a:headEnd type="none" w="med" len="med"/>
+                      <a:tailEnd type="none" w="med" len="med"/>
+                    </a:lnL>
+                    <a:lnR w="12700" cap="flat" cmpd="sng" algn="ctr">
+                      <a:solidFill>
+                        <a:schemeClr val="tx1"/>
+                      </a:solidFill>
+                      <a:prstDash val="solid"/>
+                      <a:round/>
+                      <a:headEnd type="none" w="med" len="med"/>
+                      <a:tailEnd type="none" w="med" len="med"/>
+                    </a:lnR>
+                    <a:lnT w="12700" cap="flat" cmpd="sng" algn="ctr">
+                      <a:solidFill>
+                        <a:schemeClr val="tx1"/>
+                      </a:solidFill>
+                      <a:prstDash val="solid"/>
+                      <a:round/>
+                      <a:headEnd type="none" w="med" len="med"/>
+                      <a:tailEnd type="none" w="med" len="med"/>
+                    </a:lnT>
+                    <a:lnB w="12700" cap="flat" cmpd="sng" algn="ctr">
+                      <a:solidFill>
+                        <a:schemeClr val="tx1"/>
+                      </a:solidFill>
+                      <a:prstDash val="solid"/>
+                      <a:round/>
+                      <a:headEnd type="none" w="med" len="med"/>
+                      <a:tailEnd type="none" w="med" len="med"/>
+                    </a:lnB>
+                  </a:tcPr>
+                </a:tc>
+                <a:tc>
+                  <a:txBody>
+                    <a:bodyPr/>
+                    <a:lstStyle/>
+                    <a:p>
+                      <a:endParaRPr kumimoji="1" lang="ja-JP" altLang="en-US" sz="1050"/>
+                    </a:p>
+                  </a:txBody>
+                  <a:tcPr>
+                    <a:lnL w="12700" cap="flat" cmpd="sng" algn="ctr">
+                      <a:solidFill>
+                        <a:schemeClr val="tx1"/>
+                      </a:solidFill>
+                      <a:prstDash val="solid"/>
+                      <a:round/>
+                      <a:headEnd type="none" w="med" len="med"/>
+                      <a:tailEnd type="none" w="med" len="med"/>
+                    </a:lnL>
+                    <a:lnR w="12700" cap="flat" cmpd="sng" algn="ctr">
+                      <a:solidFill>
+                        <a:schemeClr val="tx1"/>
+                      </a:solidFill>
+                      <a:prstDash val="solid"/>
+                      <a:round/>
+                      <a:headEnd type="none" w="med" len="med"/>
+                      <a:tailEnd type="none" w="med" len="med"/>
+                    </a:lnR>
+                    <a:lnT w="12700" cap="flat" cmpd="sng" algn="ctr">
+                      <a:solidFill>
+                        <a:schemeClr val="tx1"/>
+                      </a:solidFill>
+                      <a:prstDash val="solid"/>
+                      <a:round/>
+                      <a:headEnd type="none" w="med" len="med"/>
+                      <a:tailEnd type="none" w="med" len="med"/>
+                    </a:lnT>
+                    <a:lnB w="12700" cap="flat" cmpd="sng" algn="ctr">
+                      <a:solidFill>
+                        <a:schemeClr val="tx1"/>
+                      </a:solidFill>
+                      <a:prstDash val="solid"/>
+                      <a:round/>
+                      <a:headEnd type="none" w="med" len="med"/>
+                      <a:tailEnd type="none" w="med" len="med"/>
+                    </a:lnB>
+                  </a:tcPr>
+                </a:tc>
+                <a:tc>
+                  <a:txBody>
+                    <a:bodyPr/>
+                    <a:lstStyle/>
+                    <a:p>
+                      <a:endParaRPr kumimoji="1" lang="ja-JP" altLang="en-US" sz="1050"/>
+                    </a:p>
+                  </a:txBody>
+                  <a:tcPr>
+                    <a:lnL w="12700" cap="flat" cmpd="sng" algn="ctr">
+                      <a:solidFill>
+                        <a:schemeClr val="tx1"/>
+                      </a:solidFill>
+                      <a:prstDash val="solid"/>
+                      <a:round/>
+                      <a:headEnd type="none" w="med" len="med"/>
+                      <a:tailEnd type="none" w="med" len="med"/>
+                    </a:lnL>
+                    <a:lnR w="12700" cap="flat" cmpd="sng" algn="ctr">
+                      <a:solidFill>
+                        <a:schemeClr val="tx1"/>
+                      </a:solidFill>
+                      <a:prstDash val="solid"/>
+                      <a:round/>
+                      <a:headEnd type="none" w="med" len="med"/>
+                      <a:tailEnd type="none" w="med" len="med"/>
+                    </a:lnR>
+                    <a:lnT w="12700" cap="flat" cmpd="sng" algn="ctr">
+                      <a:solidFill>
+                        <a:schemeClr val="tx1"/>
+                      </a:solidFill>
+                      <a:prstDash val="solid"/>
+                      <a:round/>
+                      <a:headEnd type="none" w="med" len="med"/>
+                      <a:tailEnd type="none" w="med" len="med"/>
+                    </a:lnT>
+                    <a:lnB w="12700" cap="flat" cmpd="sng" algn="ctr">
+                      <a:solidFill>
+                        <a:schemeClr val="tx1"/>
+                      </a:solidFill>
+                      <a:prstDash val="solid"/>
+                      <a:round/>
+                      <a:headEnd type="none" w="med" len="med"/>
+                      <a:tailEnd type="none" w="med" len="med"/>
+                    </a:lnB>
+                  </a:tcPr>
+                </a:tc>
+              </a:tr>
+              <a:tr h="190520">
+                <a:tc>
+                  <a:txBody>
+                    <a:bodyPr/>
+                    <a:lstStyle/>
+                    <a:p>
+                      <a:endParaRPr lang="ja-JP" altLang="en-US" sz="1050"/>
+                    </a:p>
+                  </a:txBody>
+                  <a:tcPr>
+                    <a:lnL w="12700" cap="flat" cmpd="sng" algn="ctr">
+                      <a:solidFill>
+                        <a:schemeClr val="tx1"/>
+                      </a:solidFill>
+                      <a:prstDash val="solid"/>
+                      <a:round/>
+                      <a:headEnd type="none" w="med" len="med"/>
+                      <a:tailEnd type="none" w="med" len="med"/>
+                    </a:lnL>
+                    <a:lnR w="12700" cap="flat" cmpd="sng" algn="ctr">
+                      <a:solidFill>
+                        <a:schemeClr val="tx1"/>
+                      </a:solidFill>
+                      <a:prstDash val="solid"/>
+                      <a:round/>
+                      <a:headEnd type="none" w="med" len="med"/>
+                      <a:tailEnd type="none" w="med" len="med"/>
+                    </a:lnR>
+                    <a:lnT w="12700" cap="flat" cmpd="sng" algn="ctr">
+                      <a:solidFill>
+                        <a:schemeClr val="tx1"/>
+                      </a:solidFill>
+                      <a:prstDash val="solid"/>
+                      <a:round/>
+                      <a:headEnd type="none" w="med" len="med"/>
+                      <a:tailEnd type="none" w="med" len="med"/>
+                    </a:lnT>
+                    <a:lnB w="12700" cap="flat" cmpd="sng" algn="ctr">
+                      <a:solidFill>
+                        <a:schemeClr val="tx1"/>
+                      </a:solidFill>
+                      <a:prstDash val="solid"/>
+                      <a:round/>
+                      <a:headEnd type="none" w="med" len="med"/>
+                      <a:tailEnd type="none" w="med" len="med"/>
+                    </a:lnB>
+                  </a:tcPr>
+                </a:tc>
+                <a:tc>
+                  <a:txBody>
+                    <a:bodyPr/>
+                    <a:lstStyle/>
+                    <a:p>
+                      <a:endParaRPr lang="ja-JP" altLang="en-US" sz="1050" dirty="0"/>
+                    </a:p>
+                  </a:txBody>
+                  <a:tcPr>
+                    <a:lnL w="12700" cap="flat" cmpd="sng" algn="ctr">
+                      <a:solidFill>
+                        <a:schemeClr val="tx1"/>
+                      </a:solidFill>
+                      <a:prstDash val="solid"/>
+                      <a:round/>
+                      <a:headEnd type="none" w="med" len="med"/>
+                      <a:tailEnd type="none" w="med" len="med"/>
+                    </a:lnL>
+                    <a:lnR w="12700" cap="flat" cmpd="sng" algn="ctr">
+                      <a:solidFill>
+                        <a:schemeClr val="tx1"/>
+                      </a:solidFill>
+                      <a:prstDash val="solid"/>
+                      <a:round/>
+                      <a:headEnd type="none" w="med" len="med"/>
+                      <a:tailEnd type="none" w="med" len="med"/>
+                    </a:lnR>
+                    <a:lnT w="12700" cap="flat" cmpd="sng" algn="ctr">
+                      <a:solidFill>
+                        <a:schemeClr val="tx1"/>
+                      </a:solidFill>
+                      <a:prstDash val="solid"/>
+                      <a:round/>
+                      <a:headEnd type="none" w="med" len="med"/>
+                      <a:tailEnd type="none" w="med" len="med"/>
+                    </a:lnT>
+                    <a:lnB w="12700" cap="flat" cmpd="sng" algn="ctr">
+                      <a:solidFill>
+                        <a:schemeClr val="tx1"/>
+                      </a:solidFill>
+                      <a:prstDash val="solid"/>
+                      <a:round/>
+                      <a:headEnd type="none" w="med" len="med"/>
+                      <a:tailEnd type="none" w="med" len="med"/>
+                    </a:lnB>
+                  </a:tcPr>
+                </a:tc>
+                <a:tc>
+                  <a:txBody>
+                    <a:bodyPr/>
+                    <a:lstStyle/>
+                    <a:p>
+                      <a:endParaRPr lang="ja-JP" altLang="en-US" sz="1050" dirty="0"/>
+                    </a:p>
+                  </a:txBody>
+                  <a:tcPr>
+                    <a:lnL w="12700" cap="flat" cmpd="sng" algn="ctr">
+                      <a:solidFill>
+                        <a:schemeClr val="tx1"/>
+                      </a:solidFill>
+                      <a:prstDash val="solid"/>
+                      <a:round/>
+                      <a:headEnd type="none" w="med" len="med"/>
+                      <a:tailEnd type="none" w="med" len="med"/>
+                    </a:lnL>
+                    <a:lnR w="12700" cap="flat" cmpd="sng" algn="ctr">
+                      <a:solidFill>
+                        <a:schemeClr val="tx1"/>
+                      </a:solidFill>
+                      <a:prstDash val="solid"/>
+                      <a:round/>
+                      <a:headEnd type="none" w="med" len="med"/>
+                      <a:tailEnd type="none" w="med" len="med"/>
+                    </a:lnR>
+                    <a:lnT w="12700" cap="flat" cmpd="sng" algn="ctr">
+                      <a:solidFill>
+                        <a:schemeClr val="tx1"/>
+                      </a:solidFill>
+                      <a:prstDash val="solid"/>
+                      <a:round/>
+                      <a:headEnd type="none" w="med" len="med"/>
+                      <a:tailEnd type="none" w="med" len="med"/>
+                    </a:lnT>
+                    <a:lnB w="12700" cap="flat" cmpd="sng" algn="ctr">
+                      <a:solidFill>
+                        <a:schemeClr val="tx1"/>
+                      </a:solidFill>
+                      <a:prstDash val="solid"/>
+                      <a:round/>
+                      <a:headEnd type="none" w="med" len="med"/>
+                      <a:tailEnd type="none" w="med" len="med"/>
+                    </a:lnB>
+                  </a:tcPr>
+                </a:tc>
+                <a:tc>
+                  <a:txBody>
+                    <a:bodyPr/>
+                    <a:lstStyle/>
+                    <a:p>
+                      <a:endParaRPr kumimoji="1" lang="ja-JP" altLang="en-US" sz="1050"/>
+                    </a:p>
+                  </a:txBody>
+                  <a:tcPr>
+                    <a:lnL w="12700" cap="flat" cmpd="sng" algn="ctr">
+                      <a:solidFill>
+                        <a:schemeClr val="tx1"/>
+                      </a:solidFill>
+                      <a:prstDash val="solid"/>
+                      <a:round/>
+                      <a:headEnd type="none" w="med" len="med"/>
+                      <a:tailEnd type="none" w="med" len="med"/>
+                    </a:lnL>
+                    <a:lnR w="12700" cap="flat" cmpd="sng" algn="ctr">
+                      <a:solidFill>
+                        <a:schemeClr val="tx1"/>
+                      </a:solidFill>
+                      <a:prstDash val="solid"/>
+                      <a:round/>
+                      <a:headEnd type="none" w="med" len="med"/>
+                      <a:tailEnd type="none" w="med" len="med"/>
+                    </a:lnR>
+                    <a:lnT w="12700" cap="flat" cmpd="sng" algn="ctr">
+                      <a:solidFill>
+                        <a:schemeClr val="tx1"/>
+                      </a:solidFill>
+                      <a:prstDash val="solid"/>
+                      <a:round/>
+                      <a:headEnd type="none" w="med" len="med"/>
+                      <a:tailEnd type="none" w="med" len="med"/>
+                    </a:lnT>
+                    <a:lnB w="12700" cap="flat" cmpd="sng" algn="ctr">
+                      <a:solidFill>
+                        <a:schemeClr val="tx1"/>
+                      </a:solidFill>
+                      <a:prstDash val="solid"/>
+                      <a:round/>
+                      <a:headEnd type="none" w="med" len="med"/>
+                      <a:tailEnd type="none" w="med" len="med"/>
+                    </a:lnB>
+                  </a:tcPr>
+                </a:tc>
+                <a:tc>
+                  <a:txBody>
+                    <a:bodyPr/>
+                    <a:lstStyle/>
+                    <a:p>
+                      <a:endParaRPr kumimoji="1" lang="ja-JP" altLang="en-US" sz="1050"/>
+                    </a:p>
+                  </a:txBody>
+                  <a:tcPr>
+                    <a:lnL w="12700" cap="flat" cmpd="sng" algn="ctr">
+                      <a:solidFill>
+                        <a:schemeClr val="tx1"/>
+                      </a:solidFill>
+                      <a:prstDash val="solid"/>
+                      <a:round/>
+                      <a:headEnd type="none" w="med" len="med"/>
+                      <a:tailEnd type="none" w="med" len="med"/>
+                    </a:lnL>
+                    <a:lnR w="12700" cap="flat" cmpd="sng" algn="ctr">
+                      <a:solidFill>
+                        <a:schemeClr val="tx1"/>
+                      </a:solidFill>
+                      <a:prstDash val="solid"/>
+                      <a:round/>
+                      <a:headEnd type="none" w="med" len="med"/>
+                      <a:tailEnd type="none" w="med" len="med"/>
+                    </a:lnR>
+                    <a:lnT w="12700" cap="flat" cmpd="sng" algn="ctr">
+                      <a:solidFill>
+                        <a:schemeClr val="tx1"/>
+                      </a:solidFill>
+                      <a:prstDash val="solid"/>
+                      <a:round/>
+                      <a:headEnd type="none" w="med" len="med"/>
+                      <a:tailEnd type="none" w="med" len="med"/>
+                    </a:lnT>
+                    <a:lnB w="12700" cap="flat" cmpd="sng" algn="ctr">
+                      <a:solidFill>
+                        <a:schemeClr val="tx1"/>
+                      </a:solidFill>
+                      <a:prstDash val="solid"/>
+                      <a:round/>
+                      <a:headEnd type="none" w="med" len="med"/>
+                      <a:tailEnd type="none" w="med" len="med"/>
+                    </a:lnB>
+                  </a:tcPr>
+                </a:tc>
+              </a:tr>
+              <a:tr h="190520">
+                <a:tc>
+                  <a:txBody>
+                    <a:bodyPr/>
+                    <a:lstStyle/>
+                    <a:p>
+                      <a:endParaRPr lang="ja-JP" altLang="en-US" sz="1050"/>
+                    </a:p>
+                  </a:txBody>
+                  <a:tcPr>
+                    <a:lnL w="12700" cap="flat" cmpd="sng" algn="ctr">
+                      <a:solidFill>
+                        <a:schemeClr val="tx1"/>
+                      </a:solidFill>
+                      <a:prstDash val="solid"/>
+                      <a:round/>
+                      <a:headEnd type="none" w="med" len="med"/>
+                      <a:tailEnd type="none" w="med" len="med"/>
+                    </a:lnL>
+                    <a:lnR w="12700" cap="flat" cmpd="sng" algn="ctr">
+                      <a:solidFill>
+                        <a:schemeClr val="tx1"/>
+                      </a:solidFill>
+                      <a:prstDash val="solid"/>
+                      <a:round/>
+                      <a:headEnd type="none" w="med" len="med"/>
+                      <a:tailEnd type="none" w="med" len="med"/>
+                    </a:lnR>
+                    <a:lnT w="12700" cap="flat" cmpd="sng" algn="ctr">
+                      <a:solidFill>
+                        <a:schemeClr val="tx1"/>
+                      </a:solidFill>
+                      <a:prstDash val="solid"/>
+                      <a:round/>
+                      <a:headEnd type="none" w="med" len="med"/>
+                      <a:tailEnd type="none" w="med" len="med"/>
+                    </a:lnT>
+                    <a:lnB w="12700" cap="flat" cmpd="sng" algn="ctr">
+                      <a:solidFill>
+                        <a:schemeClr val="tx1"/>
+                      </a:solidFill>
+                      <a:prstDash val="solid"/>
+                      <a:round/>
+                      <a:headEnd type="none" w="med" len="med"/>
+                      <a:tailEnd type="none" w="med" len="med"/>
+                    </a:lnB>
+                  </a:tcPr>
+                </a:tc>
+                <a:tc>
+                  <a:txBody>
+                    <a:bodyPr/>
+                    <a:lstStyle/>
+                    <a:p>
+                      <a:endParaRPr lang="ja-JP" altLang="en-US" sz="1050"/>
+                    </a:p>
+                  </a:txBody>
+                  <a:tcPr>
+                    <a:lnL w="12700" cap="flat" cmpd="sng" algn="ctr">
+                      <a:solidFill>
+                        <a:schemeClr val="tx1"/>
+                      </a:solidFill>
+                      <a:prstDash val="solid"/>
+                      <a:round/>
+                      <a:headEnd type="none" w="med" len="med"/>
+                      <a:tailEnd type="none" w="med" len="med"/>
+                    </a:lnL>
+                    <a:lnR w="12700" cap="flat" cmpd="sng" algn="ctr">
+                      <a:solidFill>
+                        <a:schemeClr val="tx1"/>
+                      </a:solidFill>
+                      <a:prstDash val="solid"/>
+                      <a:round/>
+                      <a:headEnd type="none" w="med" len="med"/>
+                      <a:tailEnd type="none" w="med" len="med"/>
+                    </a:lnR>
+                    <a:lnT w="12700" cap="flat" cmpd="sng" algn="ctr">
+                      <a:solidFill>
+                        <a:schemeClr val="tx1"/>
+                      </a:solidFill>
+                      <a:prstDash val="solid"/>
+                      <a:round/>
+                      <a:headEnd type="none" w="med" len="med"/>
+                      <a:tailEnd type="none" w="med" len="med"/>
+                    </a:lnT>
+                    <a:lnB w="12700" cap="flat" cmpd="sng" algn="ctr">
+                      <a:solidFill>
+                        <a:schemeClr val="tx1"/>
+                      </a:solidFill>
+                      <a:prstDash val="solid"/>
+                      <a:round/>
+                      <a:headEnd type="none" w="med" len="med"/>
+                      <a:tailEnd type="none" w="med" len="med"/>
+                    </a:lnB>
+                  </a:tcPr>
+                </a:tc>
+                <a:tc>
+                  <a:txBody>
+                    <a:bodyPr/>
+                    <a:lstStyle/>
+                    <a:p>
+                      <a:endParaRPr lang="ja-JP" altLang="en-US" sz="1050" dirty="0"/>
+                    </a:p>
+                  </a:txBody>
+                  <a:tcPr>
+                    <a:lnL w="12700" cap="flat" cmpd="sng" algn="ctr">
+                      <a:solidFill>
+                        <a:schemeClr val="tx1"/>
+                      </a:solidFill>
+                      <a:prstDash val="solid"/>
+                      <a:round/>
+                      <a:headEnd type="none" w="med" len="med"/>
+                      <a:tailEnd type="none" w="med" len="med"/>
+                    </a:lnL>
+                    <a:lnR w="12700" cap="flat" cmpd="sng" algn="ctr">
+                      <a:solidFill>
+                        <a:schemeClr val="tx1"/>
+                      </a:solidFill>
+                      <a:prstDash val="solid"/>
+                      <a:round/>
+                      <a:headEnd type="none" w="med" len="med"/>
+                      <a:tailEnd type="none" w="med" len="med"/>
+                    </a:lnR>
+                    <a:lnT w="12700" cap="flat" cmpd="sng" algn="ctr">
+                      <a:solidFill>
+                        <a:schemeClr val="tx1"/>
+                      </a:solidFill>
+                      <a:prstDash val="solid"/>
+                      <a:round/>
+                      <a:headEnd type="none" w="med" len="med"/>
+                      <a:tailEnd type="none" w="med" len="med"/>
+                    </a:lnT>
+                    <a:lnB w="12700" cap="flat" cmpd="sng" algn="ctr">
+                      <a:solidFill>
+                        <a:schemeClr val="tx1"/>
+                      </a:solidFill>
+                      <a:prstDash val="solid"/>
+                      <a:round/>
+                      <a:headEnd type="none" w="med" len="med"/>
+                      <a:tailEnd type="none" w="med" len="med"/>
+                    </a:lnB>
+                  </a:tcPr>
+                </a:tc>
+                <a:tc>
+                  <a:txBody>
+                    <a:bodyPr/>
+                    <a:lstStyle/>
+                    <a:p>
+                      <a:endParaRPr kumimoji="1" lang="ja-JP" altLang="en-US" sz="1050"/>
+                    </a:p>
+                  </a:txBody>
+                  <a:tcPr>
+                    <a:lnL w="12700" cap="flat" cmpd="sng" algn="ctr">
+                      <a:solidFill>
+                        <a:schemeClr val="tx1"/>
+                      </a:solidFill>
+                      <a:prstDash val="solid"/>
+                      <a:round/>
+                      <a:headEnd type="none" w="med" len="med"/>
+                      <a:tailEnd type="none" w="med" len="med"/>
+                    </a:lnL>
+                    <a:lnR w="12700" cap="flat" cmpd="sng" algn="ctr">
+                      <a:solidFill>
+                        <a:schemeClr val="tx1"/>
+                      </a:solidFill>
+                      <a:prstDash val="solid"/>
+                      <a:round/>
+                      <a:headEnd type="none" w="med" len="med"/>
+                      <a:tailEnd type="none" w="med" len="med"/>
+                    </a:lnR>
+                    <a:lnT w="12700" cap="flat" cmpd="sng" algn="ctr">
+                      <a:solidFill>
+                        <a:schemeClr val="tx1"/>
+                      </a:solidFill>
+                      <a:prstDash val="solid"/>
+                      <a:round/>
+                      <a:headEnd type="none" w="med" len="med"/>
+                      <a:tailEnd type="none" w="med" len="med"/>
+                    </a:lnT>
+                    <a:lnB w="12700" cap="flat" cmpd="sng" algn="ctr">
+                      <a:solidFill>
+                        <a:schemeClr val="tx1"/>
+                      </a:solidFill>
+                      <a:prstDash val="solid"/>
+                      <a:round/>
+                      <a:headEnd type="none" w="med" len="med"/>
+                      <a:tailEnd type="none" w="med" len="med"/>
+                    </a:lnB>
+                  </a:tcPr>
+                </a:tc>
+                <a:tc>
+                  <a:txBody>
+                    <a:bodyPr/>
+                    <a:lstStyle/>
+                    <a:p>
+                      <a:endParaRPr kumimoji="1" lang="ja-JP" altLang="en-US" sz="1050"/>
+                    </a:p>
+                  </a:txBody>
+                  <a:tcPr>
+                    <a:lnL w="12700" cap="flat" cmpd="sng" algn="ctr">
+                      <a:solidFill>
+                        <a:schemeClr val="tx1"/>
+                      </a:solidFill>
+                      <a:prstDash val="solid"/>
+                      <a:round/>
+                      <a:headEnd type="none" w="med" len="med"/>
+                      <a:tailEnd type="none" w="med" len="med"/>
+                    </a:lnL>
+                    <a:lnR w="12700" cap="flat" cmpd="sng" algn="ctr">
+                      <a:solidFill>
+                        <a:schemeClr val="tx1"/>
+                      </a:solidFill>
+                      <a:prstDash val="solid"/>
+                      <a:round/>
+                      <a:headEnd type="none" w="med" len="med"/>
+                      <a:tailEnd type="none" w="med" len="med"/>
+                    </a:lnR>
+                    <a:lnT w="12700" cap="flat" cmpd="sng" algn="ctr">
+                      <a:solidFill>
+                        <a:schemeClr val="tx1"/>
+                      </a:solidFill>
+                      <a:prstDash val="solid"/>
+                      <a:round/>
+                      <a:headEnd type="none" w="med" len="med"/>
+                      <a:tailEnd type="none" w="med" len="med"/>
+                    </a:lnT>
+                    <a:lnB w="12700" cap="flat" cmpd="sng" algn="ctr">
+                      <a:solidFill>
+                        <a:schemeClr val="tx1"/>
+                      </a:solidFill>
+                      <a:prstDash val="solid"/>
+                      <a:round/>
+                      <a:headEnd type="none" w="med" len="med"/>
+                      <a:tailEnd type="none" w="med" len="med"/>
+                    </a:lnB>
+                  </a:tcPr>
+                </a:tc>
+              </a:tr>
+              <a:tr h="190520">
+                <a:tc>
+                  <a:txBody>
+                    <a:bodyPr/>
+                    <a:lstStyle/>
+                    <a:p>
+                      <a:endParaRPr lang="ja-JP" altLang="en-US" sz="1050"/>
+                    </a:p>
+                  </a:txBody>
+                  <a:tcPr>
+                    <a:lnL w="12700" cap="flat" cmpd="sng" algn="ctr">
+                      <a:solidFill>
+                        <a:schemeClr val="tx1"/>
+                      </a:solidFill>
+                      <a:prstDash val="solid"/>
+                      <a:round/>
+                      <a:headEnd type="none" w="med" len="med"/>
+                      <a:tailEnd type="none" w="med" len="med"/>
+                    </a:lnL>
+                    <a:lnR w="12700" cap="flat" cmpd="sng" algn="ctr">
+                      <a:solidFill>
+                        <a:schemeClr val="tx1"/>
+                      </a:solidFill>
+                      <a:prstDash val="solid"/>
+                      <a:round/>
+                      <a:headEnd type="none" w="med" len="med"/>
+                      <a:tailEnd type="none" w="med" len="med"/>
+                    </a:lnR>
+                    <a:lnT w="12700" cap="flat" cmpd="sng" algn="ctr">
+                      <a:solidFill>
+                        <a:schemeClr val="tx1"/>
+                      </a:solidFill>
+                      <a:prstDash val="solid"/>
+                      <a:round/>
+                      <a:headEnd type="none" w="med" len="med"/>
+                      <a:tailEnd type="none" w="med" len="med"/>
+                    </a:lnT>
+                    <a:lnB w="12700" cap="flat" cmpd="sng" algn="ctr">
+                      <a:solidFill>
+                        <a:schemeClr val="tx1"/>
+                      </a:solidFill>
+                      <a:prstDash val="solid"/>
+                      <a:round/>
+                      <a:headEnd type="none" w="med" len="med"/>
+                      <a:tailEnd type="none" w="med" len="med"/>
+                    </a:lnB>
+                  </a:tcPr>
+                </a:tc>
+                <a:tc>
+                  <a:txBody>
+                    <a:bodyPr/>
+                    <a:lstStyle/>
+                    <a:p>
+                      <a:endParaRPr lang="ja-JP" altLang="en-US" sz="1050"/>
+                    </a:p>
+                  </a:txBody>
+                  <a:tcPr>
+                    <a:lnL w="12700" cap="flat" cmpd="sng" algn="ctr">
+                      <a:solidFill>
+                        <a:schemeClr val="tx1"/>
+                      </a:solidFill>
+                      <a:prstDash val="solid"/>
+                      <a:round/>
+                      <a:headEnd type="none" w="med" len="med"/>
+                      <a:tailEnd type="none" w="med" len="med"/>
+                    </a:lnL>
+                    <a:lnR w="12700" cap="flat" cmpd="sng" algn="ctr">
+                      <a:solidFill>
+                        <a:schemeClr val="tx1"/>
+                      </a:solidFill>
+                      <a:prstDash val="solid"/>
+                      <a:round/>
+                      <a:headEnd type="none" w="med" len="med"/>
+                      <a:tailEnd type="none" w="med" len="med"/>
+                    </a:lnR>
+                    <a:lnT w="12700" cap="flat" cmpd="sng" algn="ctr">
+                      <a:solidFill>
+                        <a:schemeClr val="tx1"/>
+                      </a:solidFill>
+                      <a:prstDash val="solid"/>
+                      <a:round/>
+                      <a:headEnd type="none" w="med" len="med"/>
+                      <a:tailEnd type="none" w="med" len="med"/>
+                    </a:lnT>
+                    <a:lnB w="12700" cap="flat" cmpd="sng" algn="ctr">
+                      <a:solidFill>
+                        <a:schemeClr val="tx1"/>
+                      </a:solidFill>
+                      <a:prstDash val="solid"/>
+                      <a:round/>
+                      <a:headEnd type="none" w="med" len="med"/>
+                      <a:tailEnd type="none" w="med" len="med"/>
+                    </a:lnB>
+                  </a:tcPr>
+                </a:tc>
+                <a:tc>
+                  <a:txBody>
+                    <a:bodyPr/>
+                    <a:lstStyle/>
+                    <a:p>
+                      <a:endParaRPr lang="ja-JP" altLang="en-US" sz="1050" dirty="0"/>
+                    </a:p>
+                  </a:txBody>
+                  <a:tcPr>
+                    <a:lnL w="12700" cap="flat" cmpd="sng" algn="ctr">
+                      <a:solidFill>
+                        <a:schemeClr val="tx1"/>
+                      </a:solidFill>
+                      <a:prstDash val="solid"/>
+                      <a:round/>
+                      <a:headEnd type="none" w="med" len="med"/>
+                      <a:tailEnd type="none" w="med" len="med"/>
+                    </a:lnL>
+                    <a:lnR w="12700" cap="flat" cmpd="sng" algn="ctr">
+                      <a:solidFill>
+                        <a:schemeClr val="tx1"/>
+                      </a:solidFill>
+                      <a:prstDash val="solid"/>
+                      <a:round/>
+                      <a:headEnd type="none" w="med" len="med"/>
+                      <a:tailEnd type="none" w="med" len="med"/>
+                    </a:lnR>
+                    <a:lnT w="12700" cap="flat" cmpd="sng" algn="ctr">
+                      <a:solidFill>
+                        <a:schemeClr val="tx1"/>
+                      </a:solidFill>
+                      <a:prstDash val="solid"/>
+                      <a:round/>
+                      <a:headEnd type="none" w="med" len="med"/>
+                      <a:tailEnd type="none" w="med" len="med"/>
+                    </a:lnT>
+                    <a:lnB w="12700" cap="flat" cmpd="sng" algn="ctr">
+                      <a:solidFill>
+                        <a:schemeClr val="tx1"/>
+                      </a:solidFill>
+                      <a:prstDash val="solid"/>
+                      <a:round/>
+                      <a:headEnd type="none" w="med" len="med"/>
+                      <a:tailEnd type="none" w="med" len="med"/>
+                    </a:lnB>
+                  </a:tcPr>
+                </a:tc>
+                <a:tc>
+                  <a:txBody>
+                    <a:bodyPr/>
+                    <a:lstStyle/>
+                    <a:p>
+                      <a:endParaRPr kumimoji="1" lang="ja-JP" altLang="en-US" sz="1050"/>
+                    </a:p>
+                  </a:txBody>
+                  <a:tcPr>
+                    <a:lnL w="12700" cap="flat" cmpd="sng" algn="ctr">
+                      <a:solidFill>
+                        <a:schemeClr val="tx1"/>
+                      </a:solidFill>
+                      <a:prstDash val="solid"/>
+                      <a:round/>
+                      <a:headEnd type="none" w="med" len="med"/>
+                      <a:tailEnd type="none" w="med" len="med"/>
+                    </a:lnL>
+                    <a:lnR w="12700" cap="flat" cmpd="sng" algn="ctr">
+                      <a:solidFill>
+                        <a:schemeClr val="tx1"/>
+                      </a:solidFill>
+                      <a:prstDash val="solid"/>
+                      <a:round/>
+                      <a:headEnd type="none" w="med" len="med"/>
+                      <a:tailEnd type="none" w="med" len="med"/>
+                    </a:lnR>
+                    <a:lnT w="12700" cap="flat" cmpd="sng" algn="ctr">
+                      <a:solidFill>
+                        <a:schemeClr val="tx1"/>
+                      </a:solidFill>
+                      <a:prstDash val="solid"/>
+                      <a:round/>
+                      <a:headEnd type="none" w="med" len="med"/>
+                      <a:tailEnd type="none" w="med" len="med"/>
+                    </a:lnT>
+                    <a:lnB w="12700" cap="flat" cmpd="sng" algn="ctr">
+                      <a:solidFill>
+                        <a:schemeClr val="tx1"/>
+                      </a:solidFill>
+                      <a:prstDash val="solid"/>
+                      <a:round/>
+                      <a:headEnd type="none" w="med" len="med"/>
+                      <a:tailEnd type="none" w="med" len="med"/>
+                    </a:lnB>
+                  </a:tcPr>
+                </a:tc>
+                <a:tc>
+                  <a:txBody>
+                    <a:bodyPr/>
+                    <a:lstStyle/>
+                    <a:p>
+                      <a:endParaRPr kumimoji="1" lang="ja-JP" altLang="en-US" sz="1050"/>
+                    </a:p>
+                  </a:txBody>
+                  <a:tcPr>
+                    <a:lnL w="12700" cap="flat" cmpd="sng" algn="ctr">
+                      <a:solidFill>
+                        <a:schemeClr val="tx1"/>
+                      </a:solidFill>
+                      <a:prstDash val="solid"/>
+                      <a:round/>
+                      <a:headEnd type="none" w="med" len="med"/>
+                      <a:tailEnd type="none" w="med" len="med"/>
+                    </a:lnL>
+                    <a:lnR w="12700" cap="flat" cmpd="sng" algn="ctr">
+                      <a:solidFill>
+                        <a:schemeClr val="tx1"/>
+                      </a:solidFill>
+                      <a:prstDash val="solid"/>
+                      <a:round/>
+                      <a:headEnd type="none" w="med" len="med"/>
+                      <a:tailEnd type="none" w="med" len="med"/>
+                    </a:lnR>
+                    <a:lnT w="12700" cap="flat" cmpd="sng" algn="ctr">
+                      <a:solidFill>
+                        <a:schemeClr val="tx1"/>
+                      </a:solidFill>
+                      <a:prstDash val="solid"/>
+                      <a:round/>
+                      <a:headEnd type="none" w="med" len="med"/>
+                      <a:tailEnd type="none" w="med" len="med"/>
+                    </a:lnT>
+                    <a:lnB w="12700" cap="flat" cmpd="sng" algn="ctr">
+                      <a:solidFill>
+                        <a:schemeClr val="tx1"/>
+                      </a:solidFill>
+                      <a:prstDash val="solid"/>
+                      <a:round/>
+                      <a:headEnd type="none" w="med" len="med"/>
+                      <a:tailEnd type="none" w="med" len="med"/>
+                    </a:lnB>
+                  </a:tcPr>
+                </a:tc>
+              </a:tr>
+              <a:tr h="190520">
+                <a:tc>
+                  <a:txBody>
+                    <a:bodyPr/>
+                    <a:lstStyle/>
+                    <a:p>
+                      <a:endParaRPr lang="ja-JP" altLang="en-US" sz="1050" dirty="0"/>
+                    </a:p>
+                  </a:txBody>
+                  <a:tcPr>
+                    <a:lnL w="12700" cap="flat" cmpd="sng" algn="ctr">
+                      <a:solidFill>
+                        <a:schemeClr val="tx1"/>
+                      </a:solidFill>
+                      <a:prstDash val="solid"/>
+                      <a:round/>
+                      <a:headEnd type="none" w="med" len="med"/>
+                      <a:tailEnd type="none" w="med" len="med"/>
+                    </a:lnL>
+                    <a:lnR w="12700" cap="flat" cmpd="sng" algn="ctr">
+                      <a:solidFill>
+                        <a:schemeClr val="tx1"/>
+                      </a:solidFill>
+                      <a:prstDash val="solid"/>
+                      <a:round/>
+                      <a:headEnd type="none" w="med" len="med"/>
+                      <a:tailEnd type="none" w="med" len="med"/>
+                    </a:lnR>
+                    <a:lnT w="12700" cap="flat" cmpd="sng" algn="ctr">
+                      <a:solidFill>
+                        <a:schemeClr val="tx1"/>
+                      </a:solidFill>
+                      <a:prstDash val="solid"/>
+                      <a:round/>
+                      <a:headEnd type="none" w="med" len="med"/>
+                      <a:tailEnd type="none" w="med" len="med"/>
+                    </a:lnT>
+                    <a:lnB w="12700" cap="flat" cmpd="sng" algn="ctr">
+                      <a:solidFill>
+                        <a:schemeClr val="tx1"/>
+                      </a:solidFill>
+                      <a:prstDash val="solid"/>
+                      <a:round/>
+                      <a:headEnd type="none" w="med" len="med"/>
+                      <a:tailEnd type="none" w="med" len="med"/>
+                    </a:lnB>
+                  </a:tcPr>
+                </a:tc>
+                <a:tc>
+                  <a:txBody>
+                    <a:bodyPr/>
+                    <a:lstStyle/>
+                    <a:p>
+                      <a:endParaRPr lang="ja-JP" altLang="en-US" sz="1050"/>
+                    </a:p>
+                  </a:txBody>
+                  <a:tcPr>
+                    <a:lnL w="12700" cap="flat" cmpd="sng" algn="ctr">
+                      <a:solidFill>
+                        <a:schemeClr val="tx1"/>
+                      </a:solidFill>
+                      <a:prstDash val="solid"/>
+                      <a:round/>
+                      <a:headEnd type="none" w="med" len="med"/>
+                      <a:tailEnd type="none" w="med" len="med"/>
+                    </a:lnL>
+                    <a:lnR w="12700" cap="flat" cmpd="sng" algn="ctr">
+                      <a:solidFill>
+                        <a:schemeClr val="tx1"/>
+                      </a:solidFill>
+                      <a:prstDash val="solid"/>
+                      <a:round/>
+                      <a:headEnd type="none" w="med" len="med"/>
+                      <a:tailEnd type="none" w="med" len="med"/>
+                    </a:lnR>
+                    <a:lnT w="12700" cap="flat" cmpd="sng" algn="ctr">
+                      <a:solidFill>
+                        <a:schemeClr val="tx1"/>
+                      </a:solidFill>
+                      <a:prstDash val="solid"/>
+                      <a:round/>
+                      <a:headEnd type="none" w="med" len="med"/>
+                      <a:tailEnd type="none" w="med" len="med"/>
+                    </a:lnT>
+                    <a:lnB w="12700" cap="flat" cmpd="sng" algn="ctr">
+                      <a:solidFill>
+                        <a:schemeClr val="tx1"/>
+                      </a:solidFill>
+                      <a:prstDash val="solid"/>
+                      <a:round/>
+                      <a:headEnd type="none" w="med" len="med"/>
+                      <a:tailEnd type="none" w="med" len="med"/>
+                    </a:lnB>
+                  </a:tcPr>
+                </a:tc>
+                <a:tc>
+                  <a:txBody>
+                    <a:bodyPr/>
+                    <a:lstStyle/>
+                    <a:p>
+                      <a:endParaRPr lang="ja-JP" altLang="en-US" sz="1050" dirty="0"/>
+                    </a:p>
+                  </a:txBody>
+                  <a:tcPr>
+                    <a:lnL w="12700" cap="flat" cmpd="sng" algn="ctr">
+                      <a:solidFill>
+                        <a:schemeClr val="tx1"/>
+                      </a:solidFill>
+                      <a:prstDash val="solid"/>
+                      <a:round/>
+                      <a:headEnd type="none" w="med" len="med"/>
+                      <a:tailEnd type="none" w="med" len="med"/>
+                    </a:lnL>
+                    <a:lnR w="12700" cap="flat" cmpd="sng" algn="ctr">
+                      <a:solidFill>
+                        <a:schemeClr val="tx1"/>
+                      </a:solidFill>
+                      <a:prstDash val="solid"/>
+                      <a:round/>
+                      <a:headEnd type="none" w="med" len="med"/>
+                      <a:tailEnd type="none" w="med" len="med"/>
+                    </a:lnR>
+                    <a:lnT w="12700" cap="flat" cmpd="sng" algn="ctr">
+                      <a:solidFill>
+                        <a:schemeClr val="tx1"/>
+                      </a:solidFill>
+                      <a:prstDash val="solid"/>
+                      <a:round/>
+                      <a:headEnd type="none" w="med" len="med"/>
+                      <a:tailEnd type="none" w="med" len="med"/>
+                    </a:lnT>
+                    <a:lnB w="12700" cap="flat" cmpd="sng" algn="ctr">
+                      <a:solidFill>
+                        <a:schemeClr val="tx1"/>
+                      </a:solidFill>
+                      <a:prstDash val="solid"/>
+                      <a:round/>
+                      <a:headEnd type="none" w="med" len="med"/>
+                      <a:tailEnd type="none" w="med" len="med"/>
+                    </a:lnB>
+                  </a:tcPr>
+                </a:tc>
+                <a:tc>
+                  <a:txBody>
+                    <a:bodyPr/>
+                    <a:lstStyle/>
+                    <a:p>
+                      <a:endParaRPr kumimoji="1" lang="ja-JP" altLang="en-US" sz="1050"/>
+                    </a:p>
+                  </a:txBody>
+                  <a:tcPr>
+                    <a:lnL w="12700" cap="flat" cmpd="sng" algn="ctr">
+                      <a:solidFill>
+                        <a:schemeClr val="tx1"/>
+                      </a:solidFill>
+                      <a:prstDash val="solid"/>
+                      <a:round/>
+                      <a:headEnd type="none" w="med" len="med"/>
+                      <a:tailEnd type="none" w="med" len="med"/>
+                    </a:lnL>
+                    <a:lnR w="12700" cap="flat" cmpd="sng" algn="ctr">
+                      <a:solidFill>
+                        <a:schemeClr val="tx1"/>
+                      </a:solidFill>
+                      <a:prstDash val="solid"/>
+                      <a:round/>
+                      <a:headEnd type="none" w="med" len="med"/>
+                      <a:tailEnd type="none" w="med" len="med"/>
+                    </a:lnR>
+                    <a:lnT w="12700" cap="flat" cmpd="sng" algn="ctr">
+                      <a:solidFill>
+                        <a:schemeClr val="tx1"/>
+                      </a:solidFill>
+                      <a:prstDash val="solid"/>
+                      <a:round/>
+                      <a:headEnd type="none" w="med" len="med"/>
+                      <a:tailEnd type="none" w="med" len="med"/>
+                    </a:lnT>
+                    <a:lnB w="12700" cap="flat" cmpd="sng" algn="ctr">
+                      <a:solidFill>
+                        <a:schemeClr val="tx1"/>
+                      </a:solidFill>
+                      <a:prstDash val="solid"/>
+                      <a:round/>
+                      <a:headEnd type="none" w="med" len="med"/>
+                      <a:tailEnd type="none" w="med" len="med"/>
+                    </a:lnB>
+                  </a:tcPr>
+                </a:tc>
+                <a:tc>
+                  <a:txBody>
+                    <a:bodyPr/>
+                    <a:lstStyle/>
+                    <a:p>
+                      <a:endParaRPr kumimoji="1" lang="ja-JP" altLang="en-US" sz="1050" dirty="0"/>
+                    </a:p>
+                  </a:txBody>
+                  <a:tcPr>
+                    <a:lnL w="12700" cap="flat" cmpd="sng" algn="ctr">
+                      <a:solidFill>
+                        <a:schemeClr val="tx1"/>
+                      </a:solidFill>
+                      <a:prstDash val="solid"/>
+                      <a:round/>
+                      <a:headEnd type="none" w="med" len="med"/>
+                      <a:tailEnd type="none" w="med" len="med"/>
+                    </a:lnL>
+                    <a:lnR w="12700" cap="flat" cmpd="sng" algn="ctr">
+                      <a:solidFill>
+                        <a:schemeClr val="tx1"/>
+                      </a:solidFill>
+                      <a:prstDash val="solid"/>
+                      <a:round/>
+                      <a:headEnd type="none" w="med" len="med"/>
+                      <a:tailEnd type="none" w="med" len="med"/>
+                    </a:lnR>
+                    <a:lnT w="12700" cap="flat" cmpd="sng" algn="ctr">
+                      <a:solidFill>
+                        <a:schemeClr val="tx1"/>
+                      </a:solidFill>
+                      <a:prstDash val="solid"/>
+                      <a:round/>
+                      <a:headEnd type="none" w="med" len="med"/>
+                      <a:tailEnd type="none" w="med" len="med"/>
+                    </a:lnT>
+                    <a:lnB w="12700" cap="flat" cmpd="sng" algn="ctr">
+                      <a:solidFill>
+                        <a:schemeClr val="tx1"/>
+                      </a:solidFill>
+                      <a:prstDash val="solid"/>
+                      <a:round/>
+                      <a:headEnd type="none" w="med" len="med"/>
+                      <a:tailEnd type="none" w="med" len="med"/>
+                    </a:lnB>
+                  </a:tcPr>
+                </a:tc>
+              </a:tr>
+              <a:tr h="190520">
+                <a:tc>
+                  <a:txBody>
+                    <a:bodyPr/>
+                    <a:lstStyle/>
+                    <a:p>
+                      <a:endParaRPr lang="ja-JP" altLang="en-US" sz="1050" dirty="0"/>
+                    </a:p>
+                  </a:txBody>
+                  <a:tcPr>
+                    <a:lnL w="12700" cap="flat" cmpd="sng" algn="ctr">
+                      <a:solidFill>
+                        <a:schemeClr val="tx1"/>
+                      </a:solidFill>
+                      <a:prstDash val="solid"/>
+                      <a:round/>
+                      <a:headEnd type="none" w="med" len="med"/>
+                      <a:tailEnd type="none" w="med" len="med"/>
+                    </a:lnL>
+                    <a:lnR w="12700" cap="flat" cmpd="sng" algn="ctr">
+                      <a:solidFill>
+                        <a:schemeClr val="tx1"/>
+                      </a:solidFill>
+                      <a:prstDash val="solid"/>
+                      <a:round/>
+                      <a:headEnd type="none" w="med" len="med"/>
+                      <a:tailEnd type="none" w="med" len="med"/>
+                    </a:lnR>
+                    <a:lnT w="12700" cap="flat" cmpd="sng" algn="ctr">
+                      <a:solidFill>
+                        <a:schemeClr val="tx1"/>
+                      </a:solidFill>
+                      <a:prstDash val="solid"/>
+                      <a:round/>
+                      <a:headEnd type="none" w="med" len="med"/>
+                      <a:tailEnd type="none" w="med" len="med"/>
+                    </a:lnT>
+                    <a:lnB w="12700" cap="flat" cmpd="sng" algn="ctr">
+                      <a:solidFill>
+                        <a:schemeClr val="tx1"/>
+                      </a:solidFill>
+                      <a:prstDash val="solid"/>
+                      <a:round/>
+                      <a:headEnd type="none" w="med" len="med"/>
+                      <a:tailEnd type="none" w="med" len="med"/>
+                    </a:lnB>
+                  </a:tcPr>
+                </a:tc>
+                <a:tc>
+                  <a:txBody>
+                    <a:bodyPr/>
+                    <a:lstStyle/>
+                    <a:p>
+                      <a:endParaRPr lang="ja-JP" altLang="en-US" sz="1050"/>
+                    </a:p>
+                  </a:txBody>
+                  <a:tcPr>
+                    <a:lnL w="12700" cap="flat" cmpd="sng" algn="ctr">
+                      <a:solidFill>
+                        <a:schemeClr val="tx1"/>
+                      </a:solidFill>
+                      <a:prstDash val="solid"/>
+                      <a:round/>
+                      <a:headEnd type="none" w="med" len="med"/>
+                      <a:tailEnd type="none" w="med" len="med"/>
+                    </a:lnL>
+                    <a:lnR w="12700" cap="flat" cmpd="sng" algn="ctr">
+                      <a:solidFill>
+                        <a:schemeClr val="tx1"/>
+                      </a:solidFill>
+                      <a:prstDash val="solid"/>
+                      <a:round/>
+                      <a:headEnd type="none" w="med" len="med"/>
+                      <a:tailEnd type="none" w="med" len="med"/>
+                    </a:lnR>
+                    <a:lnT w="12700" cap="flat" cmpd="sng" algn="ctr">
+                      <a:solidFill>
+                        <a:schemeClr val="tx1"/>
+                      </a:solidFill>
+                      <a:prstDash val="solid"/>
+                      <a:round/>
+                      <a:headEnd type="none" w="med" len="med"/>
+                      <a:tailEnd type="none" w="med" len="med"/>
+                    </a:lnT>
+                    <a:lnB w="12700" cap="flat" cmpd="sng" algn="ctr">
+                      <a:solidFill>
+                        <a:schemeClr val="tx1"/>
+                      </a:solidFill>
+                      <a:prstDash val="solid"/>
+                      <a:round/>
+                      <a:headEnd type="none" w="med" len="med"/>
+                      <a:tailEnd type="none" w="med" len="med"/>
+                    </a:lnB>
+                  </a:tcPr>
+                </a:tc>
+                <a:tc>
+                  <a:txBody>
+                    <a:bodyPr/>
+                    <a:lstStyle/>
+                    <a:p>
+                      <a:endParaRPr lang="ja-JP" altLang="en-US" sz="1050" dirty="0"/>
+                    </a:p>
+                  </a:txBody>
+                  <a:tcPr>
+                    <a:lnL w="12700" cap="flat" cmpd="sng" algn="ctr">
+                      <a:solidFill>
+                        <a:schemeClr val="tx1"/>
+                      </a:solidFill>
+                      <a:prstDash val="solid"/>
+                      <a:round/>
+                      <a:headEnd type="none" w="med" len="med"/>
+                      <a:tailEnd type="none" w="med" len="med"/>
+                    </a:lnL>
+                    <a:lnR w="12700" cap="flat" cmpd="sng" algn="ctr">
+                      <a:solidFill>
+                        <a:schemeClr val="tx1"/>
+                      </a:solidFill>
+                      <a:prstDash val="solid"/>
+                      <a:round/>
+                      <a:headEnd type="none" w="med" len="med"/>
+                      <a:tailEnd type="none" w="med" len="med"/>
+                    </a:lnR>
+                    <a:lnT w="12700" cap="flat" cmpd="sng" algn="ctr">
+                      <a:solidFill>
+                        <a:schemeClr val="tx1"/>
+                      </a:solidFill>
+                      <a:prstDash val="solid"/>
+                      <a:round/>
+                      <a:headEnd type="none" w="med" len="med"/>
+                      <a:tailEnd type="none" w="med" len="med"/>
+                    </a:lnT>
+                    <a:lnB w="12700" cap="flat" cmpd="sng" algn="ctr">
+                      <a:solidFill>
+                        <a:schemeClr val="tx1"/>
+                      </a:solidFill>
+                      <a:prstDash val="solid"/>
+                      <a:round/>
+                      <a:headEnd type="none" w="med" len="med"/>
+                      <a:tailEnd type="none" w="med" len="med"/>
+                    </a:lnB>
+                  </a:tcPr>
+                </a:tc>
+                <a:tc>
+                  <a:txBody>
+                    <a:bodyPr/>
+                    <a:lstStyle/>
+                    <a:p>
+                      <a:endParaRPr kumimoji="1" lang="ja-JP" altLang="en-US" sz="1050"/>
+                    </a:p>
+                  </a:txBody>
+                  <a:tcPr>
+                    <a:lnL w="12700" cap="flat" cmpd="sng" algn="ctr">
+                      <a:solidFill>
+                        <a:schemeClr val="tx1"/>
+                      </a:solidFill>
+                      <a:prstDash val="solid"/>
+                      <a:round/>
+                      <a:headEnd type="none" w="med" len="med"/>
+                      <a:tailEnd type="none" w="med" len="med"/>
+                    </a:lnL>
+                    <a:lnR w="12700" cap="flat" cmpd="sng" algn="ctr">
+                      <a:solidFill>
+                        <a:schemeClr val="tx1"/>
+                      </a:solidFill>
+                      <a:prstDash val="solid"/>
+                      <a:round/>
+                      <a:headEnd type="none" w="med" len="med"/>
+                      <a:tailEnd type="none" w="med" len="med"/>
+                    </a:lnR>
+                    <a:lnT w="12700" cap="flat" cmpd="sng" algn="ctr">
+                      <a:solidFill>
+                        <a:schemeClr val="tx1"/>
+                      </a:solidFill>
+                      <a:prstDash val="solid"/>
+                      <a:round/>
+                      <a:headEnd type="none" w="med" len="med"/>
+                      <a:tailEnd type="none" w="med" len="med"/>
+                    </a:lnT>
+                    <a:lnB w="12700" cap="flat" cmpd="sng" algn="ctr">
+                      <a:solidFill>
+                        <a:schemeClr val="tx1"/>
+                      </a:solidFill>
+                      <a:prstDash val="solid"/>
+                      <a:round/>
+                      <a:headEnd type="none" w="med" len="med"/>
+                      <a:tailEnd type="none" w="med" len="med"/>
+                    </a:lnB>
+                  </a:tcPr>
+                </a:tc>
+                <a:tc>
+                  <a:txBody>
+                    <a:bodyPr/>
+                    <a:lstStyle/>
+                    <a:p>
+                      <a:endParaRPr kumimoji="1" lang="ja-JP" altLang="en-US" sz="1050" dirty="0"/>
+                    </a:p>
+                  </a:txBody>
+                  <a:tcPr>
+                    <a:lnL w="12700" cap="flat" cmpd="sng" algn="ctr">
+                      <a:solidFill>
+                        <a:schemeClr val="tx1"/>
+                      </a:solidFill>
+                      <a:prstDash val="solid"/>
+                      <a:round/>
+                      <a:headEnd type="none" w="med" len="med"/>
+                      <a:tailEnd type="none" w="med" len="med"/>
+                    </a:lnL>
+                    <a:lnR w="12700" cap="flat" cmpd="sng" algn="ctr">
+                      <a:solidFill>
+                        <a:schemeClr val="tx1"/>
+                      </a:solidFill>
+                      <a:prstDash val="solid"/>
+                      <a:round/>
+                      <a:headEnd type="none" w="med" len="med"/>
+                      <a:tailEnd type="none" w="med" len="med"/>
+                    </a:lnR>
+                    <a:lnT w="12700" cap="flat" cmpd="sng" algn="ctr">
+                      <a:solidFill>
+                        <a:schemeClr val="tx1"/>
+                      </a:solidFill>
+                      <a:prstDash val="solid"/>
+                      <a:round/>
+                      <a:headEnd type="none" w="med" len="med"/>
+                      <a:tailEnd type="none" w="med" len="med"/>
+                    </a:lnT>
+                    <a:lnB w="12700" cap="flat" cmpd="sng" algn="ctr">
+                      <a:solidFill>
+                        <a:schemeClr val="tx1"/>
+                      </a:solidFill>
+                      <a:prstDash val="solid"/>
+                      <a:round/>
+                      <a:headEnd type="none" w="med" len="med"/>
+                      <a:tailEnd type="none" w="med" len="med"/>
+                    </a:lnB>
+                  </a:tcPr>
+                </a:tc>
+              </a:tr>
+              <a:tr h="190520">
+                <a:tc>
+                  <a:txBody>
+                    <a:bodyPr/>
+                    <a:lstStyle/>
+                    <a:p>
+                      <a:endParaRPr lang="ja-JP" altLang="en-US" sz="1050" dirty="0"/>
+                    </a:p>
+                  </a:txBody>
+                  <a:tcPr>
+                    <a:lnL w="12700" cap="flat" cmpd="sng" algn="ctr">
+                      <a:solidFill>
+                        <a:schemeClr val="tx1"/>
+                      </a:solidFill>
+                      <a:prstDash val="solid"/>
+                      <a:round/>
+                      <a:headEnd type="none" w="med" len="med"/>
+                      <a:tailEnd type="none" w="med" len="med"/>
+                    </a:lnL>
+                    <a:lnR w="12700" cap="flat" cmpd="sng" algn="ctr">
+                      <a:solidFill>
+                        <a:schemeClr val="tx1"/>
+                      </a:solidFill>
+                      <a:prstDash val="solid"/>
+                      <a:round/>
+                      <a:headEnd type="none" w="med" len="med"/>
+                      <a:tailEnd type="none" w="med" len="med"/>
+                    </a:lnR>
+                    <a:lnT w="12700" cap="flat" cmpd="sng" algn="ctr">
+                      <a:solidFill>
+                        <a:schemeClr val="tx1"/>
+                      </a:solidFill>
+                      <a:prstDash val="solid"/>
+                      <a:round/>
+                      <a:headEnd type="none" w="med" len="med"/>
+                      <a:tailEnd type="none" w="med" len="med"/>
+                    </a:lnT>
+                    <a:lnB w="12700" cap="flat" cmpd="sng" algn="ctr">
+                      <a:solidFill>
+                        <a:schemeClr val="tx1"/>
+                      </a:solidFill>
+                      <a:prstDash val="solid"/>
+                      <a:round/>
+                      <a:headEnd type="none" w="med" len="med"/>
+                      <a:tailEnd type="none" w="med" len="med"/>
+                    </a:lnB>
+                  </a:tcPr>
+                </a:tc>
+                <a:tc>
+                  <a:txBody>
+                    <a:bodyPr/>
+                    <a:lstStyle/>
+                    <a:p>
+                      <a:endParaRPr lang="ja-JP" altLang="en-US" sz="1050"/>
+                    </a:p>
+                  </a:txBody>
+                  <a:tcPr>
+                    <a:lnL w="12700" cap="flat" cmpd="sng" algn="ctr">
+                      <a:solidFill>
+                        <a:schemeClr val="tx1"/>
+                      </a:solidFill>
+                      <a:prstDash val="solid"/>
+                      <a:round/>
+                      <a:headEnd type="none" w="med" len="med"/>
+                      <a:tailEnd type="none" w="med" len="med"/>
+                    </a:lnL>
+                    <a:lnR w="12700" cap="flat" cmpd="sng" algn="ctr">
+                      <a:solidFill>
+                        <a:schemeClr val="tx1"/>
+                      </a:solidFill>
+                      <a:prstDash val="solid"/>
+                      <a:round/>
+                      <a:headEnd type="none" w="med" len="med"/>
+                      <a:tailEnd type="none" w="med" len="med"/>
+                    </a:lnR>
+                    <a:lnT w="12700" cap="flat" cmpd="sng" algn="ctr">
+                      <a:solidFill>
+                        <a:schemeClr val="tx1"/>
+                      </a:solidFill>
+                      <a:prstDash val="solid"/>
+                      <a:round/>
+                      <a:headEnd type="none" w="med" len="med"/>
+                      <a:tailEnd type="none" w="med" len="med"/>
+                    </a:lnT>
+                    <a:lnB w="12700" cap="flat" cmpd="sng" algn="ctr">
+                      <a:solidFill>
+                        <a:schemeClr val="tx1"/>
+                      </a:solidFill>
+                      <a:prstDash val="solid"/>
+                      <a:round/>
+                      <a:headEnd type="none" w="med" len="med"/>
+                      <a:tailEnd type="none" w="med" len="med"/>
+                    </a:lnB>
+                  </a:tcPr>
+                </a:tc>
+                <a:tc>
+                  <a:txBody>
+                    <a:bodyPr/>
+                    <a:lstStyle/>
+                    <a:p>
+                      <a:endParaRPr lang="ja-JP" altLang="en-US" sz="1050" dirty="0"/>
+                    </a:p>
+                  </a:txBody>
+                  <a:tcPr>
+                    <a:lnL w="12700" cap="flat" cmpd="sng" algn="ctr">
+                      <a:solidFill>
+                        <a:schemeClr val="tx1"/>
+                      </a:solidFill>
+                      <a:prstDash val="solid"/>
+                      <a:round/>
+                      <a:headEnd type="none" w="med" len="med"/>
+                      <a:tailEnd type="none" w="med" len="med"/>
+                    </a:lnL>
+                    <a:lnR w="12700" cap="flat" cmpd="sng" algn="ctr">
+                      <a:solidFill>
+                        <a:schemeClr val="tx1"/>
+                      </a:solidFill>
+                      <a:prstDash val="solid"/>
+                      <a:round/>
+                      <a:headEnd type="none" w="med" len="med"/>
+                      <a:tailEnd type="none" w="med" len="med"/>
+                    </a:lnR>
+                    <a:lnT w="12700" cap="flat" cmpd="sng" algn="ctr">
+                      <a:solidFill>
+                        <a:schemeClr val="tx1"/>
+                      </a:solidFill>
+                      <a:prstDash val="solid"/>
+                      <a:round/>
+                      <a:headEnd type="none" w="med" len="med"/>
+                      <a:tailEnd type="none" w="med" len="med"/>
+                    </a:lnT>
+                    <a:lnB w="12700" cap="flat" cmpd="sng" algn="ctr">
+                      <a:solidFill>
+                        <a:schemeClr val="tx1"/>
+                      </a:solidFill>
+                      <a:prstDash val="solid"/>
+                      <a:round/>
+                      <a:headEnd type="none" w="med" len="med"/>
+                      <a:tailEnd type="none" w="med" len="med"/>
+                    </a:lnB>
+                  </a:tcPr>
+                </a:tc>
+                <a:tc>
+                  <a:txBody>
+                    <a:bodyPr/>
+                    <a:lstStyle/>
+                    <a:p>
+                      <a:endParaRPr kumimoji="1" lang="ja-JP" altLang="en-US" sz="1050"/>
+                    </a:p>
+                  </a:txBody>
+                  <a:tcPr>
+                    <a:lnL w="12700" cap="flat" cmpd="sng" algn="ctr">
+                      <a:solidFill>
+                        <a:schemeClr val="tx1"/>
+                      </a:solidFill>
+                      <a:prstDash val="solid"/>
+                      <a:round/>
+                      <a:headEnd type="none" w="med" len="med"/>
+                      <a:tailEnd type="none" w="med" len="med"/>
+                    </a:lnL>
+                    <a:lnR w="12700" cap="flat" cmpd="sng" algn="ctr">
+                      <a:solidFill>
+                        <a:schemeClr val="tx1"/>
+                      </a:solidFill>
+                      <a:prstDash val="solid"/>
+                      <a:round/>
+                      <a:headEnd type="none" w="med" len="med"/>
+                      <a:tailEnd type="none" w="med" len="med"/>
+                    </a:lnR>
+                    <a:lnT w="12700" cap="flat" cmpd="sng" algn="ctr">
+                      <a:solidFill>
+                        <a:schemeClr val="tx1"/>
+                      </a:solidFill>
+                      <a:prstDash val="solid"/>
+                      <a:round/>
+                      <a:headEnd type="none" w="med" len="med"/>
+                      <a:tailEnd type="none" w="med" len="med"/>
+                    </a:lnT>
+                    <a:lnB w="12700" cap="flat" cmpd="sng" algn="ctr">
+                      <a:solidFill>
+                        <a:schemeClr val="tx1"/>
+                      </a:solidFill>
+                      <a:prstDash val="solid"/>
+                      <a:round/>
+                      <a:headEnd type="none" w="med" len="med"/>
+                      <a:tailEnd type="none" w="med" len="med"/>
+                    </a:lnB>
+                  </a:tcPr>
+                </a:tc>
+                <a:tc>
+                  <a:txBody>
+                    <a:bodyPr/>
+                    <a:lstStyle/>
+                    <a:p>
+                      <a:endParaRPr kumimoji="1" lang="ja-JP" altLang="en-US" sz="1050" dirty="0"/>
+                    </a:p>
+                  </a:txBody>
+                  <a:tcPr>
+                    <a:lnL w="12700" cap="flat" cmpd="sng" algn="ctr">
+                      <a:solidFill>
+                        <a:schemeClr val="tx1"/>
+                      </a:solidFill>
+                      <a:prstDash val="solid"/>
+                      <a:round/>
+                      <a:headEnd type="none" w="med" len="med"/>
+                      <a:tailEnd type="none" w="med" len="med"/>
+                    </a:lnL>
+                    <a:lnR w="12700" cap="flat" cmpd="sng" algn="ctr">
+                      <a:solidFill>
+                        <a:schemeClr val="tx1"/>
+                      </a:solidFill>
+                      <a:prstDash val="solid"/>
+                      <a:round/>
+                      <a:headEnd type="none" w="med" len="med"/>
+                      <a:tailEnd type="none" w="med" len="med"/>
+                    </a:lnR>
+                    <a:lnT w="12700" cap="flat" cmpd="sng" algn="ctr">
+                      <a:solidFill>
+                        <a:schemeClr val="tx1"/>
+                      </a:solidFill>
+                      <a:prstDash val="solid"/>
+                      <a:round/>
+                      <a:headEnd type="none" w="med" len="med"/>
+                      <a:tailEnd type="none" w="med" len="med"/>
+                    </a:lnT>
+                    <a:lnB w="12700" cap="flat" cmpd="sng" algn="ctr">
+                      <a:solidFill>
+                        <a:schemeClr val="tx1"/>
+                      </a:solidFill>
+                      <a:prstDash val="solid"/>
+                      <a:round/>
+                      <a:headEnd type="none" w="med" len="med"/>
+                      <a:tailEnd type="none" w="med" len="med"/>
+                    </a:lnB>
+                  </a:tcPr>
+                </a:tc>
+              </a:tr>
+              <a:tr h="190520">
+                <a:tc>
+                  <a:txBody>
+                    <a:bodyPr/>
+                    <a:lstStyle/>
+                    <a:p>
+                      <a:endParaRPr lang="ja-JP" altLang="en-US" sz="1050" dirty="0"/>
+                    </a:p>
+                  </a:txBody>
+                  <a:tcPr>
+                    <a:lnL w="12700" cap="flat" cmpd="sng" algn="ctr">
+                      <a:solidFill>
+                        <a:schemeClr val="tx1"/>
+                      </a:solidFill>
+                      <a:prstDash val="solid"/>
+                      <a:round/>
+                      <a:headEnd type="none" w="med" len="med"/>
+                      <a:tailEnd type="none" w="med" len="med"/>
+                    </a:lnL>
+                    <a:lnR w="12700" cap="flat" cmpd="sng" algn="ctr">
+                      <a:solidFill>
+                        <a:schemeClr val="tx1"/>
+                      </a:solidFill>
+                      <a:prstDash val="solid"/>
+                      <a:round/>
+                      <a:headEnd type="none" w="med" len="med"/>
+                      <a:tailEnd type="none" w="med" len="med"/>
+                    </a:lnR>
+                    <a:lnT w="12700" cap="flat" cmpd="sng" algn="ctr">
+                      <a:solidFill>
+                        <a:schemeClr val="tx1"/>
+                      </a:solidFill>
+                      <a:prstDash val="solid"/>
+                      <a:round/>
+                      <a:headEnd type="none" w="med" len="med"/>
+                      <a:tailEnd type="none" w="med" len="med"/>
+                    </a:lnT>
+                    <a:lnB w="12700" cap="flat" cmpd="sng" algn="ctr">
+                      <a:solidFill>
+                        <a:schemeClr val="tx1"/>
+                      </a:solidFill>
+                      <a:prstDash val="solid"/>
+                      <a:round/>
+                      <a:headEnd type="none" w="med" len="med"/>
+                      <a:tailEnd type="none" w="med" len="med"/>
+                    </a:lnB>
+                  </a:tcPr>
+                </a:tc>
+                <a:tc>
+                  <a:txBody>
+                    <a:bodyPr/>
+                    <a:lstStyle/>
+                    <a:p>
+                      <a:endParaRPr lang="ja-JP" altLang="en-US" sz="1050"/>
+                    </a:p>
+                  </a:txBody>
+                  <a:tcPr>
+                    <a:lnL w="12700" cap="flat" cmpd="sng" algn="ctr">
+                      <a:solidFill>
+                        <a:schemeClr val="tx1"/>
+                      </a:solidFill>
+                      <a:prstDash val="solid"/>
+                      <a:round/>
+                      <a:headEnd type="none" w="med" len="med"/>
+                      <a:tailEnd type="none" w="med" len="med"/>
+                    </a:lnL>
+                    <a:lnR w="12700" cap="flat" cmpd="sng" algn="ctr">
+                      <a:solidFill>
+                        <a:schemeClr val="tx1"/>
+                      </a:solidFill>
+                      <a:prstDash val="solid"/>
+                      <a:round/>
+                      <a:headEnd type="none" w="med" len="med"/>
+                      <a:tailEnd type="none" w="med" len="med"/>
+                    </a:lnR>
+                    <a:lnT w="12700" cap="flat" cmpd="sng" algn="ctr">
+                      <a:solidFill>
+                        <a:schemeClr val="tx1"/>
+                      </a:solidFill>
+                      <a:prstDash val="solid"/>
+                      <a:round/>
+                      <a:headEnd type="none" w="med" len="med"/>
+                      <a:tailEnd type="none" w="med" len="med"/>
+                    </a:lnT>
+                    <a:lnB w="12700" cap="flat" cmpd="sng" algn="ctr">
+                      <a:solidFill>
+                        <a:schemeClr val="tx1"/>
+                      </a:solidFill>
+                      <a:prstDash val="solid"/>
+                      <a:round/>
+                      <a:headEnd type="none" w="med" len="med"/>
+                      <a:tailEnd type="none" w="med" len="med"/>
+                    </a:lnB>
+                  </a:tcPr>
+                </a:tc>
+                <a:tc>
+                  <a:txBody>
+                    <a:bodyPr/>
+                    <a:lstStyle/>
+                    <a:p>
+                      <a:endParaRPr lang="ja-JP" altLang="en-US" sz="1050" dirty="0"/>
+                    </a:p>
+                  </a:txBody>
+                  <a:tcPr>
+                    <a:lnL w="12700" cap="flat" cmpd="sng" algn="ctr">
+                      <a:solidFill>
+                        <a:schemeClr val="tx1"/>
+                      </a:solidFill>
+                      <a:prstDash val="solid"/>
+                      <a:round/>
+                      <a:headEnd type="none" w="med" len="med"/>
+                      <a:tailEnd type="none" w="med" len="med"/>
+                    </a:lnL>
+                    <a:lnR w="12700" cap="flat" cmpd="sng" algn="ctr">
+                      <a:solidFill>
+                        <a:schemeClr val="tx1"/>
+                      </a:solidFill>
+                      <a:prstDash val="solid"/>
+                      <a:round/>
+                      <a:headEnd type="none" w="med" len="med"/>
+                      <a:tailEnd type="none" w="med" len="med"/>
+                    </a:lnR>
+                    <a:lnT w="12700" cap="flat" cmpd="sng" algn="ctr">
+                      <a:solidFill>
+                        <a:schemeClr val="tx1"/>
+                      </a:solidFill>
+                      <a:prstDash val="solid"/>
+                      <a:round/>
+                      <a:headEnd type="none" w="med" len="med"/>
+                      <a:tailEnd type="none" w="med" len="med"/>
+                    </a:lnT>
+                    <a:lnB w="12700" cap="flat" cmpd="sng" algn="ctr">
+                      <a:solidFill>
+                        <a:schemeClr val="tx1"/>
+                      </a:solidFill>
+                      <a:prstDash val="solid"/>
+                      <a:round/>
+                      <a:headEnd type="none" w="med" len="med"/>
+                      <a:tailEnd type="none" w="med" len="med"/>
+                    </a:lnB>
+                  </a:tcPr>
+                </a:tc>
+                <a:tc>
+                  <a:txBody>
+                    <a:bodyPr/>
+                    <a:lstStyle/>
+                    <a:p>
+                      <a:endParaRPr kumimoji="1" lang="ja-JP" altLang="en-US" sz="1050"/>
+                    </a:p>
+                  </a:txBody>
+                  <a:tcPr>
+                    <a:lnL w="12700" cap="flat" cmpd="sng" algn="ctr">
+                      <a:solidFill>
+                        <a:schemeClr val="tx1"/>
+                      </a:solidFill>
+                      <a:prstDash val="solid"/>
+                      <a:round/>
+                      <a:headEnd type="none" w="med" len="med"/>
+                      <a:tailEnd type="none" w="med" len="med"/>
+                    </a:lnL>
+                    <a:lnR w="12700" cap="flat" cmpd="sng" algn="ctr">
+                      <a:solidFill>
+                        <a:schemeClr val="tx1"/>
+                      </a:solidFill>
+                      <a:prstDash val="solid"/>
+                      <a:round/>
+                      <a:headEnd type="none" w="med" len="med"/>
+                      <a:tailEnd type="none" w="med" len="med"/>
+                    </a:lnR>
+                    <a:lnT w="12700" cap="flat" cmpd="sng" algn="ctr">
+                      <a:solidFill>
+                        <a:schemeClr val="tx1"/>
+                      </a:solidFill>
+                      <a:prstDash val="solid"/>
+                      <a:round/>
+                      <a:headEnd type="none" w="med" len="med"/>
+                      <a:tailEnd type="none" w="med" len="med"/>
+                    </a:lnT>
+                    <a:lnB w="12700" cap="flat" cmpd="sng" algn="ctr">
+                      <a:solidFill>
+                        <a:schemeClr val="tx1"/>
+                      </a:solidFill>
+                      <a:prstDash val="solid"/>
+                      <a:round/>
+                      <a:headEnd type="none" w="med" len="med"/>
+                      <a:tailEnd type="none" w="med" len="med"/>
+                    </a:lnB>
+                  </a:tcPr>
+                </a:tc>
+                <a:tc>
+                  <a:txBody>
+                    <a:bodyPr/>
+                    <a:lstStyle/>
+                    <a:p>
+                      <a:endParaRPr kumimoji="1" lang="ja-JP" altLang="en-US" sz="1050" dirty="0"/>
+                    </a:p>
+                  </a:txBody>
+                  <a:tcPr>
+                    <a:lnL w="12700" cap="flat" cmpd="sng" algn="ctr">
+                      <a:solidFill>
+                        <a:schemeClr val="tx1"/>
+                      </a:solidFill>
+                      <a:prstDash val="solid"/>
+                      <a:round/>
+                      <a:headEnd type="none" w="med" len="med"/>
+                      <a:tailEnd type="none" w="med" len="med"/>
+                    </a:lnL>
+                    <a:lnR w="12700" cap="flat" cmpd="sng" algn="ctr">
+                      <a:solidFill>
+                        <a:schemeClr val="tx1"/>
+                      </a:solidFill>
+                      <a:prstDash val="solid"/>
+                      <a:round/>
+                      <a:headEnd type="none" w="med" len="med"/>
+                      <a:tailEnd type="none" w="med" len="med"/>
+                    </a:lnR>
+                    <a:lnT w="12700" cap="flat" cmpd="sng" algn="ctr">
+                      <a:solidFill>
+                        <a:schemeClr val="tx1"/>
+                      </a:solidFill>
+                      <a:prstDash val="solid"/>
+                      <a:round/>
+                      <a:headEnd type="none" w="med" len="med"/>
+                      <a:tailEnd type="none" w="med" len="med"/>
+                    </a:lnT>
+                    <a:lnB w="12700" cap="flat" cmpd="sng" algn="ctr">
+                      <a:solidFill>
+                        <a:schemeClr val="tx1"/>
+                      </a:solidFill>
+                      <a:prstDash val="solid"/>
+                      <a:round/>
+                      <a:headEnd type="none" w="med" len="med"/>
+                      <a:tailEnd type="none" w="med" len="med"/>
+                    </a:lnB>
+                  </a:tcPr>
+                </a:tc>
+              </a:tr>
+            </a:tbl>
+          </a:graphicData>
+        </a:graphic>
+      </p:graphicFrame>
+      <p:sp>
+        <p:nvSpPr>
+          <p:cNvPr id="3" name="テキスト ボックス 2"/>
+          <p:cNvSpPr txBox="1"/>
+          <p:nvPr/>
+        </p:nvSpPr>
+        <p:spPr>
+          <a:xfrm>
+            <a:off x="2557113" y="270538"/>
+            <a:ext cx="1728192" cy="253916"/>
+          </a:xfrm>
+          <a:prstGeom prst="rect">
+            <a:avLst/>
+          </a:prstGeom>
+          <a:noFill/>
+        </p:spPr>
+        <p:txBody>
+          <a:bodyPr wrap="square" rtlCol="0">
+            <a:spAutoFit/>
+          </a:bodyPr>
+          <a:lstStyle/>
+          <a:p>
+            <a:r>
+              <a:rPr lang="ja-JP" altLang="en-US" sz="1050" dirty="0">
+                <a:latin typeface="メイリオ" panose="020B0604030504040204" pitchFamily="50" charset="-128"/>
+                <a:ea typeface="メイリオ" panose="020B0604030504040204" pitchFamily="50" charset="-128"/>
+              </a:rPr>
+              <a:t>印刷</a:t>
+            </a:r>
+            <a:r>
+              <a:rPr lang="ja-JP" altLang="en-US" sz="1050" dirty="0" smtClean="0">
+                <a:latin typeface="メイリオ" panose="020B0604030504040204" pitchFamily="50" charset="-128"/>
+                <a:ea typeface="メイリオ" panose="020B0604030504040204" pitchFamily="50" charset="-128"/>
+              </a:rPr>
+              <a:t>日</a:t>
+            </a:r>
+            <a:r>
+              <a:rPr lang="en-US" altLang="ja-JP" sz="1050" dirty="0" smtClean="0">
+                <a:latin typeface="メイリオ" panose="020B0604030504040204" pitchFamily="50" charset="-128"/>
+                <a:ea typeface="メイリオ" panose="020B0604030504040204" pitchFamily="50" charset="-128"/>
+              </a:rPr>
+              <a:t>:2018/12/31</a:t>
+            </a:r>
+            <a:endParaRPr kumimoji="1" lang="ja-JP" altLang="en-US" sz="1050" dirty="0">
+              <a:latin typeface="メイリオ" panose="020B0604030504040204" pitchFamily="50" charset="-128"/>
+              <a:ea typeface="メイリオ" panose="020B0604030504040204" pitchFamily="50" charset="-128"/>
+            </a:endParaRPr>
+          </a:p>
+        </p:txBody>
+      </p:sp>
+    </p:spTree>
+    <p:extLst>
+      <p:ext uri="{BB962C8B-B14F-4D97-AF65-F5344CB8AC3E}">
+        <p14:creationId xmlns:p14="http://schemas.microsoft.com/office/powerpoint/2010/main" val="1586209064"/>
       </p:ext>
     </p:extLst>
   </p:cSld>
@@ -7948,6 +13592,595 @@
     <p:extLst>
       <p:ext uri="{BB962C8B-B14F-4D97-AF65-F5344CB8AC3E}">
         <p14:creationId xmlns:p14="http://schemas.microsoft.com/office/powerpoint/2010/main" val="3609890881"/>
+      </p:ext>
+    </p:extLst>
+  </p:cSld>
+  <p:clrMapOvr>
+    <a:masterClrMapping/>
+  </p:clrMapOvr>
+</p:sld>
+</file>
+
+<file path=ppt/slides/slide20.xml><?xml version="1.0" encoding="utf-8"?>
+<p:sld xmlns:a="http://schemas.openxmlformats.org/drawingml/2006/main" xmlns:r="http://schemas.openxmlformats.org/officeDocument/2006/relationships" xmlns:p="http://schemas.openxmlformats.org/presentationml/2006/main">
+  <p:cSld>
+    <p:spTree>
+      <p:nvGrpSpPr>
+        <p:cNvPr id="1" name=""/>
+        <p:cNvGrpSpPr/>
+        <p:nvPr/>
+      </p:nvGrpSpPr>
+      <p:grpSpPr>
+        <a:xfrm>
+          <a:off x="0" y="0"/>
+          <a:ext cx="0" cy="0"/>
+          <a:chOff x="0" y="0"/>
+          <a:chExt cx="0" cy="0"/>
+        </a:xfrm>
+      </p:grpSpPr>
+      <p:graphicFrame>
+        <p:nvGraphicFramePr>
+          <p:cNvPr id="7" name="コンテンツ プレースホルダー 6"/>
+          <p:cNvGraphicFramePr>
+            <a:graphicFrameLocks noGrp="1"/>
+          </p:cNvGraphicFramePr>
+          <p:nvPr>
+            <p:ph idx="1"/>
+            <p:extLst>
+              <p:ext uri="{D42A27DB-BD31-4B8C-83A1-F6EECF244321}">
+                <p14:modId xmlns:p14="http://schemas.microsoft.com/office/powerpoint/2010/main" val="2612206723"/>
+              </p:ext>
+            </p:extLst>
+          </p:nvPr>
+        </p:nvGraphicFramePr>
+        <p:xfrm>
+          <a:off x="100980" y="1211238"/>
+          <a:ext cx="4370040" cy="1463040"/>
+        </p:xfrm>
+        <a:graphic>
+          <a:graphicData uri="http://schemas.openxmlformats.org/drawingml/2006/table">
+            <a:tbl>
+              <a:tblPr bandRow="1">
+                <a:tableStyleId>{5C22544A-7EE6-4342-B048-85BDC9FD1C3A}</a:tableStyleId>
+              </a:tblPr>
+              <a:tblGrid>
+                <a:gridCol w="1168571"/>
+                <a:gridCol w="3201469"/>
+              </a:tblGrid>
+              <a:tr h="370840">
+                <a:tc>
+                  <a:txBody>
+                    <a:bodyPr/>
+                    <a:lstStyle/>
+                    <a:p>
+                      <a:r>
+                        <a:rPr kumimoji="1" lang="en-US" altLang="ja-JP" sz="1050" dirty="0" smtClean="0">
+                          <a:latin typeface="メイリオ" panose="020B0604030504040204" pitchFamily="50" charset="-128"/>
+                          <a:ea typeface="メイリオ" panose="020B0604030504040204" pitchFamily="50" charset="-128"/>
+                        </a:rPr>
+                        <a:t>DVD</a:t>
+                      </a:r>
+                      <a:r>
+                        <a:rPr kumimoji="1" lang="ja-JP" altLang="en-US" sz="1050" dirty="0" smtClean="0">
+                          <a:latin typeface="メイリオ" panose="020B0604030504040204" pitchFamily="50" charset="-128"/>
+                          <a:ea typeface="メイリオ" panose="020B0604030504040204" pitchFamily="50" charset="-128"/>
+                        </a:rPr>
+                        <a:t>情報</a:t>
+                      </a:r>
+                      <a:endParaRPr kumimoji="1" lang="ja-JP" altLang="en-US" sz="1050" dirty="0">
+                        <a:latin typeface="メイリオ" panose="020B0604030504040204" pitchFamily="50" charset="-128"/>
+                        <a:ea typeface="メイリオ" panose="020B0604030504040204" pitchFamily="50" charset="-128"/>
+                      </a:endParaRPr>
+                    </a:p>
+                  </a:txBody>
+                  <a:tcPr/>
+                </a:tc>
+                <a:tc>
+                  <a:txBody>
+                    <a:bodyPr/>
+                    <a:lstStyle/>
+                    <a:p>
+                      <a:r>
+                        <a:rPr kumimoji="1" lang="en-US" altLang="ja-JP" sz="1050" dirty="0" smtClean="0">
+                          <a:latin typeface="メイリオ" panose="020B0604030504040204" pitchFamily="50" charset="-128"/>
+                          <a:ea typeface="メイリオ" panose="020B0604030504040204" pitchFamily="50" charset="-128"/>
+                        </a:rPr>
+                        <a:t>DVD</a:t>
+                      </a:r>
+                      <a:r>
+                        <a:rPr kumimoji="1" lang="ja-JP" altLang="en-US" sz="1050" dirty="0" smtClean="0">
+                          <a:latin typeface="メイリオ" panose="020B0604030504040204" pitchFamily="50" charset="-128"/>
+                          <a:ea typeface="メイリオ" panose="020B0604030504040204" pitchFamily="50" charset="-128"/>
+                        </a:rPr>
+                        <a:t>番号，タイトル，メーカー，ジャンル，枚数</a:t>
+                      </a:r>
+                      <a:endParaRPr kumimoji="1" lang="en-US" altLang="ja-JP" sz="1050" dirty="0" smtClean="0">
+                        <a:latin typeface="メイリオ" panose="020B0604030504040204" pitchFamily="50" charset="-128"/>
+                        <a:ea typeface="メイリオ" panose="020B0604030504040204" pitchFamily="50" charset="-128"/>
+                      </a:endParaRPr>
+                    </a:p>
+                    <a:p>
+                      <a:r>
+                        <a:rPr kumimoji="1" lang="ja-JP" altLang="en-US" sz="1050" dirty="0" smtClean="0">
+                          <a:latin typeface="メイリオ" panose="020B0604030504040204" pitchFamily="50" charset="-128"/>
+                          <a:ea typeface="メイリオ" panose="020B0604030504040204" pitchFamily="50" charset="-128"/>
+                        </a:rPr>
+                        <a:t>・主キーは</a:t>
+                      </a:r>
+                      <a:r>
+                        <a:rPr kumimoji="1" lang="en-US" altLang="ja-JP" sz="1050" dirty="0" smtClean="0">
+                          <a:latin typeface="メイリオ" panose="020B0604030504040204" pitchFamily="50" charset="-128"/>
+                          <a:ea typeface="メイリオ" panose="020B0604030504040204" pitchFamily="50" charset="-128"/>
+                        </a:rPr>
+                        <a:t>DVD</a:t>
+                      </a:r>
+                      <a:r>
+                        <a:rPr kumimoji="1" lang="ja-JP" altLang="en-US" sz="1050" dirty="0" smtClean="0">
+                          <a:latin typeface="メイリオ" panose="020B0604030504040204" pitchFamily="50" charset="-128"/>
+                          <a:ea typeface="メイリオ" panose="020B0604030504040204" pitchFamily="50" charset="-128"/>
+                        </a:rPr>
+                        <a:t>番号</a:t>
+                      </a:r>
+                      <a:endParaRPr kumimoji="1" lang="en-US" altLang="ja-JP" sz="1050" dirty="0" smtClean="0">
+                        <a:latin typeface="メイリオ" panose="020B0604030504040204" pitchFamily="50" charset="-128"/>
+                        <a:ea typeface="メイリオ" panose="020B0604030504040204" pitchFamily="50" charset="-128"/>
+                      </a:endParaRPr>
+                    </a:p>
+                    <a:p>
+                      <a:r>
+                        <a:rPr kumimoji="1" lang="ja-JP" altLang="en-US" sz="1050" dirty="0" smtClean="0">
+                          <a:latin typeface="メイリオ" panose="020B0604030504040204" pitchFamily="50" charset="-128"/>
+                          <a:ea typeface="メイリオ" panose="020B0604030504040204" pitchFamily="50" charset="-128"/>
+                        </a:rPr>
+                        <a:t>・</a:t>
+                      </a:r>
+                      <a:r>
+                        <a:rPr kumimoji="1" lang="en-US" altLang="ja-JP" sz="1050" dirty="0" smtClean="0">
+                          <a:latin typeface="メイリオ" panose="020B0604030504040204" pitchFamily="50" charset="-128"/>
+                          <a:ea typeface="メイリオ" panose="020B0604030504040204" pitchFamily="50" charset="-128"/>
+                        </a:rPr>
+                        <a:t>DVD</a:t>
+                      </a:r>
+                      <a:r>
+                        <a:rPr kumimoji="1" lang="ja-JP" altLang="en-US" sz="1050" dirty="0" smtClean="0">
+                          <a:latin typeface="メイリオ" panose="020B0604030504040204" pitchFamily="50" charset="-128"/>
+                          <a:ea typeface="メイリオ" panose="020B0604030504040204" pitchFamily="50" charset="-128"/>
+                        </a:rPr>
+                        <a:t>単位で</a:t>
+                      </a:r>
+                      <a:r>
+                        <a:rPr kumimoji="1" lang="en-US" altLang="ja-JP" sz="1050" dirty="0" smtClean="0">
+                          <a:latin typeface="メイリオ" panose="020B0604030504040204" pitchFamily="50" charset="-128"/>
+                          <a:ea typeface="メイリオ" panose="020B0604030504040204" pitchFamily="50" charset="-128"/>
+                        </a:rPr>
+                        <a:t>1</a:t>
+                      </a:r>
+                      <a:r>
+                        <a:rPr kumimoji="1" lang="ja-JP" altLang="en-US" sz="1050" dirty="0" smtClean="0">
+                          <a:latin typeface="メイリオ" panose="020B0604030504040204" pitchFamily="50" charset="-128"/>
+                          <a:ea typeface="メイリオ" panose="020B0604030504040204" pitchFamily="50" charset="-128"/>
+                        </a:rPr>
+                        <a:t>レコード</a:t>
+                      </a:r>
+                      <a:endParaRPr kumimoji="1" lang="en-US" altLang="ja-JP" sz="1050" dirty="0" smtClean="0">
+                        <a:latin typeface="メイリオ" panose="020B0604030504040204" pitchFamily="50" charset="-128"/>
+                        <a:ea typeface="メイリオ" panose="020B0604030504040204" pitchFamily="50" charset="-128"/>
+                      </a:endParaRPr>
+                    </a:p>
+                    <a:p>
+                      <a:r>
+                        <a:rPr kumimoji="1" lang="ja-JP" altLang="en-US" sz="1050" dirty="0" smtClean="0">
+                          <a:latin typeface="メイリオ" panose="020B0604030504040204" pitchFamily="50" charset="-128"/>
+                          <a:ea typeface="メイリオ" panose="020B0604030504040204" pitchFamily="50" charset="-128"/>
+                        </a:rPr>
+                        <a:t>・同一の</a:t>
+                      </a:r>
+                      <a:r>
+                        <a:rPr kumimoji="1" lang="en-US" altLang="ja-JP" sz="1050" dirty="0" smtClean="0">
+                          <a:latin typeface="メイリオ" panose="020B0604030504040204" pitchFamily="50" charset="-128"/>
+                          <a:ea typeface="メイリオ" panose="020B0604030504040204" pitchFamily="50" charset="-128"/>
+                        </a:rPr>
+                        <a:t>DVD</a:t>
+                      </a:r>
+                      <a:r>
+                        <a:rPr kumimoji="1" lang="ja-JP" altLang="en-US" sz="1050" dirty="0" smtClean="0">
+                          <a:latin typeface="メイリオ" panose="020B0604030504040204" pitchFamily="50" charset="-128"/>
+                          <a:ea typeface="メイリオ" panose="020B0604030504040204" pitchFamily="50" charset="-128"/>
+                        </a:rPr>
+                        <a:t>が</a:t>
+                      </a:r>
+                      <a:r>
+                        <a:rPr kumimoji="1" lang="en-US" altLang="ja-JP" sz="1050" dirty="0" smtClean="0">
+                          <a:latin typeface="メイリオ" panose="020B0604030504040204" pitchFamily="50" charset="-128"/>
+                          <a:ea typeface="メイリオ" panose="020B0604030504040204" pitchFamily="50" charset="-128"/>
+                        </a:rPr>
+                        <a:t>5</a:t>
+                      </a:r>
+                      <a:r>
+                        <a:rPr kumimoji="1" lang="ja-JP" altLang="en-US" sz="1050" dirty="0" smtClean="0">
+                          <a:latin typeface="メイリオ" panose="020B0604030504040204" pitchFamily="50" charset="-128"/>
+                          <a:ea typeface="メイリオ" panose="020B0604030504040204" pitchFamily="50" charset="-128"/>
+                        </a:rPr>
+                        <a:t>枚あっても</a:t>
+                      </a:r>
+                      <a:r>
+                        <a:rPr kumimoji="1" lang="en-US" altLang="ja-JP" sz="1050" dirty="0" smtClean="0">
+                          <a:latin typeface="メイリオ" panose="020B0604030504040204" pitchFamily="50" charset="-128"/>
+                          <a:ea typeface="メイリオ" panose="020B0604030504040204" pitchFamily="50" charset="-128"/>
+                        </a:rPr>
+                        <a:t>DVD</a:t>
+                      </a:r>
+                      <a:r>
+                        <a:rPr kumimoji="1" lang="ja-JP" altLang="en-US" sz="1050" dirty="0" smtClean="0">
+                          <a:latin typeface="メイリオ" panose="020B0604030504040204" pitchFamily="50" charset="-128"/>
+                          <a:ea typeface="メイリオ" panose="020B0604030504040204" pitchFamily="50" charset="-128"/>
+                        </a:rPr>
+                        <a:t>情報は</a:t>
+                      </a:r>
+                      <a:r>
+                        <a:rPr kumimoji="1" lang="en-US" altLang="ja-JP" sz="1050" dirty="0" smtClean="0">
+                          <a:latin typeface="メイリオ" panose="020B0604030504040204" pitchFamily="50" charset="-128"/>
+                          <a:ea typeface="メイリオ" panose="020B0604030504040204" pitchFamily="50" charset="-128"/>
+                        </a:rPr>
+                        <a:t>1</a:t>
+                      </a:r>
+                      <a:r>
+                        <a:rPr kumimoji="1" lang="ja-JP" altLang="en-US" sz="1050" dirty="0" smtClean="0">
+                          <a:latin typeface="メイリオ" panose="020B0604030504040204" pitchFamily="50" charset="-128"/>
+                          <a:ea typeface="メイリオ" panose="020B0604030504040204" pitchFamily="50" charset="-128"/>
+                        </a:rPr>
+                        <a:t>つのみ</a:t>
+                      </a:r>
+                      <a:endParaRPr kumimoji="1" lang="en-US" altLang="ja-JP" sz="1050" dirty="0" smtClean="0">
+                        <a:latin typeface="メイリオ" panose="020B0604030504040204" pitchFamily="50" charset="-128"/>
+                        <a:ea typeface="メイリオ" panose="020B0604030504040204" pitchFamily="50" charset="-128"/>
+                      </a:endParaRPr>
+                    </a:p>
+                  </a:txBody>
+                  <a:tcPr/>
+                </a:tc>
+              </a:tr>
+              <a:tr h="370840">
+                <a:tc>
+                  <a:txBody>
+                    <a:bodyPr/>
+                    <a:lstStyle/>
+                    <a:p>
+                      <a:r>
+                        <a:rPr kumimoji="1" lang="en-US" altLang="ja-JP" sz="1050" dirty="0" smtClean="0">
+                          <a:latin typeface="メイリオ" panose="020B0604030504040204" pitchFamily="50" charset="-128"/>
+                          <a:ea typeface="メイリオ" panose="020B0604030504040204" pitchFamily="50" charset="-128"/>
+                        </a:rPr>
+                        <a:t>DVD</a:t>
+                      </a:r>
+                      <a:r>
+                        <a:rPr kumimoji="1" lang="ja-JP" altLang="en-US" sz="1050" dirty="0" smtClean="0">
+                          <a:latin typeface="メイリオ" panose="020B0604030504040204" pitchFamily="50" charset="-128"/>
+                          <a:ea typeface="メイリオ" panose="020B0604030504040204" pitchFamily="50" charset="-128"/>
+                        </a:rPr>
+                        <a:t>明細情報</a:t>
+                      </a:r>
+                      <a:endParaRPr kumimoji="1" lang="ja-JP" altLang="en-US" sz="1050" dirty="0">
+                        <a:latin typeface="メイリオ" panose="020B0604030504040204" pitchFamily="50" charset="-128"/>
+                        <a:ea typeface="メイリオ" panose="020B0604030504040204" pitchFamily="50" charset="-128"/>
+                      </a:endParaRPr>
+                    </a:p>
+                  </a:txBody>
+                  <a:tcPr/>
+                </a:tc>
+                <a:tc>
+                  <a:txBody>
+                    <a:bodyPr/>
+                    <a:lstStyle/>
+                    <a:p>
+                      <a:r>
+                        <a:rPr kumimoji="1" lang="en-US" altLang="ja-JP" sz="1050" dirty="0" smtClean="0">
+                          <a:latin typeface="メイリオ" panose="020B0604030504040204" pitchFamily="50" charset="-128"/>
+                          <a:ea typeface="メイリオ" panose="020B0604030504040204" pitchFamily="50" charset="-128"/>
+                        </a:rPr>
+                        <a:t>DVD</a:t>
+                      </a:r>
+                      <a:r>
+                        <a:rPr kumimoji="1" lang="ja-JP" altLang="en-US" sz="1050" dirty="0" smtClean="0">
+                          <a:latin typeface="メイリオ" panose="020B0604030504040204" pitchFamily="50" charset="-128"/>
+                          <a:ea typeface="メイリオ" panose="020B0604030504040204" pitchFamily="50" charset="-128"/>
+                        </a:rPr>
+                        <a:t>番号，枝番，貸出先利用者番号，貸出日</a:t>
+                      </a:r>
+                      <a:endParaRPr kumimoji="1" lang="en-US" altLang="ja-JP" sz="1050" dirty="0" smtClean="0">
+                        <a:latin typeface="メイリオ" panose="020B0604030504040204" pitchFamily="50" charset="-128"/>
+                        <a:ea typeface="メイリオ" panose="020B0604030504040204" pitchFamily="50" charset="-128"/>
+                      </a:endParaRPr>
+                    </a:p>
+                    <a:p>
+                      <a:r>
+                        <a:rPr kumimoji="1" lang="ja-JP" altLang="en-US" sz="1050" dirty="0" smtClean="0">
+                          <a:latin typeface="メイリオ" panose="020B0604030504040204" pitchFamily="50" charset="-128"/>
+                          <a:ea typeface="メイリオ" panose="020B0604030504040204" pitchFamily="50" charset="-128"/>
+                        </a:rPr>
+                        <a:t>・主キーは</a:t>
+                      </a:r>
+                      <a:r>
+                        <a:rPr kumimoji="1" lang="en-US" altLang="ja-JP" sz="1050" dirty="0" smtClean="0">
+                          <a:latin typeface="メイリオ" panose="020B0604030504040204" pitchFamily="50" charset="-128"/>
+                          <a:ea typeface="メイリオ" panose="020B0604030504040204" pitchFamily="50" charset="-128"/>
+                        </a:rPr>
+                        <a:t>DVD</a:t>
+                      </a:r>
+                      <a:r>
+                        <a:rPr kumimoji="1" lang="ja-JP" altLang="en-US" sz="1050" dirty="0" smtClean="0">
+                          <a:latin typeface="メイリオ" panose="020B0604030504040204" pitchFamily="50" charset="-128"/>
+                          <a:ea typeface="メイリオ" panose="020B0604030504040204" pitchFamily="50" charset="-128"/>
+                        </a:rPr>
+                        <a:t>番号</a:t>
+                      </a:r>
+                      <a:endParaRPr kumimoji="1" lang="en-US" altLang="ja-JP" sz="1050" dirty="0" smtClean="0">
+                        <a:latin typeface="メイリオ" panose="020B0604030504040204" pitchFamily="50" charset="-128"/>
+                        <a:ea typeface="メイリオ" panose="020B0604030504040204" pitchFamily="50" charset="-128"/>
+                      </a:endParaRPr>
+                    </a:p>
+                    <a:p>
+                      <a:r>
+                        <a:rPr kumimoji="1" lang="ja-JP" altLang="en-US" sz="1050" dirty="0" smtClean="0">
+                          <a:latin typeface="メイリオ" panose="020B0604030504040204" pitchFamily="50" charset="-128"/>
+                          <a:ea typeface="メイリオ" panose="020B0604030504040204" pitchFamily="50" charset="-128"/>
+                        </a:rPr>
+                        <a:t>・</a:t>
+                      </a:r>
+                      <a:r>
+                        <a:rPr kumimoji="1" lang="en-US" altLang="ja-JP" sz="1050" dirty="0" smtClean="0">
+                          <a:latin typeface="メイリオ" panose="020B0604030504040204" pitchFamily="50" charset="-128"/>
+                          <a:ea typeface="メイリオ" panose="020B0604030504040204" pitchFamily="50" charset="-128"/>
+                        </a:rPr>
+                        <a:t>DVD1</a:t>
+                      </a:r>
+                      <a:r>
+                        <a:rPr kumimoji="1" lang="ja-JP" altLang="en-US" sz="1050" dirty="0" smtClean="0">
+                          <a:latin typeface="メイリオ" panose="020B0604030504040204" pitchFamily="50" charset="-128"/>
+                          <a:ea typeface="メイリオ" panose="020B0604030504040204" pitchFamily="50" charset="-128"/>
+                        </a:rPr>
+                        <a:t>枚がレコ</a:t>
+                      </a:r>
+                      <a:r>
+                        <a:rPr kumimoji="1" lang="en-US" altLang="ja-JP" sz="1050" dirty="0" smtClean="0">
+                          <a:latin typeface="メイリオ" panose="020B0604030504040204" pitchFamily="50" charset="-128"/>
+                          <a:ea typeface="メイリオ" panose="020B0604030504040204" pitchFamily="50" charset="-128"/>
+                        </a:rPr>
+                        <a:t>―</a:t>
+                      </a:r>
+                      <a:r>
+                        <a:rPr kumimoji="1" lang="ja-JP" altLang="en-US" sz="1050" dirty="0" smtClean="0">
+                          <a:latin typeface="メイリオ" panose="020B0604030504040204" pitchFamily="50" charset="-128"/>
+                          <a:ea typeface="メイリオ" panose="020B0604030504040204" pitchFamily="50" charset="-128"/>
+                        </a:rPr>
+                        <a:t>ド</a:t>
+                      </a:r>
+                      <a:endParaRPr kumimoji="1" lang="en-US" altLang="ja-JP" sz="1050" dirty="0" smtClean="0">
+                        <a:latin typeface="メイリオ" panose="020B0604030504040204" pitchFamily="50" charset="-128"/>
+                        <a:ea typeface="メイリオ" panose="020B0604030504040204" pitchFamily="50" charset="-128"/>
+                      </a:endParaRPr>
+                    </a:p>
+                    <a:p>
+                      <a:r>
+                        <a:rPr kumimoji="1" lang="ja-JP" altLang="en-US" sz="1050" dirty="0" smtClean="0">
+                          <a:latin typeface="メイリオ" panose="020B0604030504040204" pitchFamily="50" charset="-128"/>
+                          <a:ea typeface="メイリオ" panose="020B0604030504040204" pitchFamily="50" charset="-128"/>
+                        </a:rPr>
+                        <a:t>・同一の</a:t>
+                      </a:r>
+                      <a:r>
+                        <a:rPr kumimoji="1" lang="en-US" altLang="ja-JP" sz="1050" dirty="0" smtClean="0">
+                          <a:latin typeface="メイリオ" panose="020B0604030504040204" pitchFamily="50" charset="-128"/>
+                          <a:ea typeface="メイリオ" panose="020B0604030504040204" pitchFamily="50" charset="-128"/>
+                        </a:rPr>
+                        <a:t>DVD</a:t>
+                      </a:r>
+                      <a:r>
+                        <a:rPr kumimoji="1" lang="ja-JP" altLang="en-US" sz="1050" dirty="0" smtClean="0">
+                          <a:latin typeface="メイリオ" panose="020B0604030504040204" pitchFamily="50" charset="-128"/>
+                          <a:ea typeface="メイリオ" panose="020B0604030504040204" pitchFamily="50" charset="-128"/>
+                        </a:rPr>
+                        <a:t>が</a:t>
+                      </a:r>
+                      <a:r>
+                        <a:rPr kumimoji="1" lang="en-US" altLang="ja-JP" sz="1050" dirty="0" smtClean="0">
+                          <a:latin typeface="メイリオ" panose="020B0604030504040204" pitchFamily="50" charset="-128"/>
+                          <a:ea typeface="メイリオ" panose="020B0604030504040204" pitchFamily="50" charset="-128"/>
+                        </a:rPr>
+                        <a:t>5</a:t>
+                      </a:r>
+                      <a:r>
+                        <a:rPr kumimoji="1" lang="ja-JP" altLang="en-US" sz="1050" dirty="0" smtClean="0">
+                          <a:latin typeface="メイリオ" panose="020B0604030504040204" pitchFamily="50" charset="-128"/>
+                          <a:ea typeface="メイリオ" panose="020B0604030504040204" pitchFamily="50" charset="-128"/>
+                        </a:rPr>
+                        <a:t>枚あれば</a:t>
+                      </a:r>
+                      <a:r>
+                        <a:rPr kumimoji="1" lang="en-US" altLang="ja-JP" sz="1050" dirty="0" smtClean="0">
+                          <a:latin typeface="メイリオ" panose="020B0604030504040204" pitchFamily="50" charset="-128"/>
+                          <a:ea typeface="メイリオ" panose="020B0604030504040204" pitchFamily="50" charset="-128"/>
+                        </a:rPr>
+                        <a:t>DVD</a:t>
+                      </a:r>
+                      <a:r>
+                        <a:rPr kumimoji="1" lang="ja-JP" altLang="en-US" sz="1050" dirty="0" smtClean="0">
+                          <a:latin typeface="メイリオ" panose="020B0604030504040204" pitchFamily="50" charset="-128"/>
+                          <a:ea typeface="メイリオ" panose="020B0604030504040204" pitchFamily="50" charset="-128"/>
+                        </a:rPr>
+                        <a:t>明細情報は</a:t>
+                      </a:r>
+                      <a:r>
+                        <a:rPr kumimoji="1" lang="en-US" altLang="ja-JP" sz="1050" dirty="0" smtClean="0">
+                          <a:latin typeface="メイリオ" panose="020B0604030504040204" pitchFamily="50" charset="-128"/>
+                          <a:ea typeface="メイリオ" panose="020B0604030504040204" pitchFamily="50" charset="-128"/>
+                        </a:rPr>
+                        <a:t>5</a:t>
+                      </a:r>
+                      <a:r>
+                        <a:rPr kumimoji="1" lang="ja-JP" altLang="en-US" sz="1050" dirty="0" smtClean="0">
+                          <a:latin typeface="メイリオ" panose="020B0604030504040204" pitchFamily="50" charset="-128"/>
+                          <a:ea typeface="メイリオ" panose="020B0604030504040204" pitchFamily="50" charset="-128"/>
+                        </a:rPr>
+                        <a:t>つ存在</a:t>
+                      </a:r>
+                      <a:endParaRPr kumimoji="1" lang="ja-JP" altLang="en-US" sz="1050" dirty="0">
+                        <a:latin typeface="メイリオ" panose="020B0604030504040204" pitchFamily="50" charset="-128"/>
+                        <a:ea typeface="メイリオ" panose="020B0604030504040204" pitchFamily="50" charset="-128"/>
+                      </a:endParaRPr>
+                    </a:p>
+                  </a:txBody>
+                  <a:tcPr/>
+                </a:tc>
+              </a:tr>
+            </a:tbl>
+          </a:graphicData>
+        </a:graphic>
+      </p:graphicFrame>
+      <p:sp>
+        <p:nvSpPr>
+          <p:cNvPr id="8" name="タイトル 1"/>
+          <p:cNvSpPr txBox="1">
+            <a:spLocks/>
+          </p:cNvSpPr>
+          <p:nvPr/>
+        </p:nvSpPr>
+        <p:spPr>
+          <a:xfrm>
+            <a:off x="228600" y="137382"/>
+            <a:ext cx="4114800" cy="571765"/>
+          </a:xfrm>
+          <a:prstGeom prst="rect">
+            <a:avLst/>
+          </a:prstGeom>
+        </p:spPr>
+        <p:style>
+          <a:lnRef idx="1">
+            <a:schemeClr val="accent5"/>
+          </a:lnRef>
+          <a:fillRef idx="3">
+            <a:schemeClr val="accent5"/>
+          </a:fillRef>
+          <a:effectRef idx="2">
+            <a:schemeClr val="accent5"/>
+          </a:effectRef>
+          <a:fontRef idx="minor">
+            <a:schemeClr val="lt1"/>
+          </a:fontRef>
+        </p:style>
+        <p:txBody>
+          <a:bodyPr vert="horz" lIns="45720" tIns="22860" rIns="45720" bIns="22860" rtlCol="0" anchor="ctr">
+            <a:normAutofit/>
+          </a:bodyPr>
+          <a:lstStyle>
+            <a:lvl1pPr algn="ctr" defTabSz="457200" rtl="0" eaLnBrk="1" latinLnBrk="0" hangingPunct="1">
+              <a:spcBef>
+                <a:spcPct val="0"/>
+              </a:spcBef>
+              <a:buNone/>
+              <a:defRPr kumimoji="1" sz="2200" kern="1200">
+                <a:solidFill>
+                  <a:schemeClr val="lt1"/>
+                </a:solidFill>
+                <a:latin typeface="+mn-lt"/>
+                <a:ea typeface="+mn-ea"/>
+                <a:cs typeface="+mn-cs"/>
+              </a:defRPr>
+            </a:lvl1pPr>
+            <a:lvl2pPr>
+              <a:defRPr>
+                <a:solidFill>
+                  <a:schemeClr val="lt1"/>
+                </a:solidFill>
+                <a:latin typeface="+mn-lt"/>
+                <a:ea typeface="+mn-ea"/>
+                <a:cs typeface="+mn-cs"/>
+              </a:defRPr>
+            </a:lvl2pPr>
+            <a:lvl3pPr>
+              <a:defRPr>
+                <a:solidFill>
+                  <a:schemeClr val="lt1"/>
+                </a:solidFill>
+                <a:latin typeface="+mn-lt"/>
+                <a:ea typeface="+mn-ea"/>
+                <a:cs typeface="+mn-cs"/>
+              </a:defRPr>
+            </a:lvl3pPr>
+            <a:lvl4pPr>
+              <a:defRPr>
+                <a:solidFill>
+                  <a:schemeClr val="lt1"/>
+                </a:solidFill>
+                <a:latin typeface="+mn-lt"/>
+                <a:ea typeface="+mn-ea"/>
+                <a:cs typeface="+mn-cs"/>
+              </a:defRPr>
+            </a:lvl4pPr>
+            <a:lvl5pPr>
+              <a:defRPr>
+                <a:solidFill>
+                  <a:schemeClr val="lt1"/>
+                </a:solidFill>
+                <a:latin typeface="+mn-lt"/>
+                <a:ea typeface="+mn-ea"/>
+                <a:cs typeface="+mn-cs"/>
+              </a:defRPr>
+            </a:lvl5pPr>
+            <a:lvl6pPr>
+              <a:defRPr>
+                <a:solidFill>
+                  <a:schemeClr val="lt1"/>
+                </a:solidFill>
+                <a:latin typeface="+mn-lt"/>
+                <a:ea typeface="+mn-ea"/>
+                <a:cs typeface="+mn-cs"/>
+              </a:defRPr>
+            </a:lvl6pPr>
+            <a:lvl7pPr>
+              <a:defRPr>
+                <a:solidFill>
+                  <a:schemeClr val="lt1"/>
+                </a:solidFill>
+                <a:latin typeface="+mn-lt"/>
+                <a:ea typeface="+mn-ea"/>
+                <a:cs typeface="+mn-cs"/>
+              </a:defRPr>
+            </a:lvl7pPr>
+            <a:lvl8pPr>
+              <a:defRPr>
+                <a:solidFill>
+                  <a:schemeClr val="lt1"/>
+                </a:solidFill>
+                <a:latin typeface="+mn-lt"/>
+                <a:ea typeface="+mn-ea"/>
+                <a:cs typeface="+mn-cs"/>
+              </a:defRPr>
+            </a:lvl8pPr>
+            <a:lvl9pPr>
+              <a:defRPr>
+                <a:solidFill>
+                  <a:schemeClr val="lt1"/>
+                </a:solidFill>
+                <a:latin typeface="+mn-lt"/>
+                <a:ea typeface="+mn-ea"/>
+                <a:cs typeface="+mn-cs"/>
+              </a:defRPr>
+            </a:lvl9pPr>
+          </a:lstStyle>
+          <a:p>
+            <a:r>
+              <a:rPr lang="ja-JP" altLang="en-US" dirty="0"/>
+              <a:t>本システムで扱われるデータ</a:t>
+            </a:r>
+            <a:endParaRPr lang="ja-JP" altLang="en-US" dirty="0"/>
+          </a:p>
+        </p:txBody>
+      </p:sp>
+    </p:spTree>
+    <p:extLst>
+      <p:ext uri="{BB962C8B-B14F-4D97-AF65-F5344CB8AC3E}">
+        <p14:creationId xmlns:p14="http://schemas.microsoft.com/office/powerpoint/2010/main" val="122944182"/>
       </p:ext>
     </p:extLst>
   </p:cSld>
